--- a/github.pptx
+++ b/github.pptx
@@ -6,7 +6,7 @@
     <p:sldMasterId id="2147483671" r:id="rId2"/>
   </p:sldMasterIdLst>
   <p:notesMasterIdLst>
-    <p:notesMasterId r:id="rId17"/>
+    <p:notesMasterId r:id="rId20"/>
   </p:notesMasterIdLst>
   <p:sldIdLst>
     <p:sldId id="275" r:id="rId3"/>
@@ -18,11 +18,14 @@
     <p:sldId id="290" r:id="rId9"/>
     <p:sldId id="306" r:id="rId10"/>
     <p:sldId id="289" r:id="rId11"/>
-    <p:sldId id="295" r:id="rId12"/>
-    <p:sldId id="294" r:id="rId13"/>
-    <p:sldId id="288" r:id="rId14"/>
-    <p:sldId id="299" r:id="rId15"/>
-    <p:sldId id="276" r:id="rId16"/>
+    <p:sldId id="294" r:id="rId12"/>
+    <p:sldId id="295" r:id="rId13"/>
+    <p:sldId id="309" r:id="rId14"/>
+    <p:sldId id="288" r:id="rId15"/>
+    <p:sldId id="307" r:id="rId16"/>
+    <p:sldId id="310" r:id="rId17"/>
+    <p:sldId id="308" r:id="rId18"/>
+    <p:sldId id="299" r:id="rId19"/>
   </p:sldIdLst>
   <p:sldSz cx="9144000" cy="5143500" type="screen16x9"/>
   <p:notesSz cx="6858000" cy="9144000"/>
@@ -978,7 +981,7 @@
     </p:spTree>
     <p:extLst>
       <p:ext uri="{BB962C8B-B14F-4D97-AF65-F5344CB8AC3E}">
-        <p14:creationId xmlns:p14="http://schemas.microsoft.com/office/powerpoint/2010/main" val="2699777339"/>
+        <p14:creationId xmlns:p14="http://schemas.microsoft.com/office/powerpoint/2010/main" val="3534578428"/>
       </p:ext>
     </p:extLst>
   </p:cSld>
@@ -1093,7 +1096,7 @@
     </p:spTree>
     <p:extLst>
       <p:ext uri="{BB962C8B-B14F-4D97-AF65-F5344CB8AC3E}">
-        <p14:creationId xmlns:p14="http://schemas.microsoft.com/office/powerpoint/2010/main" val="4206527865"/>
+        <p14:creationId xmlns:p14="http://schemas.microsoft.com/office/powerpoint/2010/main" val="1237013260"/>
       </p:ext>
     </p:extLst>
   </p:cSld>
@@ -1196,6 +1199,466 @@
               </a:rPr>
               <a:pPr algn="r"/>
               <a:t>13</a:t>
+            </a:fld>
+            <a:endParaRPr lang="zh-CN" altLang="en-US" sz="1200">
+              <a:latin typeface="Calibri" pitchFamily="34" charset="0"/>
+              <a:ea typeface="宋体" pitchFamily="2" charset="-122"/>
+              <a:cs typeface="Calibri" pitchFamily="34" charset="0"/>
+            </a:endParaRPr>
+          </a:p>
+        </p:txBody>
+      </p:sp>
+    </p:spTree>
+    <p:extLst>
+      <p:ext uri="{BB962C8B-B14F-4D97-AF65-F5344CB8AC3E}">
+        <p14:creationId xmlns:p14="http://schemas.microsoft.com/office/powerpoint/2010/main" val="4206527865"/>
+      </p:ext>
+    </p:extLst>
+  </p:cSld>
+  <p:clrMapOvr>
+    <a:masterClrMapping/>
+  </p:clrMapOvr>
+</p:notes>
+</file>
+
+<file path=ppt/notesSlides/notesSlide13.xml><?xml version="1.0" encoding="utf-8"?>
+<p:notes xmlns:a="http://schemas.openxmlformats.org/drawingml/2006/main" xmlns:r="http://schemas.openxmlformats.org/officeDocument/2006/relationships" xmlns:p="http://schemas.openxmlformats.org/presentationml/2006/main">
+  <p:cSld>
+    <p:spTree>
+      <p:nvGrpSpPr>
+        <p:cNvPr id="1" name=""/>
+        <p:cNvGrpSpPr/>
+        <p:nvPr/>
+      </p:nvGrpSpPr>
+      <p:grpSpPr>
+        <a:xfrm>
+          <a:off x="0" y="0"/>
+          <a:ext cx="0" cy="0"/>
+          <a:chOff x="0" y="0"/>
+          <a:chExt cx="0" cy="0"/>
+        </a:xfrm>
+      </p:grpSpPr>
+      <p:sp>
+        <p:nvSpPr>
+          <p:cNvPr id="2" name="文本框"/>
+          <p:cNvSpPr>
+            <a:spLocks noGrp="1" noRot="1" noChangeAspect="1"/>
+          </p:cNvSpPr>
+          <p:nvPr>
+            <p:ph type="sldImg"/>
+          </p:nvPr>
+        </p:nvSpPr>
+        <p:spPr/>
+      </p:sp>
+      <p:sp>
+        <p:nvSpPr>
+          <p:cNvPr id="3" name="文本框"/>
+          <p:cNvSpPr>
+            <a:spLocks noGrp="1"/>
+          </p:cNvSpPr>
+          <p:nvPr>
+            <p:ph type="body" idx="1"/>
+          </p:nvPr>
+        </p:nvSpPr>
+        <p:spPr/>
+        <p:txBody>
+          <a:bodyPr/>
+          <a:lstStyle/>
+          <a:p>
+            <a:endParaRPr lang="zh-CN" altLang="en-US"/>
+          </a:p>
+        </p:txBody>
+      </p:sp>
+      <p:sp>
+        <p:nvSpPr>
+          <p:cNvPr id="9" name="文本框"/>
+          <p:cNvSpPr>
+            <a:spLocks noGrp="1"/>
+          </p:cNvSpPr>
+          <p:nvPr>
+            <p:ph type="sldNum" idx="5"/>
+          </p:nvPr>
+        </p:nvSpPr>
+        <p:spPr>
+          <a:xfrm>
+            <a:off x="3884613" y="8685213"/>
+            <a:ext cx="2971800" cy="457200"/>
+          </a:xfrm>
+          <a:prstGeom prst="rect">
+            <a:avLst/>
+          </a:prstGeom>
+          <a:noFill/>
+          <a:ln w="9525" cap="flat" cmpd="sng">
+            <a:noFill/>
+            <a:prstDash val="solid"/>
+            <a:round/>
+          </a:ln>
+        </p:spPr>
+        <p:txBody>
+          <a:bodyPr vert="horz" wrap="square" lIns="91440" tIns="45720" rIns="91440" bIns="45720" anchor="b" anchorCtr="0">
+            <a:prstTxWarp prst="textNoShape">
+              <a:avLst/>
+            </a:prstTxWarp>
+          </a:bodyPr>
+          <a:lstStyle/>
+          <a:p>
+            <a:pPr algn="r"/>
+            <a:fld id="{CAD2D6BD-DE1B-4B5F-8B41-2702339687B9}" type="slidenum">
+              <a:rPr lang="en-US" altLang="zh-CN" sz="1800" u="none" strike="noStrike" kern="1200" cap="none" spc="0" baseline="0">
+                <a:solidFill>
+                  <a:schemeClr val="tx1"/>
+                </a:solidFill>
+                <a:latin typeface="Calibri" pitchFamily="34" charset="0"/>
+                <a:ea typeface="宋体" pitchFamily="2" charset="-122"/>
+                <a:cs typeface="Calibri" pitchFamily="34" charset="0"/>
+              </a:rPr>
+              <a:pPr algn="r"/>
+              <a:t>14</a:t>
+            </a:fld>
+            <a:endParaRPr lang="zh-CN" altLang="en-US" sz="1200">
+              <a:latin typeface="Calibri" pitchFamily="34" charset="0"/>
+              <a:ea typeface="宋体" pitchFamily="2" charset="-122"/>
+              <a:cs typeface="Calibri" pitchFamily="34" charset="0"/>
+            </a:endParaRPr>
+          </a:p>
+        </p:txBody>
+      </p:sp>
+    </p:spTree>
+    <p:extLst>
+      <p:ext uri="{BB962C8B-B14F-4D97-AF65-F5344CB8AC3E}">
+        <p14:creationId xmlns:p14="http://schemas.microsoft.com/office/powerpoint/2010/main" val="637098908"/>
+      </p:ext>
+    </p:extLst>
+  </p:cSld>
+  <p:clrMapOvr>
+    <a:masterClrMapping/>
+  </p:clrMapOvr>
+</p:notes>
+</file>
+
+<file path=ppt/notesSlides/notesSlide14.xml><?xml version="1.0" encoding="utf-8"?>
+<p:notes xmlns:a="http://schemas.openxmlformats.org/drawingml/2006/main" xmlns:r="http://schemas.openxmlformats.org/officeDocument/2006/relationships" xmlns:p="http://schemas.openxmlformats.org/presentationml/2006/main">
+  <p:cSld>
+    <p:spTree>
+      <p:nvGrpSpPr>
+        <p:cNvPr id="1" name=""/>
+        <p:cNvGrpSpPr/>
+        <p:nvPr/>
+      </p:nvGrpSpPr>
+      <p:grpSpPr>
+        <a:xfrm>
+          <a:off x="0" y="0"/>
+          <a:ext cx="0" cy="0"/>
+          <a:chOff x="0" y="0"/>
+          <a:chExt cx="0" cy="0"/>
+        </a:xfrm>
+      </p:grpSpPr>
+      <p:sp>
+        <p:nvSpPr>
+          <p:cNvPr id="2" name="文本框"/>
+          <p:cNvSpPr>
+            <a:spLocks noGrp="1" noRot="1" noChangeAspect="1"/>
+          </p:cNvSpPr>
+          <p:nvPr>
+            <p:ph type="sldImg"/>
+          </p:nvPr>
+        </p:nvSpPr>
+        <p:spPr/>
+      </p:sp>
+      <p:sp>
+        <p:nvSpPr>
+          <p:cNvPr id="3" name="文本框"/>
+          <p:cNvSpPr>
+            <a:spLocks noGrp="1"/>
+          </p:cNvSpPr>
+          <p:nvPr>
+            <p:ph type="body" idx="1"/>
+          </p:nvPr>
+        </p:nvSpPr>
+        <p:spPr/>
+        <p:txBody>
+          <a:bodyPr/>
+          <a:lstStyle/>
+          <a:p>
+            <a:endParaRPr lang="zh-CN" altLang="en-US"/>
+          </a:p>
+        </p:txBody>
+      </p:sp>
+      <p:sp>
+        <p:nvSpPr>
+          <p:cNvPr id="9" name="文本框"/>
+          <p:cNvSpPr>
+            <a:spLocks noGrp="1"/>
+          </p:cNvSpPr>
+          <p:nvPr>
+            <p:ph type="sldNum" idx="5"/>
+          </p:nvPr>
+        </p:nvSpPr>
+        <p:spPr>
+          <a:xfrm>
+            <a:off x="3884613" y="8685213"/>
+            <a:ext cx="2971800" cy="457200"/>
+          </a:xfrm>
+          <a:prstGeom prst="rect">
+            <a:avLst/>
+          </a:prstGeom>
+          <a:noFill/>
+          <a:ln w="9525" cap="flat" cmpd="sng">
+            <a:noFill/>
+            <a:prstDash val="solid"/>
+            <a:round/>
+          </a:ln>
+        </p:spPr>
+        <p:txBody>
+          <a:bodyPr vert="horz" wrap="square" lIns="91440" tIns="45720" rIns="91440" bIns="45720" anchor="b" anchorCtr="0">
+            <a:prstTxWarp prst="textNoShape">
+              <a:avLst/>
+            </a:prstTxWarp>
+          </a:bodyPr>
+          <a:lstStyle/>
+          <a:p>
+            <a:pPr algn="r"/>
+            <a:fld id="{CAD2D6BD-DE1B-4B5F-8B41-2702339687B9}" type="slidenum">
+              <a:rPr lang="en-US" altLang="zh-CN" sz="1800" u="none" strike="noStrike" kern="1200" cap="none" spc="0" baseline="0">
+                <a:solidFill>
+                  <a:schemeClr val="tx1"/>
+                </a:solidFill>
+                <a:latin typeface="Calibri" pitchFamily="34" charset="0"/>
+                <a:ea typeface="宋体" pitchFamily="2" charset="-122"/>
+                <a:cs typeface="Calibri" pitchFamily="34" charset="0"/>
+              </a:rPr>
+              <a:pPr algn="r"/>
+              <a:t>15</a:t>
+            </a:fld>
+            <a:endParaRPr lang="zh-CN" altLang="en-US" sz="1200">
+              <a:latin typeface="Calibri" pitchFamily="34" charset="0"/>
+              <a:ea typeface="宋体" pitchFamily="2" charset="-122"/>
+              <a:cs typeface="Calibri" pitchFamily="34" charset="0"/>
+            </a:endParaRPr>
+          </a:p>
+        </p:txBody>
+      </p:sp>
+    </p:spTree>
+    <p:extLst>
+      <p:ext uri="{BB962C8B-B14F-4D97-AF65-F5344CB8AC3E}">
+        <p14:creationId xmlns:p14="http://schemas.microsoft.com/office/powerpoint/2010/main" val="1504933540"/>
+      </p:ext>
+    </p:extLst>
+  </p:cSld>
+  <p:clrMapOvr>
+    <a:masterClrMapping/>
+  </p:clrMapOvr>
+</p:notes>
+</file>
+
+<file path=ppt/notesSlides/notesSlide15.xml><?xml version="1.0" encoding="utf-8"?>
+<p:notes xmlns:a="http://schemas.openxmlformats.org/drawingml/2006/main" xmlns:r="http://schemas.openxmlformats.org/officeDocument/2006/relationships" xmlns:p="http://schemas.openxmlformats.org/presentationml/2006/main">
+  <p:cSld>
+    <p:spTree>
+      <p:nvGrpSpPr>
+        <p:cNvPr id="1" name=""/>
+        <p:cNvGrpSpPr/>
+        <p:nvPr/>
+      </p:nvGrpSpPr>
+      <p:grpSpPr>
+        <a:xfrm>
+          <a:off x="0" y="0"/>
+          <a:ext cx="0" cy="0"/>
+          <a:chOff x="0" y="0"/>
+          <a:chExt cx="0" cy="0"/>
+        </a:xfrm>
+      </p:grpSpPr>
+      <p:sp>
+        <p:nvSpPr>
+          <p:cNvPr id="2" name="文本框"/>
+          <p:cNvSpPr>
+            <a:spLocks noGrp="1" noRot="1" noChangeAspect="1"/>
+          </p:cNvSpPr>
+          <p:nvPr>
+            <p:ph type="sldImg"/>
+          </p:nvPr>
+        </p:nvSpPr>
+        <p:spPr/>
+      </p:sp>
+      <p:sp>
+        <p:nvSpPr>
+          <p:cNvPr id="3" name="文本框"/>
+          <p:cNvSpPr>
+            <a:spLocks noGrp="1"/>
+          </p:cNvSpPr>
+          <p:nvPr>
+            <p:ph type="body" idx="1"/>
+          </p:nvPr>
+        </p:nvSpPr>
+        <p:spPr/>
+        <p:txBody>
+          <a:bodyPr/>
+          <a:lstStyle/>
+          <a:p>
+            <a:endParaRPr lang="zh-CN" altLang="en-US"/>
+          </a:p>
+        </p:txBody>
+      </p:sp>
+      <p:sp>
+        <p:nvSpPr>
+          <p:cNvPr id="9" name="文本框"/>
+          <p:cNvSpPr>
+            <a:spLocks noGrp="1"/>
+          </p:cNvSpPr>
+          <p:nvPr>
+            <p:ph type="sldNum" idx="5"/>
+          </p:nvPr>
+        </p:nvSpPr>
+        <p:spPr>
+          <a:xfrm>
+            <a:off x="3884613" y="8685213"/>
+            <a:ext cx="2971800" cy="457200"/>
+          </a:xfrm>
+          <a:prstGeom prst="rect">
+            <a:avLst/>
+          </a:prstGeom>
+          <a:noFill/>
+          <a:ln w="9525" cap="flat" cmpd="sng">
+            <a:noFill/>
+            <a:prstDash val="solid"/>
+            <a:round/>
+          </a:ln>
+        </p:spPr>
+        <p:txBody>
+          <a:bodyPr vert="horz" wrap="square" lIns="91440" tIns="45720" rIns="91440" bIns="45720" anchor="b" anchorCtr="0">
+            <a:prstTxWarp prst="textNoShape">
+              <a:avLst/>
+            </a:prstTxWarp>
+          </a:bodyPr>
+          <a:lstStyle/>
+          <a:p>
+            <a:pPr algn="r"/>
+            <a:fld id="{CAD2D6BD-DE1B-4B5F-8B41-2702339687B9}" type="slidenum">
+              <a:rPr lang="en-US" altLang="zh-CN" sz="1800" u="none" strike="noStrike" kern="1200" cap="none" spc="0" baseline="0">
+                <a:solidFill>
+                  <a:schemeClr val="tx1"/>
+                </a:solidFill>
+                <a:latin typeface="Calibri" pitchFamily="34" charset="0"/>
+                <a:ea typeface="宋体" pitchFamily="2" charset="-122"/>
+                <a:cs typeface="Calibri" pitchFamily="34" charset="0"/>
+              </a:rPr>
+              <a:pPr algn="r"/>
+              <a:t>16</a:t>
+            </a:fld>
+            <a:endParaRPr lang="zh-CN" altLang="en-US" sz="1200">
+              <a:latin typeface="Calibri" pitchFamily="34" charset="0"/>
+              <a:ea typeface="宋体" pitchFamily="2" charset="-122"/>
+              <a:cs typeface="Calibri" pitchFamily="34" charset="0"/>
+            </a:endParaRPr>
+          </a:p>
+        </p:txBody>
+      </p:sp>
+    </p:spTree>
+    <p:extLst>
+      <p:ext uri="{BB962C8B-B14F-4D97-AF65-F5344CB8AC3E}">
+        <p14:creationId xmlns:p14="http://schemas.microsoft.com/office/powerpoint/2010/main" val="1802842484"/>
+      </p:ext>
+    </p:extLst>
+  </p:cSld>
+  <p:clrMapOvr>
+    <a:masterClrMapping/>
+  </p:clrMapOvr>
+</p:notes>
+</file>
+
+<file path=ppt/notesSlides/notesSlide16.xml><?xml version="1.0" encoding="utf-8"?>
+<p:notes xmlns:a="http://schemas.openxmlformats.org/drawingml/2006/main" xmlns:r="http://schemas.openxmlformats.org/officeDocument/2006/relationships" xmlns:p="http://schemas.openxmlformats.org/presentationml/2006/main">
+  <p:cSld>
+    <p:spTree>
+      <p:nvGrpSpPr>
+        <p:cNvPr id="1" name=""/>
+        <p:cNvGrpSpPr/>
+        <p:nvPr/>
+      </p:nvGrpSpPr>
+      <p:grpSpPr>
+        <a:xfrm>
+          <a:off x="0" y="0"/>
+          <a:ext cx="0" cy="0"/>
+          <a:chOff x="0" y="0"/>
+          <a:chExt cx="0" cy="0"/>
+        </a:xfrm>
+      </p:grpSpPr>
+      <p:sp>
+        <p:nvSpPr>
+          <p:cNvPr id="2" name="文本框"/>
+          <p:cNvSpPr>
+            <a:spLocks noGrp="1" noRot="1" noChangeAspect="1"/>
+          </p:cNvSpPr>
+          <p:nvPr>
+            <p:ph type="sldImg"/>
+          </p:nvPr>
+        </p:nvSpPr>
+        <p:spPr/>
+      </p:sp>
+      <p:sp>
+        <p:nvSpPr>
+          <p:cNvPr id="3" name="文本框"/>
+          <p:cNvSpPr>
+            <a:spLocks noGrp="1"/>
+          </p:cNvSpPr>
+          <p:nvPr>
+            <p:ph type="body" idx="1"/>
+          </p:nvPr>
+        </p:nvSpPr>
+        <p:spPr/>
+        <p:txBody>
+          <a:bodyPr/>
+          <a:lstStyle/>
+          <a:p>
+            <a:endParaRPr lang="zh-CN" altLang="en-US"/>
+          </a:p>
+        </p:txBody>
+      </p:sp>
+      <p:sp>
+        <p:nvSpPr>
+          <p:cNvPr id="9" name="文本框"/>
+          <p:cNvSpPr>
+            <a:spLocks noGrp="1"/>
+          </p:cNvSpPr>
+          <p:nvPr>
+            <p:ph type="sldNum" idx="5"/>
+          </p:nvPr>
+        </p:nvSpPr>
+        <p:spPr>
+          <a:xfrm>
+            <a:off x="3884613" y="8685213"/>
+            <a:ext cx="2971800" cy="457200"/>
+          </a:xfrm>
+          <a:prstGeom prst="rect">
+            <a:avLst/>
+          </a:prstGeom>
+          <a:noFill/>
+          <a:ln w="9525" cap="flat" cmpd="sng">
+            <a:noFill/>
+            <a:prstDash val="solid"/>
+            <a:round/>
+          </a:ln>
+        </p:spPr>
+        <p:txBody>
+          <a:bodyPr vert="horz" wrap="square" lIns="91440" tIns="45720" rIns="91440" bIns="45720" anchor="b" anchorCtr="0">
+            <a:prstTxWarp prst="textNoShape">
+              <a:avLst/>
+            </a:prstTxWarp>
+          </a:bodyPr>
+          <a:lstStyle/>
+          <a:p>
+            <a:pPr algn="r"/>
+            <a:fld id="{CAD2D6BD-DE1B-4B5F-8B41-2702339687B9}" type="slidenum">
+              <a:rPr lang="en-US" altLang="zh-CN" sz="1800" u="none" strike="noStrike" kern="1200" cap="none" spc="0" baseline="0">
+                <a:solidFill>
+                  <a:schemeClr val="tx1"/>
+                </a:solidFill>
+                <a:latin typeface="Calibri" pitchFamily="34" charset="0"/>
+                <a:ea typeface="宋体" pitchFamily="2" charset="-122"/>
+                <a:cs typeface="Calibri" pitchFamily="34" charset="0"/>
+              </a:rPr>
+              <a:pPr algn="r"/>
+              <a:t>17</a:t>
             </a:fld>
             <a:endParaRPr lang="zh-CN" altLang="en-US" sz="1200">
               <a:latin typeface="Calibri" pitchFamily="34" charset="0"/>
@@ -2128,7 +2591,7 @@
     </p:spTree>
     <p:extLst>
       <p:ext uri="{BB962C8B-B14F-4D97-AF65-F5344CB8AC3E}">
-        <p14:creationId xmlns:p14="http://schemas.microsoft.com/office/powerpoint/2010/main" val="3534578428"/>
+        <p14:creationId xmlns:p14="http://schemas.microsoft.com/office/powerpoint/2010/main" val="2699777339"/>
       </p:ext>
     </p:extLst>
   </p:cSld>
@@ -7793,7 +8256,7 @@
         </p:nvSpPr>
         <p:spPr>
           <a:xfrm>
-            <a:off x="3325505" y="483518"/>
+            <a:off x="3325503" y="627534"/>
             <a:ext cx="2492990" cy="553998"/>
           </a:xfrm>
           <a:prstGeom prst="rect">
@@ -7825,7 +8288,7 @@
                 <a:cs typeface="微软雅黑" charset="0"/>
                 <a:sym typeface="Calibri" pitchFamily="34" charset="0"/>
               </a:rPr>
-              <a:t>克隆远程仓库</a:t>
+              <a:t>添加远程仓库</a:t>
             </a:r>
             <a:endParaRPr lang="zh-CN" altLang="en-US" u="none" strike="noStrike" kern="1200" cap="none" spc="0" baseline="0" dirty="0">
               <a:solidFill>
@@ -7854,8 +8317,8 @@
         </p:nvSpPr>
         <p:spPr>
           <a:xfrm>
-            <a:off x="395536" y="1419622"/>
-            <a:ext cx="8565279" cy="1938992"/>
+            <a:off x="289358" y="1707654"/>
+            <a:ext cx="8565279" cy="1323439"/>
           </a:xfrm>
           <a:prstGeom prst="rect">
             <a:avLst/>
@@ -7890,7 +8353,7 @@
                 <a:cs typeface="微软雅黑" charset="0"/>
                 <a:sym typeface="Calibri" pitchFamily="34" charset="0"/>
               </a:rPr>
-              <a:t>git clone  </a:t>
+              <a:t>git remote add origin  </a:t>
             </a:r>
             <a:r>
               <a:rPr lang="zh-CN" altLang="en-US" sz="2000" dirty="0">
@@ -7902,14 +8365,21 @@
                 <a:cs typeface="微软雅黑" charset="0"/>
                 <a:sym typeface="Calibri" pitchFamily="34" charset="0"/>
               </a:rPr>
-              <a:t>仓库的地址</a:t>
+              <a:t>仓库的地址     </a:t>
+            </a:r>
+            <a:r>
+              <a:rPr lang="zh-CN" altLang="en-US" dirty="0">
+                <a:latin typeface="微软雅黑" panose="020B0503020204020204" pitchFamily="34" charset="-122"/>
+                <a:ea typeface="微软雅黑" panose="020B0503020204020204" pitchFamily="34" charset="-122"/>
+              </a:rPr>
+              <a:t>添加远程仓库地址</a:t>
             </a:r>
             <a:endParaRPr lang="en-US" altLang="zh-CN" sz="2000" dirty="0">
               <a:solidFill>
                 <a:srgbClr val="212121"/>
               </a:solidFill>
-              <a:latin typeface="微软雅黑" charset="0"/>
-              <a:ea typeface="微软雅黑" charset="0"/>
+              <a:latin typeface="微软雅黑" panose="020B0503020204020204" pitchFamily="34" charset="-122"/>
+              <a:ea typeface="微软雅黑" panose="020B0503020204020204" pitchFamily="34" charset="-122"/>
               <a:cs typeface="微软雅黑" charset="0"/>
               <a:sym typeface="Calibri" pitchFamily="34" charset="0"/>
             </a:endParaRPr>
@@ -7941,40 +8411,10 @@
                 <a:cs typeface="微软雅黑" charset="0"/>
                 <a:sym typeface="Calibri" pitchFamily="34" charset="0"/>
               </a:rPr>
-              <a:t>git pull origin master  </a:t>
-            </a:r>
-            <a:r>
-              <a:rPr lang="en-US" altLang="zh-CN" sz="2000" dirty="0">
-                <a:solidFill>
-                  <a:srgbClr val="FF0000"/>
-                </a:solidFill>
-                <a:latin typeface="微软雅黑" charset="0"/>
-                <a:ea typeface="微软雅黑" charset="0"/>
-                <a:cs typeface="微软雅黑" charset="0"/>
-                <a:sym typeface="Calibri" pitchFamily="34" charset="0"/>
-              </a:rPr>
-              <a:t>--allow-unrelated-histories</a:t>
-            </a:r>
-          </a:p>
-          <a:p>
-            <a:pPr lvl="1"/>
-            <a:endParaRPr lang="en-US" altLang="zh-CN" sz="2000" dirty="0">
-              <a:solidFill>
-                <a:srgbClr val="FF0000"/>
-              </a:solidFill>
-              <a:latin typeface="微软雅黑" charset="0"/>
-              <a:ea typeface="微软雅黑" charset="0"/>
-              <a:cs typeface="微软雅黑" charset="0"/>
-              <a:sym typeface="Calibri" pitchFamily="34" charset="0"/>
-            </a:endParaRPr>
-          </a:p>
-          <a:p>
-            <a:pPr marL="800100" lvl="1" indent="-342900">
-              <a:buFont typeface="Wingdings" panose="05000000000000000000" pitchFamily="2" charset="2"/>
-              <a:buChar char="u"/>
-            </a:pPr>
-            <a:r>
-              <a:rPr lang="en-US" altLang="zh-CN" sz="2000" dirty="0">
+              <a:t>git remote –v    </a:t>
+            </a:r>
+            <a:r>
+              <a:rPr lang="zh-CN" altLang="en-US" sz="2000" dirty="0">
                 <a:solidFill>
                   <a:srgbClr val="212121"/>
                 </a:solidFill>
@@ -7983,9 +8423,9 @@
                 <a:cs typeface="微软雅黑" charset="0"/>
                 <a:sym typeface="Calibri" pitchFamily="34" charset="0"/>
               </a:rPr>
-              <a:t>git push –u origin master</a:t>
-            </a:r>
-            <a:endParaRPr lang="zh-CN" altLang="en-US" sz="2000" dirty="0">
+              <a:t>查看关联的远程仓库</a:t>
+            </a:r>
+            <a:endParaRPr lang="en-US" altLang="zh-CN" sz="2000" dirty="0">
               <a:solidFill>
                 <a:srgbClr val="212121"/>
               </a:solidFill>
@@ -8012,7 +8452,7 @@
     </p:spTree>
     <p:extLst>
       <p:ext uri="{BB962C8B-B14F-4D97-AF65-F5344CB8AC3E}">
-        <p14:creationId xmlns:p14="http://schemas.microsoft.com/office/powerpoint/2010/main" val="1872234643"/>
+        <p14:creationId xmlns:p14="http://schemas.microsoft.com/office/powerpoint/2010/main" val="2078395659"/>
       </p:ext>
     </p:extLst>
   </p:cSld>
@@ -8173,7 +8613,7 @@
         </p:nvSpPr>
         <p:spPr>
           <a:xfrm>
-            <a:off x="3325503" y="627534"/>
+            <a:off x="3325505" y="483518"/>
             <a:ext cx="2492990" cy="553998"/>
           </a:xfrm>
           <a:prstGeom prst="rect">
@@ -8205,7 +8645,7 @@
                 <a:cs typeface="微软雅黑" charset="0"/>
                 <a:sym typeface="Calibri" pitchFamily="34" charset="0"/>
               </a:rPr>
-              <a:t>添加远程仓库</a:t>
+              <a:t>克隆远程仓库</a:t>
             </a:r>
             <a:endParaRPr lang="zh-CN" altLang="en-US" u="none" strike="noStrike" kern="1200" cap="none" spc="0" baseline="0" dirty="0">
               <a:solidFill>
@@ -8234,8 +8674,8 @@
         </p:nvSpPr>
         <p:spPr>
           <a:xfrm>
-            <a:off x="289358" y="1707654"/>
-            <a:ext cx="8565279" cy="1323439"/>
+            <a:off x="395536" y="1127235"/>
+            <a:ext cx="8565279" cy="2523768"/>
           </a:xfrm>
           <a:prstGeom prst="rect">
             <a:avLst/>
@@ -8265,12 +8705,121 @@
                 <a:solidFill>
                   <a:srgbClr val="212121"/>
                 </a:solidFill>
+                <a:latin typeface="微软雅黑" panose="020B0503020204020204" pitchFamily="34" charset="-122"/>
+                <a:ea typeface="微软雅黑" panose="020B0503020204020204" pitchFamily="34" charset="-122"/>
+                <a:cs typeface="微软雅黑" charset="0"/>
+                <a:sym typeface="Calibri" pitchFamily="34" charset="0"/>
+              </a:rPr>
+              <a:t>git clone  </a:t>
+            </a:r>
+            <a:r>
+              <a:rPr lang="zh-CN" altLang="en-US" sz="2000" dirty="0">
+                <a:solidFill>
+                  <a:srgbClr val="212121"/>
+                </a:solidFill>
+                <a:latin typeface="微软雅黑" panose="020B0503020204020204" pitchFamily="34" charset="-122"/>
+                <a:ea typeface="微软雅黑" panose="020B0503020204020204" pitchFamily="34" charset="-122"/>
+                <a:cs typeface="微软雅黑" charset="0"/>
+                <a:sym typeface="Calibri" pitchFamily="34" charset="0"/>
+              </a:rPr>
+              <a:t>仓库的地址 </a:t>
+            </a:r>
+            <a:endParaRPr lang="en-US" altLang="zh-CN" sz="2000" dirty="0">
+              <a:solidFill>
+                <a:srgbClr val="212121"/>
+              </a:solidFill>
+              <a:latin typeface="微软雅黑" panose="020B0503020204020204" pitchFamily="34" charset="-122"/>
+              <a:ea typeface="微软雅黑" panose="020B0503020204020204" pitchFamily="34" charset="-122"/>
+              <a:cs typeface="微软雅黑" charset="0"/>
+              <a:sym typeface="Calibri" pitchFamily="34" charset="0"/>
+            </a:endParaRPr>
+          </a:p>
+          <a:p>
+            <a:pPr lvl="1"/>
+            <a:endParaRPr lang="en-US" altLang="zh-CN" sz="2000" dirty="0">
+              <a:solidFill>
+                <a:srgbClr val="212121"/>
+              </a:solidFill>
+              <a:latin typeface="微软雅黑" panose="020B0503020204020204" pitchFamily="34" charset="-122"/>
+              <a:ea typeface="微软雅黑" panose="020B0503020204020204" pitchFamily="34" charset="-122"/>
+              <a:cs typeface="微软雅黑" charset="0"/>
+              <a:sym typeface="Calibri" pitchFamily="34" charset="0"/>
+            </a:endParaRPr>
+          </a:p>
+          <a:p>
+            <a:pPr marL="800100" lvl="1" indent="-342900">
+              <a:buFont typeface="Wingdings" panose="05000000000000000000" pitchFamily="2" charset="2"/>
+              <a:buChar char="u"/>
+            </a:pPr>
+            <a:r>
+              <a:rPr lang="en-US" altLang="zh-CN" sz="2000" dirty="0">
+                <a:solidFill>
+                  <a:srgbClr val="212121"/>
+                </a:solidFill>
+                <a:latin typeface="微软雅黑" panose="020B0503020204020204" pitchFamily="34" charset="-122"/>
+                <a:ea typeface="微软雅黑" panose="020B0503020204020204" pitchFamily="34" charset="-122"/>
+                <a:cs typeface="微软雅黑" charset="0"/>
+                <a:sym typeface="Calibri" pitchFamily="34" charset="0"/>
+              </a:rPr>
+              <a:t>git pull origin master  </a:t>
+            </a:r>
+            <a:r>
+              <a:rPr lang="en-US" altLang="zh-CN" sz="2000" dirty="0">
+                <a:solidFill>
+                  <a:srgbClr val="FF0000"/>
+                </a:solidFill>
+                <a:latin typeface="微软雅黑" panose="020B0503020204020204" pitchFamily="34" charset="-122"/>
+                <a:ea typeface="微软雅黑" panose="020B0503020204020204" pitchFamily="34" charset="-122"/>
+                <a:cs typeface="微软雅黑" charset="0"/>
+                <a:sym typeface="Calibri" pitchFamily="34" charset="0"/>
+              </a:rPr>
+              <a:t>--allow-unrelated-histories </a:t>
+            </a:r>
+            <a:r>
+              <a:rPr lang="zh-CN" altLang="en-US" dirty="0">
+                <a:latin typeface="微软雅黑" panose="020B0503020204020204" pitchFamily="34" charset="-122"/>
+                <a:ea typeface="微软雅黑" panose="020B0503020204020204" pitchFamily="34" charset="-122"/>
+              </a:rPr>
+              <a:t>远程代码拉取到本地工作区</a:t>
+            </a:r>
+            <a:endParaRPr lang="en-US" altLang="zh-CN" sz="2000" dirty="0">
+              <a:solidFill>
+                <a:srgbClr val="FF0000"/>
+              </a:solidFill>
+              <a:latin typeface="微软雅黑" panose="020B0503020204020204" pitchFamily="34" charset="-122"/>
+              <a:ea typeface="微软雅黑" panose="020B0503020204020204" pitchFamily="34" charset="-122"/>
+              <a:cs typeface="微软雅黑" charset="0"/>
+              <a:sym typeface="Calibri" pitchFamily="34" charset="0"/>
+            </a:endParaRPr>
+          </a:p>
+          <a:p>
+            <a:pPr lvl="1"/>
+            <a:endParaRPr lang="en-US" altLang="zh-CN" sz="2000" dirty="0">
+              <a:solidFill>
+                <a:srgbClr val="FF0000"/>
+              </a:solidFill>
+              <a:latin typeface="微软雅黑" charset="0"/>
+              <a:ea typeface="微软雅黑" charset="0"/>
+              <a:cs typeface="微软雅黑" charset="0"/>
+              <a:sym typeface="Calibri" pitchFamily="34" charset="0"/>
+            </a:endParaRPr>
+          </a:p>
+          <a:p>
+            <a:pPr marL="800100" lvl="1" indent="-342900">
+              <a:buFont typeface="Wingdings" panose="05000000000000000000" pitchFamily="2" charset="2"/>
+              <a:buChar char="u"/>
+            </a:pPr>
+            <a:r>
+              <a:rPr lang="en-US" altLang="zh-CN" sz="2000" dirty="0">
+                <a:solidFill>
+                  <a:srgbClr val="212121"/>
+                </a:solidFill>
                 <a:latin typeface="微软雅黑" charset="0"/>
                 <a:ea typeface="微软雅黑" charset="0"/>
                 <a:cs typeface="微软雅黑" charset="0"/>
                 <a:sym typeface="Calibri" pitchFamily="34" charset="0"/>
               </a:rPr>
-              <a:t>git remote add origin  </a:t>
+              <a:t>git push –u origin master   </a:t>
             </a:r>
             <a:r>
               <a:rPr lang="zh-CN" altLang="en-US" sz="2000" dirty="0">
@@ -8282,9 +8831,21 @@
                 <a:cs typeface="微软雅黑" charset="0"/>
                 <a:sym typeface="Calibri" pitchFamily="34" charset="0"/>
               </a:rPr>
-              <a:t>仓库的地址</a:t>
+              <a:t>提交到远程仓库</a:t>
             </a:r>
             <a:endParaRPr lang="en-US" altLang="zh-CN" sz="2000" dirty="0">
+              <a:solidFill>
+                <a:srgbClr val="212121"/>
+              </a:solidFill>
+              <a:latin typeface="微软雅黑" charset="0"/>
+              <a:ea typeface="微软雅黑" charset="0"/>
+              <a:cs typeface="微软雅黑" charset="0"/>
+              <a:sym typeface="Calibri" pitchFamily="34" charset="0"/>
+            </a:endParaRPr>
+          </a:p>
+          <a:p>
+            <a:pPr lvl="1"/>
+            <a:endParaRPr lang="zh-CN" altLang="en-US" sz="2000" dirty="0">
               <a:solidFill>
                 <a:srgbClr val="212121"/>
               </a:solidFill>
@@ -8306,63 +8867,12 @@
               <a:sym typeface="Calibri" pitchFamily="34" charset="0"/>
             </a:endParaRPr>
           </a:p>
-          <a:p>
-            <a:pPr marL="800100" lvl="1" indent="-342900">
-              <a:buFont typeface="Wingdings" panose="05000000000000000000" pitchFamily="2" charset="2"/>
-              <a:buChar char="u"/>
-            </a:pPr>
-            <a:r>
-              <a:rPr lang="en-US" altLang="zh-CN" sz="2000" dirty="0">
-                <a:solidFill>
-                  <a:srgbClr val="212121"/>
-                </a:solidFill>
-                <a:latin typeface="微软雅黑" charset="0"/>
-                <a:ea typeface="微软雅黑" charset="0"/>
-                <a:cs typeface="微软雅黑" charset="0"/>
-                <a:sym typeface="Calibri" pitchFamily="34" charset="0"/>
-              </a:rPr>
-              <a:t>git remote –v    </a:t>
-            </a:r>
-            <a:r>
-              <a:rPr lang="zh-CN" altLang="en-US" sz="2000" dirty="0">
-                <a:solidFill>
-                  <a:srgbClr val="212121"/>
-                </a:solidFill>
-                <a:latin typeface="微软雅黑" charset="0"/>
-                <a:ea typeface="微软雅黑" charset="0"/>
-                <a:cs typeface="微软雅黑" charset="0"/>
-                <a:sym typeface="Calibri" pitchFamily="34" charset="0"/>
-              </a:rPr>
-              <a:t>查看关联的远程仓库</a:t>
-            </a:r>
-            <a:endParaRPr lang="en-US" altLang="zh-CN" sz="2000" dirty="0">
-              <a:solidFill>
-                <a:srgbClr val="212121"/>
-              </a:solidFill>
-              <a:latin typeface="微软雅黑" charset="0"/>
-              <a:ea typeface="微软雅黑" charset="0"/>
-              <a:cs typeface="微软雅黑" charset="0"/>
-              <a:sym typeface="Calibri" pitchFamily="34" charset="0"/>
-            </a:endParaRPr>
-          </a:p>
-          <a:p>
-            <a:pPr lvl="1"/>
-            <a:endParaRPr lang="en-US" altLang="zh-CN" sz="2000" dirty="0">
-              <a:solidFill>
-                <a:srgbClr val="212121"/>
-              </a:solidFill>
-              <a:latin typeface="微软雅黑" charset="0"/>
-              <a:ea typeface="微软雅黑" charset="0"/>
-              <a:cs typeface="微软雅黑" charset="0"/>
-              <a:sym typeface="Calibri" pitchFamily="34" charset="0"/>
-            </a:endParaRPr>
-          </a:p>
         </p:txBody>
       </p:sp>
     </p:spTree>
     <p:extLst>
       <p:ext uri="{BB962C8B-B14F-4D97-AF65-F5344CB8AC3E}">
-        <p14:creationId xmlns:p14="http://schemas.microsoft.com/office/powerpoint/2010/main" val="2078395659"/>
+        <p14:creationId xmlns:p14="http://schemas.microsoft.com/office/powerpoint/2010/main" val="1872234643"/>
       </p:ext>
     </p:extLst>
   </p:cSld>
@@ -8515,6 +9025,160 @@
       </p:grpSpPr>
       <p:sp>
         <p:nvSpPr>
+          <p:cNvPr id="17" name="矩形"/>
+          <p:cNvSpPr>
+            <a:spLocks/>
+          </p:cNvSpPr>
+          <p:nvPr/>
+        </p:nvSpPr>
+        <p:spPr>
+          <a:xfrm>
+            <a:off x="3710225" y="427327"/>
+            <a:ext cx="1723549" cy="553998"/>
+          </a:xfrm>
+          <a:prstGeom prst="rect">
+            <a:avLst/>
+          </a:prstGeom>
+          <a:noFill/>
+          <a:ln w="9525" cap="flat" cmpd="sng">
+            <a:noFill/>
+            <a:prstDash val="solid"/>
+            <a:miter/>
+          </a:ln>
+        </p:spPr>
+        <p:txBody>
+          <a:bodyPr vert="horz" wrap="none" lIns="91440" tIns="45720" rIns="91440" bIns="45720" anchor="t" anchorCtr="0">
+            <a:prstTxWarp prst="textNoShape">
+              <a:avLst/>
+            </a:prstTxWarp>
+            <a:spAutoFit/>
+          </a:bodyPr>
+          <a:lstStyle/>
+          <a:p>
+            <a:r>
+              <a:rPr lang="zh-CN" altLang="en-US" sz="3000" b="1" u="none" strike="noStrike" kern="0" cap="none" spc="0" baseline="0" dirty="0">
+                <a:solidFill>
+                  <a:srgbClr val="C9394A"/>
+                </a:solidFill>
+                <a:latin typeface="微软雅黑" charset="0"/>
+                <a:ea typeface="微软雅黑" charset="0"/>
+                <a:cs typeface="微软雅黑" charset="0"/>
+                <a:sym typeface="Calibri" pitchFamily="34" charset="0"/>
+              </a:rPr>
+              <a:t>分支管理</a:t>
+            </a:r>
+            <a:endParaRPr lang="zh-CN" altLang="en-US" u="none" strike="noStrike" kern="1200" cap="none" spc="0" baseline="0" dirty="0">
+              <a:solidFill>
+                <a:schemeClr val="tx1"/>
+              </a:solidFill>
+              <a:latin typeface="Calibri" pitchFamily="34" charset="0"/>
+              <a:ea typeface="宋体" pitchFamily="2" charset="-122"/>
+              <a:cs typeface="微软雅黑" charset="0"/>
+            </a:endParaRPr>
+          </a:p>
+        </p:txBody>
+      </p:sp>
+      <p:graphicFrame>
+        <p:nvGraphicFramePr>
+          <p:cNvPr id="2" name="对象 1">
+            <a:extLst>
+              <a:ext uri="{FF2B5EF4-FFF2-40B4-BE49-F238E27FC236}">
+                <a16:creationId xmlns:a16="http://schemas.microsoft.com/office/drawing/2014/main" id="{A758C9B9-F3BF-4E37-AE11-015EAD6FFC20}"/>
+              </a:ext>
+            </a:extLst>
+          </p:cNvPr>
+          <p:cNvGraphicFramePr>
+            <a:graphicFrameLocks noChangeAspect="1"/>
+          </p:cNvGraphicFramePr>
+          <p:nvPr>
+            <p:extLst>
+              <p:ext uri="{D42A27DB-BD31-4B8C-83A1-F6EECF244321}">
+                <p14:modId xmlns:p14="http://schemas.microsoft.com/office/powerpoint/2010/main" val="30647641"/>
+              </p:ext>
+            </p:extLst>
+          </p:nvPr>
+        </p:nvGraphicFramePr>
+        <p:xfrm>
+          <a:off x="2051720" y="1059582"/>
+          <a:ext cx="4752528" cy="3876779"/>
+        </p:xfrm>
+        <a:graphic>
+          <a:graphicData uri="http://schemas.openxmlformats.org/presentationml/2006/ole">
+            <mc:AlternateContent xmlns:mc="http://schemas.openxmlformats.org/markup-compatibility/2006">
+              <mc:Choice xmlns:v="urn:schemas-microsoft-com:vml" Requires="v">
+                <p:oleObj spid="_x0000_s1033" r:id="rId4" imgW="5590440" imgH="4561560" progId="">
+                  <p:embed/>
+                </p:oleObj>
+              </mc:Choice>
+              <mc:Fallback>
+                <p:oleObj r:id="rId4" imgW="5590440" imgH="4561560" progId="">
+                  <p:embed/>
+                  <p:pic>
+                    <p:nvPicPr>
+                      <p:cNvPr id="2" name="对象 1">
+                        <a:extLst>
+                          <a:ext uri="{FF2B5EF4-FFF2-40B4-BE49-F238E27FC236}">
+                            <a16:creationId xmlns:a16="http://schemas.microsoft.com/office/drawing/2014/main" id="{A758C9B9-F3BF-4E37-AE11-015EAD6FFC20}"/>
+                          </a:ext>
+                        </a:extLst>
+                      </p:cNvPr>
+                      <p:cNvPicPr/>
+                      <p:nvPr/>
+                    </p:nvPicPr>
+                    <p:blipFill>
+                      <a:blip r:embed="rId5"/>
+                      <a:stretch>
+                        <a:fillRect/>
+                      </a:stretch>
+                    </p:blipFill>
+                    <p:spPr>
+                      <a:xfrm>
+                        <a:off x="2051720" y="1059582"/>
+                        <a:ext cx="4752528" cy="3876779"/>
+                      </a:xfrm>
+                      <a:prstGeom prst="rect">
+                        <a:avLst/>
+                      </a:prstGeom>
+                    </p:spPr>
+                  </p:pic>
+                </p:oleObj>
+              </mc:Fallback>
+            </mc:AlternateContent>
+          </a:graphicData>
+        </a:graphic>
+      </p:graphicFrame>
+    </p:spTree>
+    <p:extLst>
+      <p:ext uri="{BB962C8B-B14F-4D97-AF65-F5344CB8AC3E}">
+        <p14:creationId xmlns:p14="http://schemas.microsoft.com/office/powerpoint/2010/main" val="2656998904"/>
+      </p:ext>
+    </p:extLst>
+  </p:cSld>
+  <p:clrMapOvr>
+    <a:masterClrMapping/>
+  </p:clrMapOvr>
+</p:sld>
+</file>
+
+<file path=ppt/slides/slide13.xml><?xml version="1.0" encoding="utf-8"?>
+<p:sld xmlns:a="http://schemas.openxmlformats.org/drawingml/2006/main" xmlns:r="http://schemas.openxmlformats.org/officeDocument/2006/relationships" xmlns:p="http://schemas.openxmlformats.org/presentationml/2006/main">
+  <p:cSld>
+    <p:spTree>
+      <p:nvGrpSpPr>
+        <p:cNvPr id="1" name=""/>
+        <p:cNvGrpSpPr/>
+        <p:nvPr/>
+      </p:nvGrpSpPr>
+      <p:grpSpPr>
+        <a:xfrm>
+          <a:off x="0" y="0"/>
+          <a:ext cx="0" cy="0"/>
+          <a:chOff x="0" y="0"/>
+          <a:chExt cx="0" cy="0"/>
+        </a:xfrm>
+      </p:grpSpPr>
+      <p:sp>
+        <p:nvSpPr>
           <p:cNvPr id="14" name="矩形"/>
           <p:cNvSpPr>
             <a:spLocks/>
@@ -8655,36 +9319,6 @@
           </a:p>
         </p:txBody>
       </p:sp>
-      <p:pic>
-        <p:nvPicPr>
-          <p:cNvPr id="6" name="图片 5">
-            <a:extLst>
-              <a:ext uri="{FF2B5EF4-FFF2-40B4-BE49-F238E27FC236}">
-                <a16:creationId xmlns:a16="http://schemas.microsoft.com/office/drawing/2014/main" id="{834667EB-CEE9-4ECF-9215-CD5ABCA943E1}"/>
-              </a:ext>
-            </a:extLst>
-          </p:cNvPr>
-          <p:cNvPicPr>
-            <a:picLocks noChangeAspect="1"/>
-          </p:cNvPicPr>
-          <p:nvPr/>
-        </p:nvPicPr>
-        <p:blipFill>
-          <a:blip r:embed="rId3"/>
-          <a:stretch>
-            <a:fillRect/>
-          </a:stretch>
-        </p:blipFill>
-        <p:spPr>
-          <a:xfrm>
-            <a:off x="1907704" y="2967529"/>
-            <a:ext cx="3816424" cy="1979473"/>
-          </a:xfrm>
-          <a:prstGeom prst="rect">
-            <a:avLst/>
-          </a:prstGeom>
-        </p:spPr>
-      </p:pic>
       <p:sp>
         <p:nvSpPr>
           <p:cNvPr id="7" name="矩形">
@@ -8701,8 +9335,8 @@
         </p:nvSpPr>
         <p:spPr>
           <a:xfrm>
-            <a:off x="578721" y="2285970"/>
-            <a:ext cx="8565279" cy="1015663"/>
+            <a:off x="395536" y="2417433"/>
+            <a:ext cx="8565279" cy="1200329"/>
           </a:xfrm>
           <a:prstGeom prst="rect">
             <a:avLst/>
@@ -8723,31 +9357,13 @@
           </a:bodyPr>
           <a:lstStyle/>
           <a:p>
-            <a:pPr marL="800100" lvl="1" indent="-342900">
-              <a:buFont typeface="Wingdings" panose="05000000000000000000" pitchFamily="2" charset="2"/>
-              <a:buChar char="u"/>
-            </a:pPr>
-            <a:r>
-              <a:rPr lang="zh-CN" altLang="en-US" sz="2000" dirty="0">
-                <a:solidFill>
-                  <a:srgbClr val="212121"/>
-                </a:solidFill>
-                <a:latin typeface="微软雅黑" charset="0"/>
-                <a:ea typeface="微软雅黑" charset="0"/>
-                <a:cs typeface="微软雅黑" charset="0"/>
-                <a:sym typeface="Calibri" pitchFamily="34" charset="0"/>
+            <a:r>
+              <a:rPr lang="zh-CN" altLang="zh-CN" sz="1600" dirty="0">
+                <a:latin typeface="微软雅黑" panose="020B0503020204020204" pitchFamily="34" charset="-122"/>
+                <a:ea typeface="微软雅黑" panose="020B0503020204020204" pitchFamily="34" charset="-122"/>
               </a:rPr>
-              <a:t>分支管理策略</a:t>
-            </a:r>
-            <a:endParaRPr lang="en-US" altLang="zh-CN" sz="2000" dirty="0">
-              <a:solidFill>
-                <a:srgbClr val="212121"/>
-              </a:solidFill>
-              <a:latin typeface="微软雅黑" charset="0"/>
-              <a:ea typeface="微软雅黑" charset="0"/>
-              <a:cs typeface="微软雅黑" charset="0"/>
-              <a:sym typeface="Calibri" pitchFamily="34" charset="0"/>
-            </a:endParaRPr>
+              <a:t>可以创建一个属于自己的分支，别人看不见，在自己的分支上进行开发，等开发完毕，还继续在原来的分支上合并。</a:t>
+            </a:r>
           </a:p>
           <a:p>
             <a:pPr lvl="1"/>
@@ -9007,7 +9623,1207 @@
 </p:sld>
 </file>
 
-<file path=ppt/slides/slide13.xml><?xml version="1.0" encoding="utf-8"?>
+<file path=ppt/slides/slide14.xml><?xml version="1.0" encoding="utf-8"?>
+<p:sld xmlns:a="http://schemas.openxmlformats.org/drawingml/2006/main" xmlns:r="http://schemas.openxmlformats.org/officeDocument/2006/relationships" xmlns:p="http://schemas.openxmlformats.org/presentationml/2006/main">
+  <p:cSld>
+    <p:spTree>
+      <p:nvGrpSpPr>
+        <p:cNvPr id="1" name=""/>
+        <p:cNvGrpSpPr/>
+        <p:nvPr/>
+      </p:nvGrpSpPr>
+      <p:grpSpPr>
+        <a:xfrm>
+          <a:off x="0" y="0"/>
+          <a:ext cx="0" cy="0"/>
+          <a:chOff x="0" y="0"/>
+          <a:chExt cx="0" cy="0"/>
+        </a:xfrm>
+      </p:grpSpPr>
+      <p:sp>
+        <p:nvSpPr>
+          <p:cNvPr id="17" name="矩形"/>
+          <p:cNvSpPr>
+            <a:spLocks/>
+          </p:cNvSpPr>
+          <p:nvPr/>
+        </p:nvSpPr>
+        <p:spPr>
+          <a:xfrm>
+            <a:off x="3710225" y="427327"/>
+            <a:ext cx="1723549" cy="553998"/>
+          </a:xfrm>
+          <a:prstGeom prst="rect">
+            <a:avLst/>
+          </a:prstGeom>
+          <a:noFill/>
+          <a:ln w="9525" cap="flat" cmpd="sng">
+            <a:noFill/>
+            <a:prstDash val="solid"/>
+            <a:miter/>
+          </a:ln>
+        </p:spPr>
+        <p:txBody>
+          <a:bodyPr vert="horz" wrap="none" lIns="91440" tIns="45720" rIns="91440" bIns="45720" anchor="t" anchorCtr="0">
+            <a:prstTxWarp prst="textNoShape">
+              <a:avLst/>
+            </a:prstTxWarp>
+            <a:spAutoFit/>
+          </a:bodyPr>
+          <a:lstStyle/>
+          <a:p>
+            <a:r>
+              <a:rPr lang="zh-CN" altLang="en-US" sz="3000" b="1" u="none" strike="noStrike" kern="0" cap="none" spc="0" baseline="0" dirty="0">
+                <a:solidFill>
+                  <a:srgbClr val="C9394A"/>
+                </a:solidFill>
+                <a:latin typeface="微软雅黑" charset="0"/>
+                <a:ea typeface="微软雅黑" charset="0"/>
+                <a:cs typeface="微软雅黑" charset="0"/>
+                <a:sym typeface="Calibri" pitchFamily="34" charset="0"/>
+              </a:rPr>
+              <a:t>分支管理</a:t>
+            </a:r>
+            <a:endParaRPr lang="zh-CN" altLang="en-US" u="none" strike="noStrike" kern="1200" cap="none" spc="0" baseline="0" dirty="0">
+              <a:solidFill>
+                <a:schemeClr val="tx1"/>
+              </a:solidFill>
+              <a:latin typeface="Calibri" pitchFamily="34" charset="0"/>
+              <a:ea typeface="宋体" pitchFamily="2" charset="-122"/>
+              <a:cs typeface="微软雅黑" charset="0"/>
+            </a:endParaRPr>
+          </a:p>
+        </p:txBody>
+      </p:sp>
+      <p:pic>
+        <p:nvPicPr>
+          <p:cNvPr id="6" name="图片 5">
+            <a:extLst>
+              <a:ext uri="{FF2B5EF4-FFF2-40B4-BE49-F238E27FC236}">
+                <a16:creationId xmlns:a16="http://schemas.microsoft.com/office/drawing/2014/main" id="{834667EB-CEE9-4ECF-9215-CD5ABCA943E1}"/>
+              </a:ext>
+            </a:extLst>
+          </p:cNvPr>
+          <p:cNvPicPr>
+            <a:picLocks noChangeAspect="1"/>
+          </p:cNvPicPr>
+          <p:nvPr/>
+        </p:nvPicPr>
+        <p:blipFill>
+          <a:blip r:embed="rId3"/>
+          <a:stretch>
+            <a:fillRect/>
+          </a:stretch>
+        </p:blipFill>
+        <p:spPr>
+          <a:xfrm>
+            <a:off x="2411760" y="2316325"/>
+            <a:ext cx="3816424" cy="1979473"/>
+          </a:xfrm>
+          <a:prstGeom prst="rect">
+            <a:avLst/>
+          </a:prstGeom>
+        </p:spPr>
+      </p:pic>
+      <p:sp>
+        <p:nvSpPr>
+          <p:cNvPr id="7" name="矩形">
+            <a:extLst>
+              <a:ext uri="{FF2B5EF4-FFF2-40B4-BE49-F238E27FC236}">
+                <a16:creationId xmlns:a16="http://schemas.microsoft.com/office/drawing/2014/main" id="{EFC72CD9-084D-4474-BB9F-79D9DB9CD824}"/>
+              </a:ext>
+            </a:extLst>
+          </p:cNvPr>
+          <p:cNvSpPr>
+            <a:spLocks/>
+          </p:cNvSpPr>
+          <p:nvPr/>
+        </p:nvSpPr>
+        <p:spPr>
+          <a:xfrm>
+            <a:off x="578721" y="1300662"/>
+            <a:ext cx="8565279" cy="1015663"/>
+          </a:xfrm>
+          <a:prstGeom prst="rect">
+            <a:avLst/>
+          </a:prstGeom>
+          <a:noFill/>
+          <a:ln w="9525" cap="flat" cmpd="sng">
+            <a:noFill/>
+            <a:prstDash val="solid"/>
+            <a:miter/>
+          </a:ln>
+        </p:spPr>
+        <p:txBody>
+          <a:bodyPr vert="horz" wrap="square" lIns="91440" tIns="45720" rIns="91440" bIns="45720" anchor="ctr" anchorCtr="0">
+            <a:prstTxWarp prst="textNoShape">
+              <a:avLst/>
+            </a:prstTxWarp>
+            <a:spAutoFit/>
+          </a:bodyPr>
+          <a:lstStyle/>
+          <a:p>
+            <a:pPr marL="800100" lvl="1" indent="-342900">
+              <a:buFont typeface="Wingdings" panose="05000000000000000000" pitchFamily="2" charset="2"/>
+              <a:buChar char="u"/>
+            </a:pPr>
+            <a:r>
+              <a:rPr lang="zh-CN" altLang="en-US" sz="2000" dirty="0">
+                <a:solidFill>
+                  <a:srgbClr val="212121"/>
+                </a:solidFill>
+                <a:latin typeface="微软雅黑" charset="0"/>
+                <a:ea typeface="微软雅黑" charset="0"/>
+                <a:cs typeface="微软雅黑" charset="0"/>
+                <a:sym typeface="Calibri" pitchFamily="34" charset="0"/>
+              </a:rPr>
+              <a:t>分支管理策略</a:t>
+            </a:r>
+            <a:endParaRPr lang="en-US" altLang="zh-CN" sz="2000" dirty="0">
+              <a:solidFill>
+                <a:srgbClr val="212121"/>
+              </a:solidFill>
+              <a:latin typeface="微软雅黑" charset="0"/>
+              <a:ea typeface="微软雅黑" charset="0"/>
+              <a:cs typeface="微软雅黑" charset="0"/>
+              <a:sym typeface="Calibri" pitchFamily="34" charset="0"/>
+            </a:endParaRPr>
+          </a:p>
+          <a:p>
+            <a:pPr lvl="1"/>
+            <a:endParaRPr lang="en-US" altLang="zh-CN" sz="2000" dirty="0">
+              <a:solidFill>
+                <a:srgbClr val="C9394A"/>
+              </a:solidFill>
+              <a:latin typeface="微软雅黑" charset="0"/>
+              <a:ea typeface="微软雅黑" charset="0"/>
+              <a:cs typeface="微软雅黑" charset="0"/>
+              <a:sym typeface="Calibri" pitchFamily="34" charset="0"/>
+            </a:endParaRPr>
+          </a:p>
+          <a:p>
+            <a:pPr lvl="1"/>
+            <a:r>
+              <a:rPr lang="en-US" altLang="zh-CN" sz="2000" dirty="0">
+                <a:solidFill>
+                  <a:srgbClr val="C9394A"/>
+                </a:solidFill>
+                <a:latin typeface="微软雅黑" charset="0"/>
+                <a:ea typeface="微软雅黑" charset="0"/>
+                <a:cs typeface="微软雅黑" charset="0"/>
+                <a:sym typeface="Calibri" pitchFamily="34" charset="0"/>
+              </a:rPr>
+              <a:t>	</a:t>
+            </a:r>
+          </a:p>
+        </p:txBody>
+      </p:sp>
+    </p:spTree>
+    <p:extLst>
+      <p:ext uri="{BB962C8B-B14F-4D97-AF65-F5344CB8AC3E}">
+        <p14:creationId xmlns:p14="http://schemas.microsoft.com/office/powerpoint/2010/main" val="3774219433"/>
+      </p:ext>
+    </p:extLst>
+  </p:cSld>
+  <p:clrMapOvr>
+    <a:masterClrMapping/>
+  </p:clrMapOvr>
+  <p:timing>
+    <p:tnLst>
+      <p:par>
+        <p:cTn id="1" dur="indefinite" restart="never" nodeType="tmRoot">
+          <p:childTnLst>
+            <p:seq concurrent="1" nextAc="seek">
+              <p:cTn id="2" dur="indefinite" nodeType="mainSeq">
+                <p:childTnLst>
+                  <p:par>
+                    <p:cTn id="3" fill="hold">
+                      <p:stCondLst>
+                        <p:cond delay="indefinite"/>
+                      </p:stCondLst>
+                      <p:childTnLst>
+                        <p:par>
+                          <p:cTn id="4" fill="hold">
+                            <p:stCondLst>
+                              <p:cond delay="0"/>
+                            </p:stCondLst>
+                            <p:childTnLst>
+                              <p:par>
+                                <p:cTn id="5" presetID="2" presetClass="entr" presetSubtype="4" fill="hold" grpId="0" nodeType="clickEffect">
+                                  <p:stCondLst>
+                                    <p:cond delay="0"/>
+                                  </p:stCondLst>
+                                  <p:childTnLst>
+                                    <p:set>
+                                      <p:cBhvr>
+                                        <p:cTn id="6" dur="1" fill="hold">
+                                          <p:stCondLst>
+                                            <p:cond delay="0"/>
+                                          </p:stCondLst>
+                                        </p:cTn>
+                                        <p:tgtEl>
+                                          <p:spTgt spid="7"/>
+                                        </p:tgtEl>
+                                        <p:attrNameLst>
+                                          <p:attrName>style.visibility</p:attrName>
+                                        </p:attrNameLst>
+                                      </p:cBhvr>
+                                      <p:to>
+                                        <p:strVal val="visible"/>
+                                      </p:to>
+                                    </p:set>
+                                    <p:anim calcmode="lin" valueType="num">
+                                      <p:cBhvr additive="base">
+                                        <p:cTn id="7" dur="500" fill="hold"/>
+                                        <p:tgtEl>
+                                          <p:spTgt spid="7"/>
+                                        </p:tgtEl>
+                                        <p:attrNameLst>
+                                          <p:attrName>ppt_x</p:attrName>
+                                        </p:attrNameLst>
+                                      </p:cBhvr>
+                                      <p:tavLst>
+                                        <p:tav tm="0">
+                                          <p:val>
+                                            <p:strVal val="#ppt_x"/>
+                                          </p:val>
+                                        </p:tav>
+                                        <p:tav tm="100000">
+                                          <p:val>
+                                            <p:strVal val="#ppt_x"/>
+                                          </p:val>
+                                        </p:tav>
+                                      </p:tavLst>
+                                    </p:anim>
+                                    <p:anim calcmode="lin" valueType="num">
+                                      <p:cBhvr additive="base">
+                                        <p:cTn id="8" dur="500" fill="hold"/>
+                                        <p:tgtEl>
+                                          <p:spTgt spid="7"/>
+                                        </p:tgtEl>
+                                        <p:attrNameLst>
+                                          <p:attrName>ppt_y</p:attrName>
+                                        </p:attrNameLst>
+                                      </p:cBhvr>
+                                      <p:tavLst>
+                                        <p:tav tm="0">
+                                          <p:val>
+                                            <p:strVal val="1+#ppt_h/2"/>
+                                          </p:val>
+                                        </p:tav>
+                                        <p:tav tm="100000">
+                                          <p:val>
+                                            <p:strVal val="#ppt_y"/>
+                                          </p:val>
+                                        </p:tav>
+                                      </p:tavLst>
+                                    </p:anim>
+                                  </p:childTnLst>
+                                </p:cTn>
+                              </p:par>
+                            </p:childTnLst>
+                          </p:cTn>
+                        </p:par>
+                      </p:childTnLst>
+                    </p:cTn>
+                  </p:par>
+                </p:childTnLst>
+              </p:cTn>
+              <p:prevCondLst>
+                <p:cond evt="onPrev" delay="0">
+                  <p:tgtEl>
+                    <p:sldTgt/>
+                  </p:tgtEl>
+                </p:cond>
+              </p:prevCondLst>
+              <p:nextCondLst>
+                <p:cond evt="onNext" delay="0">
+                  <p:tgtEl>
+                    <p:sldTgt/>
+                  </p:tgtEl>
+                </p:cond>
+              </p:nextCondLst>
+            </p:seq>
+          </p:childTnLst>
+        </p:cTn>
+      </p:par>
+    </p:tnLst>
+    <p:bldLst>
+      <p:bldP spid="7" grpId="0"/>
+    </p:bldLst>
+  </p:timing>
+</p:sld>
+</file>
+
+<file path=ppt/slides/slide15.xml><?xml version="1.0" encoding="utf-8"?>
+<p:sld xmlns:a="http://schemas.openxmlformats.org/drawingml/2006/main" xmlns:r="http://schemas.openxmlformats.org/officeDocument/2006/relationships" xmlns:p="http://schemas.openxmlformats.org/presentationml/2006/main">
+  <p:cSld>
+    <p:spTree>
+      <p:nvGrpSpPr>
+        <p:cNvPr id="1" name=""/>
+        <p:cNvGrpSpPr/>
+        <p:nvPr/>
+      </p:nvGrpSpPr>
+      <p:grpSpPr>
+        <a:xfrm>
+          <a:off x="0" y="0"/>
+          <a:ext cx="0" cy="0"/>
+          <a:chOff x="0" y="0"/>
+          <a:chExt cx="0" cy="0"/>
+        </a:xfrm>
+      </p:grpSpPr>
+      <p:sp>
+        <p:nvSpPr>
+          <p:cNvPr id="17" name="矩形"/>
+          <p:cNvSpPr>
+            <a:spLocks/>
+          </p:cNvSpPr>
+          <p:nvPr/>
+        </p:nvSpPr>
+        <p:spPr>
+          <a:xfrm>
+            <a:off x="2987824" y="494551"/>
+            <a:ext cx="2877711" cy="553998"/>
+          </a:xfrm>
+          <a:prstGeom prst="rect">
+            <a:avLst/>
+          </a:prstGeom>
+          <a:noFill/>
+          <a:ln w="9525" cap="flat" cmpd="sng">
+            <a:noFill/>
+            <a:prstDash val="solid"/>
+            <a:miter/>
+          </a:ln>
+        </p:spPr>
+        <p:txBody>
+          <a:bodyPr vert="horz" wrap="none" lIns="91440" tIns="45720" rIns="91440" bIns="45720" anchor="t" anchorCtr="0">
+            <a:prstTxWarp prst="textNoShape">
+              <a:avLst/>
+            </a:prstTxWarp>
+            <a:spAutoFit/>
+          </a:bodyPr>
+          <a:lstStyle/>
+          <a:p>
+            <a:r>
+              <a:rPr lang="zh-CN" altLang="en-US" sz="3000" b="1" u="none" strike="noStrike" kern="0" cap="none" spc="0" baseline="0" dirty="0">
+                <a:solidFill>
+                  <a:srgbClr val="C9394A"/>
+                </a:solidFill>
+                <a:latin typeface="微软雅黑" charset="0"/>
+                <a:ea typeface="微软雅黑" charset="0"/>
+                <a:cs typeface="微软雅黑" charset="0"/>
+                <a:sym typeface="Calibri" pitchFamily="34" charset="0"/>
+              </a:rPr>
+              <a:t>分支的</a:t>
+            </a:r>
+            <a:r>
+              <a:rPr lang="zh-CN" altLang="en-US" sz="3000" b="1" kern="0" dirty="0">
+                <a:solidFill>
+                  <a:srgbClr val="C9394A"/>
+                </a:solidFill>
+                <a:latin typeface="微软雅黑" charset="0"/>
+                <a:ea typeface="微软雅黑" charset="0"/>
+                <a:cs typeface="微软雅黑" charset="0"/>
+                <a:sym typeface="Calibri" pitchFamily="34" charset="0"/>
+              </a:rPr>
+              <a:t>团队协作</a:t>
+            </a:r>
+          </a:p>
+        </p:txBody>
+      </p:sp>
+      <p:pic>
+        <p:nvPicPr>
+          <p:cNvPr id="3" name="图片 2">
+            <a:extLst>
+              <a:ext uri="{FF2B5EF4-FFF2-40B4-BE49-F238E27FC236}">
+                <a16:creationId xmlns:a16="http://schemas.microsoft.com/office/drawing/2014/main" id="{E0389DF5-C4FA-40B9-A1E1-F40246626487}"/>
+              </a:ext>
+            </a:extLst>
+          </p:cNvPr>
+          <p:cNvPicPr>
+            <a:picLocks noChangeAspect="1"/>
+          </p:cNvPicPr>
+          <p:nvPr/>
+        </p:nvPicPr>
+        <p:blipFill>
+          <a:blip r:embed="rId3"/>
+          <a:stretch>
+            <a:fillRect/>
+          </a:stretch>
+        </p:blipFill>
+        <p:spPr>
+          <a:xfrm>
+            <a:off x="1481686" y="1707654"/>
+            <a:ext cx="6180627" cy="2664296"/>
+          </a:xfrm>
+          <a:prstGeom prst="rect">
+            <a:avLst/>
+          </a:prstGeom>
+        </p:spPr>
+      </p:pic>
+      <p:sp>
+        <p:nvSpPr>
+          <p:cNvPr id="5" name="矩形 4">
+            <a:extLst>
+              <a:ext uri="{FF2B5EF4-FFF2-40B4-BE49-F238E27FC236}">
+                <a16:creationId xmlns:a16="http://schemas.microsoft.com/office/drawing/2014/main" id="{E7BC57D7-2444-4BBF-B2B9-65F50CA624B3}"/>
+              </a:ext>
+            </a:extLst>
+          </p:cNvPr>
+          <p:cNvSpPr/>
+          <p:nvPr/>
+        </p:nvSpPr>
+        <p:spPr>
+          <a:xfrm>
+            <a:off x="5841700" y="3793522"/>
+            <a:ext cx="4572000" cy="1156855"/>
+          </a:xfrm>
+          <a:prstGeom prst="rect">
+            <a:avLst/>
+          </a:prstGeom>
+        </p:spPr>
+        <p:txBody>
+          <a:bodyPr>
+            <a:spAutoFit/>
+          </a:bodyPr>
+          <a:lstStyle/>
+          <a:p>
+            <a:pPr marL="285750" indent="-285750">
+              <a:lnSpc>
+                <a:spcPct val="150000"/>
+              </a:lnSpc>
+              <a:buFont typeface="Arial" panose="020B0604020202020204" pitchFamily="34" charset="0"/>
+              <a:buChar char="•"/>
+            </a:pPr>
+            <a:r>
+              <a:rPr lang="zh-CN" altLang="en-US" sz="1600" dirty="0">
+                <a:solidFill>
+                  <a:srgbClr val="1D8DE5"/>
+                </a:solidFill>
+                <a:latin typeface="微软雅黑" panose="020B0503020204020204" pitchFamily="34" charset="-122"/>
+                <a:ea typeface="微软雅黑" panose="020B0503020204020204" pitchFamily="34" charset="-122"/>
+              </a:rPr>
+              <a:t>提高团队协作开发效率</a:t>
+            </a:r>
+          </a:p>
+          <a:p>
+            <a:pPr marL="285750" indent="-285750">
+              <a:lnSpc>
+                <a:spcPct val="150000"/>
+              </a:lnSpc>
+              <a:buFont typeface="Arial" panose="020B0604020202020204" pitchFamily="34" charset="0"/>
+              <a:buChar char="•"/>
+            </a:pPr>
+            <a:r>
+              <a:rPr lang="zh-CN" altLang="en-US" sz="1600" dirty="0">
+                <a:solidFill>
+                  <a:srgbClr val="1D8DE5"/>
+                </a:solidFill>
+                <a:latin typeface="微软雅黑" panose="020B0503020204020204" pitchFamily="34" charset="-122"/>
+                <a:ea typeface="微软雅黑" panose="020B0503020204020204" pitchFamily="34" charset="-122"/>
+              </a:rPr>
+              <a:t>便于管理维护新功能开发</a:t>
+            </a:r>
+            <a:endParaRPr lang="en-US" altLang="zh-CN" sz="1600" dirty="0">
+              <a:solidFill>
+                <a:srgbClr val="1D8DE5"/>
+              </a:solidFill>
+              <a:latin typeface="微软雅黑" panose="020B0503020204020204" pitchFamily="34" charset="-122"/>
+              <a:ea typeface="微软雅黑" panose="020B0503020204020204" pitchFamily="34" charset="-122"/>
+            </a:endParaRPr>
+          </a:p>
+          <a:p>
+            <a:pPr marL="285750" indent="-285750">
+              <a:lnSpc>
+                <a:spcPct val="150000"/>
+              </a:lnSpc>
+              <a:buFont typeface="Arial" panose="020B0604020202020204" pitchFamily="34" charset="0"/>
+              <a:buChar char="•"/>
+            </a:pPr>
+            <a:r>
+              <a:rPr lang="zh-CN" altLang="en-US" sz="1600" dirty="0">
+                <a:solidFill>
+                  <a:srgbClr val="1D8DE5"/>
+                </a:solidFill>
+                <a:latin typeface="微软雅黑" panose="020B0503020204020204" pitchFamily="34" charset="-122"/>
+                <a:ea typeface="微软雅黑" panose="020B0503020204020204" pitchFamily="34" charset="-122"/>
+              </a:rPr>
+              <a:t>便于协同开发发布管理</a:t>
+            </a:r>
+          </a:p>
+        </p:txBody>
+      </p:sp>
+    </p:spTree>
+    <p:extLst>
+      <p:ext uri="{BB962C8B-B14F-4D97-AF65-F5344CB8AC3E}">
+        <p14:creationId xmlns:p14="http://schemas.microsoft.com/office/powerpoint/2010/main" val="3305718851"/>
+      </p:ext>
+    </p:extLst>
+  </p:cSld>
+  <p:clrMapOvr>
+    <a:masterClrMapping/>
+  </p:clrMapOvr>
+  <p:timing>
+    <p:tnLst>
+      <p:par>
+        <p:cTn id="1" dur="indefinite" restart="never" nodeType="tmRoot">
+          <p:childTnLst>
+            <p:seq concurrent="1" nextAc="seek">
+              <p:cTn id="2" dur="indefinite" nodeType="mainSeq">
+                <p:childTnLst>
+                  <p:par>
+                    <p:cTn id="3" fill="hold">
+                      <p:stCondLst>
+                        <p:cond delay="indefinite"/>
+                      </p:stCondLst>
+                      <p:childTnLst>
+                        <p:par>
+                          <p:cTn id="4" fill="hold">
+                            <p:stCondLst>
+                              <p:cond delay="0"/>
+                            </p:stCondLst>
+                            <p:childTnLst>
+                              <p:par>
+                                <p:cTn id="5" presetID="6" presetClass="entr" presetSubtype="16" fill="hold" nodeType="clickEffect">
+                                  <p:stCondLst>
+                                    <p:cond delay="0"/>
+                                  </p:stCondLst>
+                                  <p:childTnLst>
+                                    <p:set>
+                                      <p:cBhvr>
+                                        <p:cTn id="6" dur="1" fill="hold">
+                                          <p:stCondLst>
+                                            <p:cond delay="0"/>
+                                          </p:stCondLst>
+                                        </p:cTn>
+                                        <p:tgtEl>
+                                          <p:spTgt spid="3"/>
+                                        </p:tgtEl>
+                                        <p:attrNameLst>
+                                          <p:attrName>style.visibility</p:attrName>
+                                        </p:attrNameLst>
+                                      </p:cBhvr>
+                                      <p:to>
+                                        <p:strVal val="visible"/>
+                                      </p:to>
+                                    </p:set>
+                                    <p:animEffect transition="in" filter="circle(in)">
+                                      <p:cBhvr>
+                                        <p:cTn id="7" dur="2000"/>
+                                        <p:tgtEl>
+                                          <p:spTgt spid="3"/>
+                                        </p:tgtEl>
+                                      </p:cBhvr>
+                                    </p:animEffect>
+                                  </p:childTnLst>
+                                </p:cTn>
+                              </p:par>
+                            </p:childTnLst>
+                          </p:cTn>
+                        </p:par>
+                      </p:childTnLst>
+                    </p:cTn>
+                  </p:par>
+                  <p:par>
+                    <p:cTn id="8" fill="hold">
+                      <p:stCondLst>
+                        <p:cond delay="indefinite"/>
+                      </p:stCondLst>
+                      <p:childTnLst>
+                        <p:par>
+                          <p:cTn id="9" fill="hold">
+                            <p:stCondLst>
+                              <p:cond delay="0"/>
+                            </p:stCondLst>
+                            <p:childTnLst>
+                              <p:par>
+                                <p:cTn id="10" presetID="26" presetClass="entr" presetSubtype="0" fill="hold" grpId="0" nodeType="clickEffect">
+                                  <p:stCondLst>
+                                    <p:cond delay="0"/>
+                                  </p:stCondLst>
+                                  <p:childTnLst>
+                                    <p:set>
+                                      <p:cBhvr>
+                                        <p:cTn id="11" dur="1" fill="hold">
+                                          <p:stCondLst>
+                                            <p:cond delay="0"/>
+                                          </p:stCondLst>
+                                        </p:cTn>
+                                        <p:tgtEl>
+                                          <p:spTgt spid="5"/>
+                                        </p:tgtEl>
+                                        <p:attrNameLst>
+                                          <p:attrName>style.visibility</p:attrName>
+                                        </p:attrNameLst>
+                                      </p:cBhvr>
+                                      <p:to>
+                                        <p:strVal val="visible"/>
+                                      </p:to>
+                                    </p:set>
+                                    <p:animEffect transition="in" filter="wipe(down)">
+                                      <p:cBhvr>
+                                        <p:cTn id="12" dur="580">
+                                          <p:stCondLst>
+                                            <p:cond delay="0"/>
+                                          </p:stCondLst>
+                                        </p:cTn>
+                                        <p:tgtEl>
+                                          <p:spTgt spid="5"/>
+                                        </p:tgtEl>
+                                      </p:cBhvr>
+                                    </p:animEffect>
+                                    <p:anim calcmode="lin" valueType="num">
+                                      <p:cBhvr>
+                                        <p:cTn id="13" dur="1822" tmFilter="0,0; 0.14,0.36; 0.43,0.73; 0.71,0.91; 1.0,1.0">
+                                          <p:stCondLst>
+                                            <p:cond delay="0"/>
+                                          </p:stCondLst>
+                                        </p:cTn>
+                                        <p:tgtEl>
+                                          <p:spTgt spid="5"/>
+                                        </p:tgtEl>
+                                        <p:attrNameLst>
+                                          <p:attrName>ppt_x</p:attrName>
+                                        </p:attrNameLst>
+                                      </p:cBhvr>
+                                      <p:tavLst>
+                                        <p:tav tm="0">
+                                          <p:val>
+                                            <p:strVal val="#ppt_x-0.25"/>
+                                          </p:val>
+                                        </p:tav>
+                                        <p:tav tm="100000">
+                                          <p:val>
+                                            <p:strVal val="#ppt_x"/>
+                                          </p:val>
+                                        </p:tav>
+                                      </p:tavLst>
+                                    </p:anim>
+                                    <p:anim calcmode="lin" valueType="num">
+                                      <p:cBhvr>
+                                        <p:cTn id="14" dur="664" tmFilter="0.0,0.0; 0.25,0.07; 0.50,0.2; 0.75,0.467; 1.0,1.0">
+                                          <p:stCondLst>
+                                            <p:cond delay="0"/>
+                                          </p:stCondLst>
+                                        </p:cTn>
+                                        <p:tgtEl>
+                                          <p:spTgt spid="5"/>
+                                        </p:tgtEl>
+                                        <p:attrNameLst>
+                                          <p:attrName>ppt_y</p:attrName>
+                                        </p:attrNameLst>
+                                      </p:cBhvr>
+                                      <p:tavLst>
+                                        <p:tav tm="0" fmla="#ppt_y-sin(pi*$)/3">
+                                          <p:val>
+                                            <p:fltVal val="0.5"/>
+                                          </p:val>
+                                        </p:tav>
+                                        <p:tav tm="100000">
+                                          <p:val>
+                                            <p:fltVal val="1"/>
+                                          </p:val>
+                                        </p:tav>
+                                      </p:tavLst>
+                                    </p:anim>
+                                    <p:anim calcmode="lin" valueType="num">
+                                      <p:cBhvr>
+                                        <p:cTn id="15" dur="664" tmFilter="0, 0; 0.125,0.2665; 0.25,0.4; 0.375,0.465; 0.5,0.5;  0.625,0.535; 0.75,0.6; 0.875,0.7335; 1,1">
+                                          <p:stCondLst>
+                                            <p:cond delay="664"/>
+                                          </p:stCondLst>
+                                        </p:cTn>
+                                        <p:tgtEl>
+                                          <p:spTgt spid="5"/>
+                                        </p:tgtEl>
+                                        <p:attrNameLst>
+                                          <p:attrName>ppt_y</p:attrName>
+                                        </p:attrNameLst>
+                                      </p:cBhvr>
+                                      <p:tavLst>
+                                        <p:tav tm="0" fmla="#ppt_y-sin(pi*$)/9">
+                                          <p:val>
+                                            <p:fltVal val="0"/>
+                                          </p:val>
+                                        </p:tav>
+                                        <p:tav tm="100000">
+                                          <p:val>
+                                            <p:fltVal val="1"/>
+                                          </p:val>
+                                        </p:tav>
+                                      </p:tavLst>
+                                    </p:anim>
+                                    <p:anim calcmode="lin" valueType="num">
+                                      <p:cBhvr>
+                                        <p:cTn id="16" dur="332" tmFilter="0, 0; 0.125,0.2665; 0.25,0.4; 0.375,0.465; 0.5,0.5;  0.625,0.535; 0.75,0.6; 0.875,0.7335; 1,1">
+                                          <p:stCondLst>
+                                            <p:cond delay="1324"/>
+                                          </p:stCondLst>
+                                        </p:cTn>
+                                        <p:tgtEl>
+                                          <p:spTgt spid="5"/>
+                                        </p:tgtEl>
+                                        <p:attrNameLst>
+                                          <p:attrName>ppt_y</p:attrName>
+                                        </p:attrNameLst>
+                                      </p:cBhvr>
+                                      <p:tavLst>
+                                        <p:tav tm="0" fmla="#ppt_y-sin(pi*$)/27">
+                                          <p:val>
+                                            <p:fltVal val="0"/>
+                                          </p:val>
+                                        </p:tav>
+                                        <p:tav tm="100000">
+                                          <p:val>
+                                            <p:fltVal val="1"/>
+                                          </p:val>
+                                        </p:tav>
+                                      </p:tavLst>
+                                    </p:anim>
+                                    <p:anim calcmode="lin" valueType="num">
+                                      <p:cBhvr>
+                                        <p:cTn id="17" dur="164" tmFilter="0, 0; 0.125,0.2665; 0.25,0.4; 0.375,0.465; 0.5,0.5;  0.625,0.535; 0.75,0.6; 0.875,0.7335; 1,1">
+                                          <p:stCondLst>
+                                            <p:cond delay="1656"/>
+                                          </p:stCondLst>
+                                        </p:cTn>
+                                        <p:tgtEl>
+                                          <p:spTgt spid="5"/>
+                                        </p:tgtEl>
+                                        <p:attrNameLst>
+                                          <p:attrName>ppt_y</p:attrName>
+                                        </p:attrNameLst>
+                                      </p:cBhvr>
+                                      <p:tavLst>
+                                        <p:tav tm="0" fmla="#ppt_y-sin(pi*$)/81">
+                                          <p:val>
+                                            <p:fltVal val="0"/>
+                                          </p:val>
+                                        </p:tav>
+                                        <p:tav tm="100000">
+                                          <p:val>
+                                            <p:fltVal val="1"/>
+                                          </p:val>
+                                        </p:tav>
+                                      </p:tavLst>
+                                    </p:anim>
+                                    <p:animScale>
+                                      <p:cBhvr>
+                                        <p:cTn id="18" dur="26">
+                                          <p:stCondLst>
+                                            <p:cond delay="650"/>
+                                          </p:stCondLst>
+                                        </p:cTn>
+                                        <p:tgtEl>
+                                          <p:spTgt spid="5"/>
+                                        </p:tgtEl>
+                                      </p:cBhvr>
+                                      <p:to x="100000" y="60000"/>
+                                    </p:animScale>
+                                    <p:animScale>
+                                      <p:cBhvr>
+                                        <p:cTn id="19" dur="166" decel="50000">
+                                          <p:stCondLst>
+                                            <p:cond delay="676"/>
+                                          </p:stCondLst>
+                                        </p:cTn>
+                                        <p:tgtEl>
+                                          <p:spTgt spid="5"/>
+                                        </p:tgtEl>
+                                      </p:cBhvr>
+                                      <p:to x="100000" y="100000"/>
+                                    </p:animScale>
+                                    <p:animScale>
+                                      <p:cBhvr>
+                                        <p:cTn id="20" dur="26">
+                                          <p:stCondLst>
+                                            <p:cond delay="1312"/>
+                                          </p:stCondLst>
+                                        </p:cTn>
+                                        <p:tgtEl>
+                                          <p:spTgt spid="5"/>
+                                        </p:tgtEl>
+                                      </p:cBhvr>
+                                      <p:to x="100000" y="80000"/>
+                                    </p:animScale>
+                                    <p:animScale>
+                                      <p:cBhvr>
+                                        <p:cTn id="21" dur="166" decel="50000">
+                                          <p:stCondLst>
+                                            <p:cond delay="1338"/>
+                                          </p:stCondLst>
+                                        </p:cTn>
+                                        <p:tgtEl>
+                                          <p:spTgt spid="5"/>
+                                        </p:tgtEl>
+                                      </p:cBhvr>
+                                      <p:to x="100000" y="100000"/>
+                                    </p:animScale>
+                                    <p:animScale>
+                                      <p:cBhvr>
+                                        <p:cTn id="22" dur="26">
+                                          <p:stCondLst>
+                                            <p:cond delay="1642"/>
+                                          </p:stCondLst>
+                                        </p:cTn>
+                                        <p:tgtEl>
+                                          <p:spTgt spid="5"/>
+                                        </p:tgtEl>
+                                      </p:cBhvr>
+                                      <p:to x="100000" y="90000"/>
+                                    </p:animScale>
+                                    <p:animScale>
+                                      <p:cBhvr>
+                                        <p:cTn id="23" dur="166" decel="50000">
+                                          <p:stCondLst>
+                                            <p:cond delay="1668"/>
+                                          </p:stCondLst>
+                                        </p:cTn>
+                                        <p:tgtEl>
+                                          <p:spTgt spid="5"/>
+                                        </p:tgtEl>
+                                      </p:cBhvr>
+                                      <p:to x="100000" y="100000"/>
+                                    </p:animScale>
+                                    <p:animScale>
+                                      <p:cBhvr>
+                                        <p:cTn id="24" dur="26">
+                                          <p:stCondLst>
+                                            <p:cond delay="1808"/>
+                                          </p:stCondLst>
+                                        </p:cTn>
+                                        <p:tgtEl>
+                                          <p:spTgt spid="5"/>
+                                        </p:tgtEl>
+                                      </p:cBhvr>
+                                      <p:to x="100000" y="95000"/>
+                                    </p:animScale>
+                                    <p:animScale>
+                                      <p:cBhvr>
+                                        <p:cTn id="25" dur="166" decel="50000">
+                                          <p:stCondLst>
+                                            <p:cond delay="1834"/>
+                                          </p:stCondLst>
+                                        </p:cTn>
+                                        <p:tgtEl>
+                                          <p:spTgt spid="5"/>
+                                        </p:tgtEl>
+                                      </p:cBhvr>
+                                      <p:to x="100000" y="100000"/>
+                                    </p:animScale>
+                                  </p:childTnLst>
+                                </p:cTn>
+                              </p:par>
+                            </p:childTnLst>
+                          </p:cTn>
+                        </p:par>
+                      </p:childTnLst>
+                    </p:cTn>
+                  </p:par>
+                </p:childTnLst>
+              </p:cTn>
+              <p:prevCondLst>
+                <p:cond evt="onPrev" delay="0">
+                  <p:tgtEl>
+                    <p:sldTgt/>
+                  </p:tgtEl>
+                </p:cond>
+              </p:prevCondLst>
+              <p:nextCondLst>
+                <p:cond evt="onNext" delay="0">
+                  <p:tgtEl>
+                    <p:sldTgt/>
+                  </p:tgtEl>
+                </p:cond>
+              </p:nextCondLst>
+            </p:seq>
+          </p:childTnLst>
+        </p:cTn>
+      </p:par>
+    </p:tnLst>
+    <p:bldLst>
+      <p:bldP spid="5" grpId="0"/>
+    </p:bldLst>
+  </p:timing>
+</p:sld>
+</file>
+
+<file path=ppt/slides/slide16.xml><?xml version="1.0" encoding="utf-8"?>
+<p:sld xmlns:a="http://schemas.openxmlformats.org/drawingml/2006/main" xmlns:r="http://schemas.openxmlformats.org/officeDocument/2006/relationships" xmlns:p="http://schemas.openxmlformats.org/presentationml/2006/main">
+  <p:cSld>
+    <p:spTree>
+      <p:nvGrpSpPr>
+        <p:cNvPr id="1" name=""/>
+        <p:cNvGrpSpPr/>
+        <p:nvPr/>
+      </p:nvGrpSpPr>
+      <p:grpSpPr>
+        <a:xfrm>
+          <a:off x="0" y="0"/>
+          <a:ext cx="0" cy="0"/>
+          <a:chOff x="0" y="0"/>
+          <a:chExt cx="0" cy="0"/>
+        </a:xfrm>
+      </p:grpSpPr>
+      <p:sp>
+        <p:nvSpPr>
+          <p:cNvPr id="17" name="矩形"/>
+          <p:cNvSpPr>
+            <a:spLocks/>
+          </p:cNvSpPr>
+          <p:nvPr/>
+        </p:nvSpPr>
+        <p:spPr>
+          <a:xfrm>
+            <a:off x="3133144" y="448620"/>
+            <a:ext cx="2877711" cy="553998"/>
+          </a:xfrm>
+          <a:prstGeom prst="rect">
+            <a:avLst/>
+          </a:prstGeom>
+          <a:noFill/>
+          <a:ln w="9525" cap="flat" cmpd="sng">
+            <a:noFill/>
+            <a:prstDash val="solid"/>
+            <a:miter/>
+          </a:ln>
+        </p:spPr>
+        <p:txBody>
+          <a:bodyPr vert="horz" wrap="none" lIns="91440" tIns="45720" rIns="91440" bIns="45720" anchor="t" anchorCtr="0">
+            <a:prstTxWarp prst="textNoShape">
+              <a:avLst/>
+            </a:prstTxWarp>
+            <a:spAutoFit/>
+          </a:bodyPr>
+          <a:lstStyle/>
+          <a:p>
+            <a:r>
+              <a:rPr lang="zh-CN" altLang="en-US" sz="3000" b="1" u="none" strike="noStrike" kern="0" cap="none" spc="0" baseline="0" dirty="0">
+                <a:solidFill>
+                  <a:srgbClr val="C9394A"/>
+                </a:solidFill>
+                <a:latin typeface="微软雅黑" charset="0"/>
+                <a:ea typeface="微软雅黑" charset="0"/>
+                <a:cs typeface="微软雅黑" charset="0"/>
+                <a:sym typeface="Calibri" pitchFamily="34" charset="0"/>
+              </a:rPr>
+              <a:t>分支的基本操作</a:t>
+            </a:r>
+            <a:endParaRPr lang="zh-CN" altLang="en-US" u="none" strike="noStrike" kern="1200" cap="none" spc="0" baseline="0" dirty="0">
+              <a:solidFill>
+                <a:schemeClr val="tx1"/>
+              </a:solidFill>
+              <a:latin typeface="Calibri" pitchFamily="34" charset="0"/>
+              <a:ea typeface="宋体" pitchFamily="2" charset="-122"/>
+              <a:cs typeface="微软雅黑" charset="0"/>
+            </a:endParaRPr>
+          </a:p>
+        </p:txBody>
+      </p:sp>
+      <p:sp>
+        <p:nvSpPr>
+          <p:cNvPr id="2" name="文本框 1">
+            <a:extLst>
+              <a:ext uri="{FF2B5EF4-FFF2-40B4-BE49-F238E27FC236}">
+                <a16:creationId xmlns:a16="http://schemas.microsoft.com/office/drawing/2014/main" id="{C1825102-5C26-4825-8D22-274924FDD70B}"/>
+              </a:ext>
+            </a:extLst>
+          </p:cNvPr>
+          <p:cNvSpPr txBox="1"/>
+          <p:nvPr/>
+        </p:nvSpPr>
+        <p:spPr>
+          <a:xfrm>
+            <a:off x="1835696" y="1563638"/>
+            <a:ext cx="6258060" cy="2446824"/>
+          </a:xfrm>
+          <a:prstGeom prst="rect">
+            <a:avLst/>
+          </a:prstGeom>
+          <a:noFill/>
+        </p:spPr>
+        <p:txBody>
+          <a:bodyPr wrap="none" rtlCol="0">
+            <a:spAutoFit/>
+          </a:bodyPr>
+          <a:lstStyle/>
+          <a:p>
+            <a:pPr marL="285750" indent="-285750">
+              <a:lnSpc>
+                <a:spcPct val="150000"/>
+              </a:lnSpc>
+              <a:buFont typeface="Arial" panose="020B0604020202020204" pitchFamily="34" charset="0"/>
+              <a:buChar char="•"/>
+            </a:pPr>
+            <a:r>
+              <a:rPr lang="zh-CN" altLang="zh-CN" dirty="0">
+                <a:latin typeface="微软雅黑" panose="020B0503020204020204" pitchFamily="34" charset="-122"/>
+                <a:ea typeface="微软雅黑" panose="020B0503020204020204" pitchFamily="34" charset="-122"/>
+              </a:rPr>
+              <a:t>创建分支 （</a:t>
+            </a:r>
+            <a:r>
+              <a:rPr lang="en-US" altLang="zh-CN" dirty="0">
+                <a:latin typeface="微软雅黑" panose="020B0503020204020204" pitchFamily="34" charset="-122"/>
+                <a:ea typeface="微软雅黑" panose="020B0503020204020204" pitchFamily="34" charset="-122"/>
+              </a:rPr>
+              <a:t>git branch </a:t>
+            </a:r>
+            <a:r>
+              <a:rPr lang="zh-CN" altLang="zh-CN" dirty="0">
+                <a:latin typeface="微软雅黑" panose="020B0503020204020204" pitchFamily="34" charset="-122"/>
+                <a:ea typeface="微软雅黑" panose="020B0503020204020204" pitchFamily="34" charset="-122"/>
+              </a:rPr>
+              <a:t>分支名）</a:t>
+            </a:r>
+            <a:endParaRPr lang="en-US" altLang="zh-CN" dirty="0">
+              <a:latin typeface="微软雅黑" panose="020B0503020204020204" pitchFamily="34" charset="-122"/>
+              <a:ea typeface="微软雅黑" panose="020B0503020204020204" pitchFamily="34" charset="-122"/>
+            </a:endParaRPr>
+          </a:p>
+          <a:p>
+            <a:pPr marL="285750" lvl="0" indent="-285750">
+              <a:lnSpc>
+                <a:spcPct val="150000"/>
+              </a:lnSpc>
+              <a:buFont typeface="Arial" panose="020B0604020202020204" pitchFamily="34" charset="0"/>
+              <a:buChar char="•"/>
+            </a:pPr>
+            <a:r>
+              <a:rPr lang="zh-CN" altLang="zh-CN" dirty="0">
+                <a:latin typeface="微软雅黑" panose="020B0503020204020204" pitchFamily="34" charset="-122"/>
+                <a:ea typeface="微软雅黑" panose="020B0503020204020204" pitchFamily="34" charset="-122"/>
+              </a:rPr>
+              <a:t>查看当前分支 （</a:t>
+            </a:r>
+            <a:r>
+              <a:rPr lang="en-US" altLang="zh-CN" dirty="0">
+                <a:latin typeface="微软雅黑" panose="020B0503020204020204" pitchFamily="34" charset="-122"/>
+                <a:ea typeface="微软雅黑" panose="020B0503020204020204" pitchFamily="34" charset="-122"/>
+              </a:rPr>
+              <a:t>git branch</a:t>
+            </a:r>
+            <a:r>
+              <a:rPr lang="zh-CN" altLang="zh-CN" dirty="0">
+                <a:latin typeface="微软雅黑" panose="020B0503020204020204" pitchFamily="34" charset="-122"/>
+                <a:ea typeface="微软雅黑" panose="020B0503020204020204" pitchFamily="34" charset="-122"/>
+              </a:rPr>
+              <a:t>）</a:t>
+            </a:r>
+          </a:p>
+          <a:p>
+            <a:pPr marL="285750" lvl="0" indent="-285750">
+              <a:lnSpc>
+                <a:spcPct val="150000"/>
+              </a:lnSpc>
+              <a:buFont typeface="Arial" panose="020B0604020202020204" pitchFamily="34" charset="0"/>
+              <a:buChar char="•"/>
+            </a:pPr>
+            <a:r>
+              <a:rPr lang="zh-CN" altLang="zh-CN" dirty="0">
+                <a:latin typeface="微软雅黑" panose="020B0503020204020204" pitchFamily="34" charset="-122"/>
+                <a:ea typeface="微软雅黑" panose="020B0503020204020204" pitchFamily="34" charset="-122"/>
+              </a:rPr>
+              <a:t>切换分支（</a:t>
+            </a:r>
+            <a:r>
+              <a:rPr lang="en-US" altLang="zh-CN" dirty="0">
+                <a:latin typeface="微软雅黑" panose="020B0503020204020204" pitchFamily="34" charset="-122"/>
+                <a:ea typeface="微软雅黑" panose="020B0503020204020204" pitchFamily="34" charset="-122"/>
+              </a:rPr>
+              <a:t>git checkout </a:t>
+            </a:r>
+            <a:r>
+              <a:rPr lang="zh-CN" altLang="zh-CN" dirty="0">
+                <a:latin typeface="微软雅黑" panose="020B0503020204020204" pitchFamily="34" charset="-122"/>
+                <a:ea typeface="微软雅黑" panose="020B0503020204020204" pitchFamily="34" charset="-122"/>
+              </a:rPr>
+              <a:t>分支名）</a:t>
+            </a:r>
+          </a:p>
+          <a:p>
+            <a:pPr marL="285750" lvl="0" indent="-285750">
+              <a:lnSpc>
+                <a:spcPct val="150000"/>
+              </a:lnSpc>
+              <a:buFont typeface="Arial" panose="020B0604020202020204" pitchFamily="34" charset="0"/>
+              <a:buChar char="•"/>
+            </a:pPr>
+            <a:r>
+              <a:rPr lang="zh-CN" altLang="zh-CN" dirty="0">
+                <a:latin typeface="微软雅黑" panose="020B0503020204020204" pitchFamily="34" charset="-122"/>
+                <a:ea typeface="微软雅黑" panose="020B0503020204020204" pitchFamily="34" charset="-122"/>
+              </a:rPr>
+              <a:t>分支的合并 （</a:t>
+            </a:r>
+            <a:r>
+              <a:rPr lang="en-US" altLang="zh-CN" dirty="0">
+                <a:latin typeface="微软雅黑" panose="020B0503020204020204" pitchFamily="34" charset="-122"/>
+                <a:ea typeface="微软雅黑" panose="020B0503020204020204" pitchFamily="34" charset="-122"/>
+              </a:rPr>
+              <a:t>git branch master + git merge </a:t>
+            </a:r>
+            <a:r>
+              <a:rPr lang="zh-CN" altLang="zh-CN" dirty="0">
+                <a:latin typeface="微软雅黑" panose="020B0503020204020204" pitchFamily="34" charset="-122"/>
+                <a:ea typeface="微软雅黑" panose="020B0503020204020204" pitchFamily="34" charset="-122"/>
+              </a:rPr>
+              <a:t>分支名）</a:t>
+            </a:r>
+          </a:p>
+          <a:p>
+            <a:pPr marL="285750" lvl="0" indent="-285750">
+              <a:lnSpc>
+                <a:spcPct val="150000"/>
+              </a:lnSpc>
+              <a:buFont typeface="Arial" panose="020B0604020202020204" pitchFamily="34" charset="0"/>
+              <a:buChar char="•"/>
+            </a:pPr>
+            <a:r>
+              <a:rPr lang="zh-CN" altLang="zh-CN" dirty="0">
+                <a:latin typeface="微软雅黑" panose="020B0503020204020204" pitchFamily="34" charset="-122"/>
+                <a:ea typeface="微软雅黑" panose="020B0503020204020204" pitchFamily="34" charset="-122"/>
+              </a:rPr>
+              <a:t>分支的删除（</a:t>
+            </a:r>
+            <a:r>
+              <a:rPr lang="en-US" altLang="zh-CN" dirty="0">
+                <a:latin typeface="微软雅黑" panose="020B0503020204020204" pitchFamily="34" charset="-122"/>
+                <a:ea typeface="微软雅黑" panose="020B0503020204020204" pitchFamily="34" charset="-122"/>
+              </a:rPr>
+              <a:t>git branch -d </a:t>
+            </a:r>
+            <a:r>
+              <a:rPr lang="zh-CN" altLang="zh-CN" dirty="0">
+                <a:latin typeface="微软雅黑" panose="020B0503020204020204" pitchFamily="34" charset="-122"/>
+                <a:ea typeface="微软雅黑" panose="020B0503020204020204" pitchFamily="34" charset="-122"/>
+              </a:rPr>
+              <a:t>分支名）</a:t>
+            </a:r>
+          </a:p>
+          <a:p>
+            <a:pPr marL="285750" indent="-285750">
+              <a:buFont typeface="Arial" panose="020B0604020202020204" pitchFamily="34" charset="0"/>
+              <a:buChar char="•"/>
+            </a:pPr>
+            <a:endParaRPr lang="zh-CN" altLang="en-US" dirty="0"/>
+          </a:p>
+        </p:txBody>
+      </p:sp>
+    </p:spTree>
+    <p:extLst>
+      <p:ext uri="{BB962C8B-B14F-4D97-AF65-F5344CB8AC3E}">
+        <p14:creationId xmlns:p14="http://schemas.microsoft.com/office/powerpoint/2010/main" val="2767580697"/>
+      </p:ext>
+    </p:extLst>
+  </p:cSld>
+  <p:clrMapOvr>
+    <a:masterClrMapping/>
+  </p:clrMapOvr>
+</p:sld>
+</file>
+
+<file path=ppt/slides/slide17.xml><?xml version="1.0" encoding="utf-8"?>
 <p:sld xmlns:a="http://schemas.openxmlformats.org/drawingml/2006/main" xmlns:r="http://schemas.openxmlformats.org/officeDocument/2006/relationships" xmlns:p="http://schemas.openxmlformats.org/presentationml/2006/main">
   <p:cSld>
     <p:spTree>
@@ -9202,131 +11018,6 @@
         <p14:creationId xmlns:p14="http://schemas.microsoft.com/office/powerpoint/2010/main" val="861469350"/>
       </p:ext>
     </p:extLst>
-  </p:cSld>
-  <p:clrMapOvr>
-    <a:masterClrMapping/>
-  </p:clrMapOvr>
-</p:sld>
-</file>
-
-<file path=ppt/slides/slide14.xml><?xml version="1.0" encoding="utf-8"?>
-<p:sld xmlns:a="http://schemas.openxmlformats.org/drawingml/2006/main" xmlns:r="http://schemas.openxmlformats.org/officeDocument/2006/relationships" xmlns:p="http://schemas.openxmlformats.org/presentationml/2006/main">
-  <p:cSld>
-    <p:spTree>
-      <p:nvGrpSpPr>
-        <p:cNvPr id="1" name=""/>
-        <p:cNvGrpSpPr/>
-        <p:nvPr/>
-      </p:nvGrpSpPr>
-      <p:grpSpPr>
-        <a:xfrm>
-          <a:off x="0" y="0"/>
-          <a:ext cx="0" cy="0"/>
-          <a:chOff x="0" y="0"/>
-          <a:chExt cx="0" cy="0"/>
-        </a:xfrm>
-      </p:grpSpPr>
-      <p:pic>
-        <p:nvPicPr>
-          <p:cNvPr id="2" name="图片 1" descr="课件PPT-颜色编号.jpg"/>
-          <p:cNvPicPr>
-            <a:picLocks noChangeAspect="1"/>
-          </p:cNvPicPr>
-          <p:nvPr/>
-        </p:nvPicPr>
-        <p:blipFill>
-          <a:blip r:embed="rId2"/>
-          <a:stretch>
-            <a:fillRect/>
-          </a:stretch>
-        </p:blipFill>
-        <p:spPr>
-          <a:xfrm>
-            <a:off x="1714480" y="785800"/>
-            <a:ext cx="5572164" cy="3714776"/>
-          </a:xfrm>
-          <a:prstGeom prst="rect">
-            <a:avLst/>
-          </a:prstGeom>
-        </p:spPr>
-      </p:pic>
-      <p:sp>
-        <p:nvSpPr>
-          <p:cNvPr id="4" name="矩形"/>
-          <p:cNvSpPr>
-            <a:spLocks/>
-          </p:cNvSpPr>
-          <p:nvPr/>
-        </p:nvSpPr>
-        <p:spPr>
-          <a:xfrm>
-            <a:off x="3500430" y="428610"/>
-            <a:ext cx="2339102" cy="523220"/>
-          </a:xfrm>
-          <a:prstGeom prst="rect">
-            <a:avLst/>
-          </a:prstGeom>
-          <a:noFill/>
-          <a:ln w="9525" cap="flat" cmpd="sng">
-            <a:noFill/>
-            <a:prstDash val="solid"/>
-            <a:miter/>
-          </a:ln>
-        </p:spPr>
-        <p:txBody>
-          <a:bodyPr vert="horz" wrap="none" lIns="91440" tIns="45720" rIns="91440" bIns="45720" anchor="t" anchorCtr="0">
-            <a:prstTxWarp prst="textNoShape">
-              <a:avLst/>
-            </a:prstTxWarp>
-            <a:spAutoFit/>
-          </a:bodyPr>
-          <a:lstStyle/>
-          <a:p>
-            <a:pPr marL="0" indent="0" algn="ctr">
-              <a:lnSpc>
-                <a:spcPct val="100000"/>
-              </a:lnSpc>
-              <a:spcBef>
-                <a:spcPts val="0"/>
-              </a:spcBef>
-              <a:spcAft>
-                <a:spcPts val="0"/>
-              </a:spcAft>
-              <a:buNone/>
-            </a:pPr>
-            <a:r>
-              <a:rPr lang="zh-CN" altLang="en-US" sz="2800" b="1" u="none" strike="noStrike" kern="100" cap="none" spc="0" baseline="0" dirty="0">
-                <a:solidFill>
-                  <a:srgbClr val="C9394A"/>
-                </a:solidFill>
-                <a:latin typeface="微软雅黑" charset="0"/>
-                <a:ea typeface="微软雅黑" charset="0"/>
-                <a:cs typeface="Times New Roman" charset="0"/>
-              </a:rPr>
-              <a:t>文字</a:t>
-            </a:r>
-            <a:r>
-              <a:rPr lang="zh-CN" altLang="en-US" sz="2800" b="1" kern="100" dirty="0">
-                <a:solidFill>
-                  <a:srgbClr val="C9394A"/>
-                </a:solidFill>
-                <a:latin typeface="微软雅黑" charset="0"/>
-                <a:ea typeface="微软雅黑" charset="0"/>
-              </a:rPr>
-              <a:t>颜色编号</a:t>
-            </a:r>
-            <a:endParaRPr lang="zh-CN" altLang="en-US" sz="2800" u="none" strike="noStrike" kern="1200" cap="none" spc="0" baseline="0" dirty="0">
-              <a:solidFill>
-                <a:schemeClr val="tx1"/>
-              </a:solidFill>
-              <a:latin typeface="Calibri" pitchFamily="34" charset="0"/>
-              <a:ea typeface="宋体" pitchFamily="2" charset="-122"/>
-              <a:cs typeface="微软雅黑" charset="0"/>
-            </a:endParaRPr>
-          </a:p>
-        </p:txBody>
-      </p:sp>
-    </p:spTree>
   </p:cSld>
   <p:clrMapOvr>
     <a:masterClrMapping/>

--- a/github.pptx
+++ b/github.pptx
@@ -352,7 +352,7 @@
                 <a:cs typeface="Calibri" pitchFamily="34" charset="0"/>
               </a:rPr>
               <a:pPr algn="r"/>
-              <a:t>2018/12/20</a:t>
+              <a:t>2018/12/21</a:t>
             </a:fld>
             <a:endParaRPr lang="zh-CN" altLang="en-US" sz="1200">
               <a:latin typeface="Calibri" pitchFamily="34" charset="0"/>
@@ -2727,7 +2727,7 @@
             <a:fld id="{72514870-5082-4025-BC8A-5E070B8EB77D}" type="datetimeFigureOut">
               <a:rPr lang="zh-CN" altLang="en-US" smtClean="0"/>
               <a:pPr/>
-              <a:t>2018/12/20</a:t>
+              <a:t>2018/12/21</a:t>
             </a:fld>
             <a:endParaRPr lang="zh-CN" altLang="en-US"/>
           </a:p>
@@ -2897,7 +2897,7 @@
             <a:fld id="{72514870-5082-4025-BC8A-5E070B8EB77D}" type="datetimeFigureOut">
               <a:rPr lang="zh-CN" altLang="en-US" smtClean="0"/>
               <a:pPr/>
-              <a:t>2018/12/20</a:t>
+              <a:t>2018/12/21</a:t>
             </a:fld>
             <a:endParaRPr lang="zh-CN" altLang="en-US"/>
           </a:p>
@@ -3077,7 +3077,7 @@
             <a:fld id="{72514870-5082-4025-BC8A-5E070B8EB77D}" type="datetimeFigureOut">
               <a:rPr lang="zh-CN" altLang="en-US" smtClean="0"/>
               <a:pPr/>
-              <a:t>2018/12/20</a:t>
+              <a:t>2018/12/21</a:t>
             </a:fld>
             <a:endParaRPr lang="zh-CN" altLang="en-US"/>
           </a:p>
@@ -3265,7 +3265,7 @@
             <a:fld id="{72514870-5082-4025-BC8A-5E070B8EB77D}" type="datetimeFigureOut">
               <a:rPr lang="zh-CN" altLang="en-US" smtClean="0"/>
               <a:pPr/>
-              <a:t>2018/12/20</a:t>
+              <a:t>2018/12/21</a:t>
             </a:fld>
             <a:endParaRPr lang="zh-CN" altLang="en-US"/>
           </a:p>
@@ -3435,7 +3435,7 @@
             <a:fld id="{72514870-5082-4025-BC8A-5E070B8EB77D}" type="datetimeFigureOut">
               <a:rPr lang="zh-CN" altLang="en-US" smtClean="0"/>
               <a:pPr/>
-              <a:t>2018/12/20</a:t>
+              <a:t>2018/12/21</a:t>
             </a:fld>
             <a:endParaRPr lang="zh-CN" altLang="en-US"/>
           </a:p>
@@ -3628,7 +3628,7 @@
             <a:fld id="{72514870-5082-4025-BC8A-5E070B8EB77D}" type="datetimeFigureOut">
               <a:rPr lang="zh-CN" altLang="en-US" smtClean="0"/>
               <a:pPr/>
-              <a:t>2018/12/20</a:t>
+              <a:t>2018/12/21</a:t>
             </a:fld>
             <a:endParaRPr lang="zh-CN" altLang="en-US"/>
           </a:p>
@@ -3915,7 +3915,7 @@
             <a:fld id="{72514870-5082-4025-BC8A-5E070B8EB77D}" type="datetimeFigureOut">
               <a:rPr lang="zh-CN" altLang="en-US" smtClean="0"/>
               <a:pPr/>
-              <a:t>2018/12/20</a:t>
+              <a:t>2018/12/21</a:t>
             </a:fld>
             <a:endParaRPr lang="zh-CN" altLang="en-US"/>
           </a:p>
@@ -4336,7 +4336,7 @@
             <a:fld id="{72514870-5082-4025-BC8A-5E070B8EB77D}" type="datetimeFigureOut">
               <a:rPr lang="zh-CN" altLang="en-US" smtClean="0"/>
               <a:pPr/>
-              <a:t>2018/12/20</a:t>
+              <a:t>2018/12/21</a:t>
             </a:fld>
             <a:endParaRPr lang="zh-CN" altLang="en-US"/>
           </a:p>
@@ -4455,7 +4455,7 @@
             <a:fld id="{72514870-5082-4025-BC8A-5E070B8EB77D}" type="datetimeFigureOut">
               <a:rPr lang="zh-CN" altLang="en-US" smtClean="0"/>
               <a:pPr/>
-              <a:t>2018/12/20</a:t>
+              <a:t>2018/12/21</a:t>
             </a:fld>
             <a:endParaRPr lang="zh-CN" altLang="en-US"/>
           </a:p>
@@ -4552,7 +4552,7 @@
             <a:fld id="{72514870-5082-4025-BC8A-5E070B8EB77D}" type="datetimeFigureOut">
               <a:rPr lang="zh-CN" altLang="en-US" smtClean="0"/>
               <a:pPr/>
-              <a:t>2018/12/20</a:t>
+              <a:t>2018/12/21</a:t>
             </a:fld>
             <a:endParaRPr lang="zh-CN" altLang="en-US"/>
           </a:p>
@@ -4865,7 +4865,7 @@
             <a:fld id="{72514870-5082-4025-BC8A-5E070B8EB77D}" type="datetimeFigureOut">
               <a:rPr lang="zh-CN" altLang="en-US" smtClean="0"/>
               <a:pPr/>
-              <a:t>2018/12/20</a:t>
+              <a:t>2018/12/21</a:t>
             </a:fld>
             <a:endParaRPr lang="zh-CN" altLang="en-US"/>
           </a:p>
@@ -5035,7 +5035,7 @@
             <a:fld id="{72514870-5082-4025-BC8A-5E070B8EB77D}" type="datetimeFigureOut">
               <a:rPr lang="zh-CN" altLang="en-US" smtClean="0"/>
               <a:pPr/>
-              <a:t>2018/12/20</a:t>
+              <a:t>2018/12/21</a:t>
             </a:fld>
             <a:endParaRPr lang="zh-CN" altLang="en-US"/>
           </a:p>
@@ -5289,7 +5289,7 @@
             <a:fld id="{72514870-5082-4025-BC8A-5E070B8EB77D}" type="datetimeFigureOut">
               <a:rPr lang="zh-CN" altLang="en-US" smtClean="0"/>
               <a:pPr/>
-              <a:t>2018/12/20</a:t>
+              <a:t>2018/12/21</a:t>
             </a:fld>
             <a:endParaRPr lang="zh-CN" altLang="en-US"/>
           </a:p>
@@ -5459,7 +5459,7 @@
             <a:fld id="{72514870-5082-4025-BC8A-5E070B8EB77D}" type="datetimeFigureOut">
               <a:rPr lang="zh-CN" altLang="en-US" smtClean="0"/>
               <a:pPr/>
-              <a:t>2018/12/20</a:t>
+              <a:t>2018/12/21</a:t>
             </a:fld>
             <a:endParaRPr lang="zh-CN" altLang="en-US"/>
           </a:p>
@@ -5639,7 +5639,7 @@
             <a:fld id="{72514870-5082-4025-BC8A-5E070B8EB77D}" type="datetimeFigureOut">
               <a:rPr lang="zh-CN" altLang="en-US" smtClean="0"/>
               <a:pPr/>
-              <a:t>2018/12/20</a:t>
+              <a:t>2018/12/21</a:t>
             </a:fld>
             <a:endParaRPr lang="zh-CN" altLang="en-US"/>
           </a:p>
@@ -5832,7 +5832,7 @@
             <a:fld id="{72514870-5082-4025-BC8A-5E070B8EB77D}" type="datetimeFigureOut">
               <a:rPr lang="zh-CN" altLang="en-US" smtClean="0"/>
               <a:pPr/>
-              <a:t>2018/12/20</a:t>
+              <a:t>2018/12/21</a:t>
             </a:fld>
             <a:endParaRPr lang="zh-CN" altLang="en-US"/>
           </a:p>
@@ -6119,7 +6119,7 @@
             <a:fld id="{72514870-5082-4025-BC8A-5E070B8EB77D}" type="datetimeFigureOut">
               <a:rPr lang="zh-CN" altLang="en-US" smtClean="0"/>
               <a:pPr/>
-              <a:t>2018/12/20</a:t>
+              <a:t>2018/12/21</a:t>
             </a:fld>
             <a:endParaRPr lang="zh-CN" altLang="en-US"/>
           </a:p>
@@ -6540,7 +6540,7 @@
             <a:fld id="{72514870-5082-4025-BC8A-5E070B8EB77D}" type="datetimeFigureOut">
               <a:rPr lang="zh-CN" altLang="en-US" smtClean="0"/>
               <a:pPr/>
-              <a:t>2018/12/20</a:t>
+              <a:t>2018/12/21</a:t>
             </a:fld>
             <a:endParaRPr lang="zh-CN" altLang="en-US"/>
           </a:p>
@@ -6659,7 +6659,7 @@
             <a:fld id="{72514870-5082-4025-BC8A-5E070B8EB77D}" type="datetimeFigureOut">
               <a:rPr lang="zh-CN" altLang="en-US" smtClean="0"/>
               <a:pPr/>
-              <a:t>2018/12/20</a:t>
+              <a:t>2018/12/21</a:t>
             </a:fld>
             <a:endParaRPr lang="zh-CN" altLang="en-US"/>
           </a:p>
@@ -6756,7 +6756,7 @@
             <a:fld id="{72514870-5082-4025-BC8A-5E070B8EB77D}" type="datetimeFigureOut">
               <a:rPr lang="zh-CN" altLang="en-US" smtClean="0"/>
               <a:pPr/>
-              <a:t>2018/12/20</a:t>
+              <a:t>2018/12/21</a:t>
             </a:fld>
             <a:endParaRPr lang="zh-CN" altLang="en-US"/>
           </a:p>
@@ -7033,7 +7033,7 @@
             <a:fld id="{72514870-5082-4025-BC8A-5E070B8EB77D}" type="datetimeFigureOut">
               <a:rPr lang="zh-CN" altLang="en-US" smtClean="0"/>
               <a:pPr/>
-              <a:t>2018/12/20</a:t>
+              <a:t>2018/12/21</a:t>
             </a:fld>
             <a:endParaRPr lang="zh-CN" altLang="en-US"/>
           </a:p>
@@ -7287,7 +7287,7 @@
             <a:fld id="{72514870-5082-4025-BC8A-5E070B8EB77D}" type="datetimeFigureOut">
               <a:rPr lang="zh-CN" altLang="en-US" smtClean="0"/>
               <a:pPr/>
-              <a:t>2018/12/20</a:t>
+              <a:t>2018/12/21</a:t>
             </a:fld>
             <a:endParaRPr lang="zh-CN" altLang="en-US"/>
           </a:p>
@@ -8674,7 +8674,7 @@
         </p:nvSpPr>
         <p:spPr>
           <a:xfrm>
-            <a:off x="395536" y="1127235"/>
+            <a:off x="395536" y="1309866"/>
             <a:ext cx="8565279" cy="2523768"/>
           </a:xfrm>
           <a:prstGeom prst="rect">
@@ -9106,7 +9106,7 @@
           <a:graphicData uri="http://schemas.openxmlformats.org/presentationml/2006/ole">
             <mc:AlternateContent xmlns:mc="http://schemas.openxmlformats.org/markup-compatibility/2006">
               <mc:Choice xmlns:v="urn:schemas-microsoft-com:vml" Requires="v">
-                <p:oleObj spid="_x0000_s1033" r:id="rId4" imgW="5590440" imgH="4561560" progId="">
+                <p:oleObj spid="_x0000_s1041" r:id="rId4" imgW="5590440" imgH="4561560" progId="">
                   <p:embed/>
                 </p:oleObj>
               </mc:Choice>
@@ -10053,7 +10053,7 @@
         </p:blipFill>
         <p:spPr>
           <a:xfrm>
-            <a:off x="1481686" y="1707654"/>
+            <a:off x="1336365" y="1712631"/>
             <a:ext cx="6180627" cy="2664296"/>
           </a:xfrm>
           <a:prstGeom prst="rect">
@@ -10634,8 +10634,8 @@
         </p:nvSpPr>
         <p:spPr>
           <a:xfrm>
-            <a:off x="1835696" y="1563638"/>
-            <a:ext cx="6258060" cy="2446824"/>
+            <a:off x="2699792" y="1635646"/>
+            <a:ext cx="4294765" cy="2446824"/>
           </a:xfrm>
           <a:prstGeom prst="rect">
             <a:avLst/>
@@ -10761,7 +10761,7 @@
                 <a:latin typeface="微软雅黑" panose="020B0503020204020204" pitchFamily="34" charset="-122"/>
                 <a:ea typeface="微软雅黑" panose="020B0503020204020204" pitchFamily="34" charset="-122"/>
               </a:rPr>
-              <a:t>git branch master + git merge </a:t>
+              <a:t>git merge </a:t>
             </a:r>
             <a:r>
               <a:rPr lang="zh-CN" altLang="zh-CN" dirty="0">
@@ -10940,7 +10940,7 @@
         <p:spPr>
           <a:xfrm>
             <a:off x="971600" y="1275606"/>
-            <a:ext cx="1513556" cy="369332"/>
+            <a:ext cx="1529586" cy="369332"/>
           </a:xfrm>
           <a:prstGeom prst="rect">
             <a:avLst/>
@@ -10954,11 +10954,17 @@
           <a:lstStyle/>
           <a:p>
             <a:r>
-              <a:rPr lang="en-US" altLang="zh-CN" dirty="0"/>
+              <a:rPr lang="en-US" altLang="zh-CN" dirty="0">
+                <a:latin typeface="微软雅黑" panose="020B0503020204020204" pitchFamily="34" charset="-122"/>
+                <a:ea typeface="微软雅黑" panose="020B0503020204020204" pitchFamily="34" charset="-122"/>
+              </a:rPr>
               <a:t>1.</a:t>
             </a:r>
             <a:r>
-              <a:rPr lang="zh-CN" altLang="en-US" dirty="0"/>
+              <a:rPr lang="zh-CN" altLang="en-US" dirty="0">
+                <a:latin typeface="微软雅黑" panose="020B0503020204020204" pitchFamily="34" charset="-122"/>
+                <a:ea typeface="微软雅黑" panose="020B0503020204020204" pitchFamily="34" charset="-122"/>
+              </a:rPr>
               <a:t>冲突的代码</a:t>
             </a:r>
           </a:p>
@@ -10979,7 +10985,7 @@
         <p:spPr>
           <a:xfrm>
             <a:off x="983380" y="3579862"/>
-            <a:ext cx="4587794" cy="369332"/>
+            <a:ext cx="4799712" cy="369332"/>
           </a:xfrm>
           <a:prstGeom prst="rect">
             <a:avLst/>
@@ -10993,22 +10999,52 @@
           <a:lstStyle/>
           <a:p>
             <a:r>
-              <a:rPr lang="zh-CN" altLang="en-US" dirty="0"/>
+              <a:rPr lang="zh-CN" altLang="en-US" dirty="0">
+                <a:solidFill>
+                  <a:srgbClr val="C9394A"/>
+                </a:solidFill>
+                <a:latin typeface="微软雅黑" panose="020B0503020204020204" pitchFamily="34" charset="-122"/>
+                <a:ea typeface="微软雅黑" panose="020B0503020204020204" pitchFamily="34" charset="-122"/>
+              </a:rPr>
               <a:t>手动解决冲突文件，再次</a:t>
             </a:r>
             <a:r>
-              <a:rPr lang="en-US" altLang="zh-CN" dirty="0"/>
+              <a:rPr lang="en-US" altLang="zh-CN" dirty="0">
+                <a:solidFill>
+                  <a:srgbClr val="C9394A"/>
+                </a:solidFill>
+                <a:latin typeface="微软雅黑" panose="020B0503020204020204" pitchFamily="34" charset="-122"/>
+                <a:ea typeface="微软雅黑" panose="020B0503020204020204" pitchFamily="34" charset="-122"/>
+              </a:rPr>
               <a:t>commit</a:t>
             </a:r>
             <a:r>
-              <a:rPr lang="zh-CN" altLang="en-US" dirty="0"/>
+              <a:rPr lang="zh-CN" altLang="en-US" dirty="0">
+                <a:solidFill>
+                  <a:srgbClr val="C9394A"/>
+                </a:solidFill>
+                <a:latin typeface="微软雅黑" panose="020B0503020204020204" pitchFamily="34" charset="-122"/>
+                <a:ea typeface="微软雅黑" panose="020B0503020204020204" pitchFamily="34" charset="-122"/>
+              </a:rPr>
               <a:t>，然后</a:t>
             </a:r>
             <a:r>
-              <a:rPr lang="en-US" altLang="zh-CN" dirty="0"/>
+              <a:rPr lang="en-US" altLang="zh-CN" dirty="0">
+                <a:solidFill>
+                  <a:srgbClr val="C9394A"/>
+                </a:solidFill>
+                <a:latin typeface="微软雅黑" panose="020B0503020204020204" pitchFamily="34" charset="-122"/>
+                <a:ea typeface="微软雅黑" panose="020B0503020204020204" pitchFamily="34" charset="-122"/>
+              </a:rPr>
               <a:t>push</a:t>
             </a:r>
-            <a:endParaRPr lang="zh-CN" altLang="en-US" dirty="0"/>
+            <a:endParaRPr lang="zh-CN" altLang="en-US" dirty="0">
+              <a:solidFill>
+                <a:srgbClr val="C9394A"/>
+              </a:solidFill>
+              <a:latin typeface="微软雅黑" panose="020B0503020204020204" pitchFamily="34" charset="-122"/>
+              <a:ea typeface="微软雅黑" panose="020B0503020204020204" pitchFamily="34" charset="-122"/>
+            </a:endParaRPr>
           </a:p>
         </p:txBody>
       </p:sp>
@@ -12634,7 +12670,7 @@
         </p:nvSpPr>
         <p:spPr>
           <a:xfrm>
-            <a:off x="107504" y="1329315"/>
+            <a:off x="1022894" y="2371695"/>
             <a:ext cx="8565279" cy="400110"/>
           </a:xfrm>
           <a:prstGeom prst="rect">

--- a/github.pptx
+++ b/github.pptx
@@ -8674,7 +8674,7 @@
         </p:nvSpPr>
         <p:spPr>
           <a:xfrm>
-            <a:off x="395536" y="1309866"/>
+            <a:off x="395536" y="1635646"/>
             <a:ext cx="8565279" cy="2523768"/>
           </a:xfrm>
           <a:prstGeom prst="rect">
@@ -8780,7 +8780,7 @@
                 <a:latin typeface="微软雅黑" panose="020B0503020204020204" pitchFamily="34" charset="-122"/>
                 <a:ea typeface="微软雅黑" panose="020B0503020204020204" pitchFamily="34" charset="-122"/>
               </a:rPr>
-              <a:t>远程代码拉取到本地工作区</a:t>
+              <a:t>远程代码拉取到本地工作区 </a:t>
             </a:r>
             <a:endParaRPr lang="en-US" altLang="zh-CN" sz="2000" dirty="0">
               <a:solidFill>
@@ -9106,7 +9106,7 @@
           <a:graphicData uri="http://schemas.openxmlformats.org/presentationml/2006/ole">
             <mc:AlternateContent xmlns:mc="http://schemas.openxmlformats.org/markup-compatibility/2006">
               <mc:Choice xmlns:v="urn:schemas-microsoft-com:vml" Requires="v">
-                <p:oleObj spid="_x0000_s1041" r:id="rId4" imgW="5590440" imgH="4561560" progId="">
+                <p:oleObj spid="_x0000_s1043" r:id="rId4" imgW="5590440" imgH="4561560" progId="">
                   <p:embed/>
                 </p:oleObj>
               </mc:Choice>

--- a/github.pptx
+++ b/github.pptx
@@ -6,7 +6,7 @@
     <p:sldMasterId id="2147483671" r:id="rId2"/>
   </p:sldMasterIdLst>
   <p:notesMasterIdLst>
-    <p:notesMasterId r:id="rId20"/>
+    <p:notesMasterId r:id="rId22"/>
   </p:notesMasterIdLst>
   <p:sldIdLst>
     <p:sldId id="275" r:id="rId3"/>
@@ -22,10 +22,12 @@
     <p:sldId id="295" r:id="rId13"/>
     <p:sldId id="309" r:id="rId14"/>
     <p:sldId id="288" r:id="rId15"/>
-    <p:sldId id="307" r:id="rId16"/>
-    <p:sldId id="310" r:id="rId17"/>
+    <p:sldId id="310" r:id="rId16"/>
+    <p:sldId id="307" r:id="rId17"/>
     <p:sldId id="308" r:id="rId18"/>
     <p:sldId id="299" r:id="rId19"/>
+    <p:sldId id="311" r:id="rId20"/>
+    <p:sldId id="312" r:id="rId21"/>
   </p:sldIdLst>
   <p:sldSz cx="9144000" cy="5143500" type="screen16x9"/>
   <p:notesSz cx="6858000" cy="9144000"/>
@@ -352,7 +354,7 @@
                 <a:cs typeface="Calibri" pitchFamily="34" charset="0"/>
               </a:rPr>
               <a:pPr algn="r"/>
-              <a:t>2018/12/21</a:t>
+              <a:t>2018/12/26</a:t>
             </a:fld>
             <a:endParaRPr lang="zh-CN" altLang="en-US" sz="1200">
               <a:latin typeface="Calibri" pitchFamily="34" charset="0"/>
@@ -1326,7 +1328,7 @@
     </p:spTree>
     <p:extLst>
       <p:ext uri="{BB962C8B-B14F-4D97-AF65-F5344CB8AC3E}">
-        <p14:creationId xmlns:p14="http://schemas.microsoft.com/office/powerpoint/2010/main" val="637098908"/>
+        <p14:creationId xmlns:p14="http://schemas.microsoft.com/office/powerpoint/2010/main" val="1504933540"/>
       </p:ext>
     </p:extLst>
   </p:cSld>
@@ -1441,7 +1443,7 @@
     </p:spTree>
     <p:extLst>
       <p:ext uri="{BB962C8B-B14F-4D97-AF65-F5344CB8AC3E}">
-        <p14:creationId xmlns:p14="http://schemas.microsoft.com/office/powerpoint/2010/main" val="1504933540"/>
+        <p14:creationId xmlns:p14="http://schemas.microsoft.com/office/powerpoint/2010/main" val="637098908"/>
       </p:ext>
     </p:extLst>
   </p:cSld>
@@ -1672,6 +1674,236 @@
     <p:extLst>
       <p:ext uri="{BB962C8B-B14F-4D97-AF65-F5344CB8AC3E}">
         <p14:creationId xmlns:p14="http://schemas.microsoft.com/office/powerpoint/2010/main" val="2118616492"/>
+      </p:ext>
+    </p:extLst>
+  </p:cSld>
+  <p:clrMapOvr>
+    <a:masterClrMapping/>
+  </p:clrMapOvr>
+</p:notes>
+</file>
+
+<file path=ppt/notesSlides/notesSlide17.xml><?xml version="1.0" encoding="utf-8"?>
+<p:notes xmlns:a="http://schemas.openxmlformats.org/drawingml/2006/main" xmlns:r="http://schemas.openxmlformats.org/officeDocument/2006/relationships" xmlns:p="http://schemas.openxmlformats.org/presentationml/2006/main">
+  <p:cSld>
+    <p:spTree>
+      <p:nvGrpSpPr>
+        <p:cNvPr id="1" name=""/>
+        <p:cNvGrpSpPr/>
+        <p:nvPr/>
+      </p:nvGrpSpPr>
+      <p:grpSpPr>
+        <a:xfrm>
+          <a:off x="0" y="0"/>
+          <a:ext cx="0" cy="0"/>
+          <a:chOff x="0" y="0"/>
+          <a:chExt cx="0" cy="0"/>
+        </a:xfrm>
+      </p:grpSpPr>
+      <p:sp>
+        <p:nvSpPr>
+          <p:cNvPr id="2" name="文本框"/>
+          <p:cNvSpPr>
+            <a:spLocks noGrp="1" noRot="1" noChangeAspect="1"/>
+          </p:cNvSpPr>
+          <p:nvPr>
+            <p:ph type="sldImg"/>
+          </p:nvPr>
+        </p:nvSpPr>
+        <p:spPr/>
+      </p:sp>
+      <p:sp>
+        <p:nvSpPr>
+          <p:cNvPr id="3" name="文本框"/>
+          <p:cNvSpPr>
+            <a:spLocks noGrp="1"/>
+          </p:cNvSpPr>
+          <p:nvPr>
+            <p:ph type="body" idx="1"/>
+          </p:nvPr>
+        </p:nvSpPr>
+        <p:spPr/>
+        <p:txBody>
+          <a:bodyPr/>
+          <a:lstStyle/>
+          <a:p>
+            <a:endParaRPr lang="zh-CN" altLang="en-US"/>
+          </a:p>
+        </p:txBody>
+      </p:sp>
+      <p:sp>
+        <p:nvSpPr>
+          <p:cNvPr id="9" name="文本框"/>
+          <p:cNvSpPr>
+            <a:spLocks noGrp="1"/>
+          </p:cNvSpPr>
+          <p:nvPr>
+            <p:ph type="sldNum" idx="5"/>
+          </p:nvPr>
+        </p:nvSpPr>
+        <p:spPr>
+          <a:xfrm>
+            <a:off x="3884613" y="8685213"/>
+            <a:ext cx="2971800" cy="457200"/>
+          </a:xfrm>
+          <a:prstGeom prst="rect">
+            <a:avLst/>
+          </a:prstGeom>
+          <a:noFill/>
+          <a:ln w="9525" cap="flat" cmpd="sng">
+            <a:noFill/>
+            <a:prstDash val="solid"/>
+            <a:round/>
+          </a:ln>
+        </p:spPr>
+        <p:txBody>
+          <a:bodyPr vert="horz" wrap="square" lIns="91440" tIns="45720" rIns="91440" bIns="45720" anchor="b" anchorCtr="0">
+            <a:prstTxWarp prst="textNoShape">
+              <a:avLst/>
+            </a:prstTxWarp>
+          </a:bodyPr>
+          <a:lstStyle/>
+          <a:p>
+            <a:pPr algn="r"/>
+            <a:fld id="{CAD2D6BD-DE1B-4B5F-8B41-2702339687B9}" type="slidenum">
+              <a:rPr lang="en-US" altLang="zh-CN" sz="1800" u="none" strike="noStrike" kern="1200" cap="none" spc="0" baseline="0">
+                <a:solidFill>
+                  <a:schemeClr val="tx1"/>
+                </a:solidFill>
+                <a:latin typeface="Calibri" pitchFamily="34" charset="0"/>
+                <a:ea typeface="宋体" pitchFamily="2" charset="-122"/>
+                <a:cs typeface="Calibri" pitchFamily="34" charset="0"/>
+              </a:rPr>
+              <a:pPr algn="r"/>
+              <a:t>18</a:t>
+            </a:fld>
+            <a:endParaRPr lang="zh-CN" altLang="en-US" sz="1200">
+              <a:latin typeface="Calibri" pitchFamily="34" charset="0"/>
+              <a:ea typeface="宋体" pitchFamily="2" charset="-122"/>
+              <a:cs typeface="Calibri" pitchFamily="34" charset="0"/>
+            </a:endParaRPr>
+          </a:p>
+        </p:txBody>
+      </p:sp>
+    </p:spTree>
+    <p:extLst>
+      <p:ext uri="{BB962C8B-B14F-4D97-AF65-F5344CB8AC3E}">
+        <p14:creationId xmlns:p14="http://schemas.microsoft.com/office/powerpoint/2010/main" val="1856140979"/>
+      </p:ext>
+    </p:extLst>
+  </p:cSld>
+  <p:clrMapOvr>
+    <a:masterClrMapping/>
+  </p:clrMapOvr>
+</p:notes>
+</file>
+
+<file path=ppt/notesSlides/notesSlide18.xml><?xml version="1.0" encoding="utf-8"?>
+<p:notes xmlns:a="http://schemas.openxmlformats.org/drawingml/2006/main" xmlns:r="http://schemas.openxmlformats.org/officeDocument/2006/relationships" xmlns:p="http://schemas.openxmlformats.org/presentationml/2006/main">
+  <p:cSld>
+    <p:spTree>
+      <p:nvGrpSpPr>
+        <p:cNvPr id="1" name=""/>
+        <p:cNvGrpSpPr/>
+        <p:nvPr/>
+      </p:nvGrpSpPr>
+      <p:grpSpPr>
+        <a:xfrm>
+          <a:off x="0" y="0"/>
+          <a:ext cx="0" cy="0"/>
+          <a:chOff x="0" y="0"/>
+          <a:chExt cx="0" cy="0"/>
+        </a:xfrm>
+      </p:grpSpPr>
+      <p:sp>
+        <p:nvSpPr>
+          <p:cNvPr id="2" name="文本框"/>
+          <p:cNvSpPr>
+            <a:spLocks noGrp="1" noRot="1" noChangeAspect="1"/>
+          </p:cNvSpPr>
+          <p:nvPr>
+            <p:ph type="sldImg"/>
+          </p:nvPr>
+        </p:nvSpPr>
+        <p:spPr/>
+      </p:sp>
+      <p:sp>
+        <p:nvSpPr>
+          <p:cNvPr id="3" name="文本框"/>
+          <p:cNvSpPr>
+            <a:spLocks noGrp="1"/>
+          </p:cNvSpPr>
+          <p:nvPr>
+            <p:ph type="body" idx="1"/>
+          </p:nvPr>
+        </p:nvSpPr>
+        <p:spPr/>
+        <p:txBody>
+          <a:bodyPr/>
+          <a:lstStyle/>
+          <a:p>
+            <a:endParaRPr lang="zh-CN" altLang="en-US"/>
+          </a:p>
+        </p:txBody>
+      </p:sp>
+      <p:sp>
+        <p:nvSpPr>
+          <p:cNvPr id="9" name="文本框"/>
+          <p:cNvSpPr>
+            <a:spLocks noGrp="1"/>
+          </p:cNvSpPr>
+          <p:nvPr>
+            <p:ph type="sldNum" idx="5"/>
+          </p:nvPr>
+        </p:nvSpPr>
+        <p:spPr>
+          <a:xfrm>
+            <a:off x="3884613" y="8685213"/>
+            <a:ext cx="2971800" cy="457200"/>
+          </a:xfrm>
+          <a:prstGeom prst="rect">
+            <a:avLst/>
+          </a:prstGeom>
+          <a:noFill/>
+          <a:ln w="9525" cap="flat" cmpd="sng">
+            <a:noFill/>
+            <a:prstDash val="solid"/>
+            <a:round/>
+          </a:ln>
+        </p:spPr>
+        <p:txBody>
+          <a:bodyPr vert="horz" wrap="square" lIns="91440" tIns="45720" rIns="91440" bIns="45720" anchor="b" anchorCtr="0">
+            <a:prstTxWarp prst="textNoShape">
+              <a:avLst/>
+            </a:prstTxWarp>
+          </a:bodyPr>
+          <a:lstStyle/>
+          <a:p>
+            <a:pPr algn="r"/>
+            <a:fld id="{CAD2D6BD-DE1B-4B5F-8B41-2702339687B9}" type="slidenum">
+              <a:rPr lang="en-US" altLang="zh-CN" sz="1800" u="none" strike="noStrike" kern="1200" cap="none" spc="0" baseline="0">
+                <a:solidFill>
+                  <a:schemeClr val="tx1"/>
+                </a:solidFill>
+                <a:latin typeface="Calibri" pitchFamily="34" charset="0"/>
+                <a:ea typeface="宋体" pitchFamily="2" charset="-122"/>
+                <a:cs typeface="Calibri" pitchFamily="34" charset="0"/>
+              </a:rPr>
+              <a:pPr algn="r"/>
+              <a:t>19</a:t>
+            </a:fld>
+            <a:endParaRPr lang="zh-CN" altLang="en-US" sz="1200">
+              <a:latin typeface="Calibri" pitchFamily="34" charset="0"/>
+              <a:ea typeface="宋体" pitchFamily="2" charset="-122"/>
+              <a:cs typeface="Calibri" pitchFamily="34" charset="0"/>
+            </a:endParaRPr>
+          </a:p>
+        </p:txBody>
+      </p:sp>
+    </p:spTree>
+    <p:extLst>
+      <p:ext uri="{BB962C8B-B14F-4D97-AF65-F5344CB8AC3E}">
+        <p14:creationId xmlns:p14="http://schemas.microsoft.com/office/powerpoint/2010/main" val="631334199"/>
       </p:ext>
     </p:extLst>
   </p:cSld>
@@ -2727,7 +2959,7 @@
             <a:fld id="{72514870-5082-4025-BC8A-5E070B8EB77D}" type="datetimeFigureOut">
               <a:rPr lang="zh-CN" altLang="en-US" smtClean="0"/>
               <a:pPr/>
-              <a:t>2018/12/21</a:t>
+              <a:t>2018/12/26</a:t>
             </a:fld>
             <a:endParaRPr lang="zh-CN" altLang="en-US"/>
           </a:p>
@@ -2897,7 +3129,7 @@
             <a:fld id="{72514870-5082-4025-BC8A-5E070B8EB77D}" type="datetimeFigureOut">
               <a:rPr lang="zh-CN" altLang="en-US" smtClean="0"/>
               <a:pPr/>
-              <a:t>2018/12/21</a:t>
+              <a:t>2018/12/26</a:t>
             </a:fld>
             <a:endParaRPr lang="zh-CN" altLang="en-US"/>
           </a:p>
@@ -3077,7 +3309,7 @@
             <a:fld id="{72514870-5082-4025-BC8A-5E070B8EB77D}" type="datetimeFigureOut">
               <a:rPr lang="zh-CN" altLang="en-US" smtClean="0"/>
               <a:pPr/>
-              <a:t>2018/12/21</a:t>
+              <a:t>2018/12/26</a:t>
             </a:fld>
             <a:endParaRPr lang="zh-CN" altLang="en-US"/>
           </a:p>
@@ -3265,7 +3497,7 @@
             <a:fld id="{72514870-5082-4025-BC8A-5E070B8EB77D}" type="datetimeFigureOut">
               <a:rPr lang="zh-CN" altLang="en-US" smtClean="0"/>
               <a:pPr/>
-              <a:t>2018/12/21</a:t>
+              <a:t>2018/12/26</a:t>
             </a:fld>
             <a:endParaRPr lang="zh-CN" altLang="en-US"/>
           </a:p>
@@ -3435,7 +3667,7 @@
             <a:fld id="{72514870-5082-4025-BC8A-5E070B8EB77D}" type="datetimeFigureOut">
               <a:rPr lang="zh-CN" altLang="en-US" smtClean="0"/>
               <a:pPr/>
-              <a:t>2018/12/21</a:t>
+              <a:t>2018/12/26</a:t>
             </a:fld>
             <a:endParaRPr lang="zh-CN" altLang="en-US"/>
           </a:p>
@@ -3628,7 +3860,7 @@
             <a:fld id="{72514870-5082-4025-BC8A-5E070B8EB77D}" type="datetimeFigureOut">
               <a:rPr lang="zh-CN" altLang="en-US" smtClean="0"/>
               <a:pPr/>
-              <a:t>2018/12/21</a:t>
+              <a:t>2018/12/26</a:t>
             </a:fld>
             <a:endParaRPr lang="zh-CN" altLang="en-US"/>
           </a:p>
@@ -3915,7 +4147,7 @@
             <a:fld id="{72514870-5082-4025-BC8A-5E070B8EB77D}" type="datetimeFigureOut">
               <a:rPr lang="zh-CN" altLang="en-US" smtClean="0"/>
               <a:pPr/>
-              <a:t>2018/12/21</a:t>
+              <a:t>2018/12/26</a:t>
             </a:fld>
             <a:endParaRPr lang="zh-CN" altLang="en-US"/>
           </a:p>
@@ -4336,7 +4568,7 @@
             <a:fld id="{72514870-5082-4025-BC8A-5E070B8EB77D}" type="datetimeFigureOut">
               <a:rPr lang="zh-CN" altLang="en-US" smtClean="0"/>
               <a:pPr/>
-              <a:t>2018/12/21</a:t>
+              <a:t>2018/12/26</a:t>
             </a:fld>
             <a:endParaRPr lang="zh-CN" altLang="en-US"/>
           </a:p>
@@ -4455,7 +4687,7 @@
             <a:fld id="{72514870-5082-4025-BC8A-5E070B8EB77D}" type="datetimeFigureOut">
               <a:rPr lang="zh-CN" altLang="en-US" smtClean="0"/>
               <a:pPr/>
-              <a:t>2018/12/21</a:t>
+              <a:t>2018/12/26</a:t>
             </a:fld>
             <a:endParaRPr lang="zh-CN" altLang="en-US"/>
           </a:p>
@@ -4552,7 +4784,7 @@
             <a:fld id="{72514870-5082-4025-BC8A-5E070B8EB77D}" type="datetimeFigureOut">
               <a:rPr lang="zh-CN" altLang="en-US" smtClean="0"/>
               <a:pPr/>
-              <a:t>2018/12/21</a:t>
+              <a:t>2018/12/26</a:t>
             </a:fld>
             <a:endParaRPr lang="zh-CN" altLang="en-US"/>
           </a:p>
@@ -4865,7 +5097,7 @@
             <a:fld id="{72514870-5082-4025-BC8A-5E070B8EB77D}" type="datetimeFigureOut">
               <a:rPr lang="zh-CN" altLang="en-US" smtClean="0"/>
               <a:pPr/>
-              <a:t>2018/12/21</a:t>
+              <a:t>2018/12/26</a:t>
             </a:fld>
             <a:endParaRPr lang="zh-CN" altLang="en-US"/>
           </a:p>
@@ -5035,7 +5267,7 @@
             <a:fld id="{72514870-5082-4025-BC8A-5E070B8EB77D}" type="datetimeFigureOut">
               <a:rPr lang="zh-CN" altLang="en-US" smtClean="0"/>
               <a:pPr/>
-              <a:t>2018/12/21</a:t>
+              <a:t>2018/12/26</a:t>
             </a:fld>
             <a:endParaRPr lang="zh-CN" altLang="en-US"/>
           </a:p>
@@ -5289,7 +5521,7 @@
             <a:fld id="{72514870-5082-4025-BC8A-5E070B8EB77D}" type="datetimeFigureOut">
               <a:rPr lang="zh-CN" altLang="en-US" smtClean="0"/>
               <a:pPr/>
-              <a:t>2018/12/21</a:t>
+              <a:t>2018/12/26</a:t>
             </a:fld>
             <a:endParaRPr lang="zh-CN" altLang="en-US"/>
           </a:p>
@@ -5459,7 +5691,7 @@
             <a:fld id="{72514870-5082-4025-BC8A-5E070B8EB77D}" type="datetimeFigureOut">
               <a:rPr lang="zh-CN" altLang="en-US" smtClean="0"/>
               <a:pPr/>
-              <a:t>2018/12/21</a:t>
+              <a:t>2018/12/26</a:t>
             </a:fld>
             <a:endParaRPr lang="zh-CN" altLang="en-US"/>
           </a:p>
@@ -5639,7 +5871,7 @@
             <a:fld id="{72514870-5082-4025-BC8A-5E070B8EB77D}" type="datetimeFigureOut">
               <a:rPr lang="zh-CN" altLang="en-US" smtClean="0"/>
               <a:pPr/>
-              <a:t>2018/12/21</a:t>
+              <a:t>2018/12/26</a:t>
             </a:fld>
             <a:endParaRPr lang="zh-CN" altLang="en-US"/>
           </a:p>
@@ -5832,7 +6064,7 @@
             <a:fld id="{72514870-5082-4025-BC8A-5E070B8EB77D}" type="datetimeFigureOut">
               <a:rPr lang="zh-CN" altLang="en-US" smtClean="0"/>
               <a:pPr/>
-              <a:t>2018/12/21</a:t>
+              <a:t>2018/12/26</a:t>
             </a:fld>
             <a:endParaRPr lang="zh-CN" altLang="en-US"/>
           </a:p>
@@ -6119,7 +6351,7 @@
             <a:fld id="{72514870-5082-4025-BC8A-5E070B8EB77D}" type="datetimeFigureOut">
               <a:rPr lang="zh-CN" altLang="en-US" smtClean="0"/>
               <a:pPr/>
-              <a:t>2018/12/21</a:t>
+              <a:t>2018/12/26</a:t>
             </a:fld>
             <a:endParaRPr lang="zh-CN" altLang="en-US"/>
           </a:p>
@@ -6540,7 +6772,7 @@
             <a:fld id="{72514870-5082-4025-BC8A-5E070B8EB77D}" type="datetimeFigureOut">
               <a:rPr lang="zh-CN" altLang="en-US" smtClean="0"/>
               <a:pPr/>
-              <a:t>2018/12/21</a:t>
+              <a:t>2018/12/26</a:t>
             </a:fld>
             <a:endParaRPr lang="zh-CN" altLang="en-US"/>
           </a:p>
@@ -6659,7 +6891,7 @@
             <a:fld id="{72514870-5082-4025-BC8A-5E070B8EB77D}" type="datetimeFigureOut">
               <a:rPr lang="zh-CN" altLang="en-US" smtClean="0"/>
               <a:pPr/>
-              <a:t>2018/12/21</a:t>
+              <a:t>2018/12/26</a:t>
             </a:fld>
             <a:endParaRPr lang="zh-CN" altLang="en-US"/>
           </a:p>
@@ -6756,7 +6988,7 @@
             <a:fld id="{72514870-5082-4025-BC8A-5E070B8EB77D}" type="datetimeFigureOut">
               <a:rPr lang="zh-CN" altLang="en-US" smtClean="0"/>
               <a:pPr/>
-              <a:t>2018/12/21</a:t>
+              <a:t>2018/12/26</a:t>
             </a:fld>
             <a:endParaRPr lang="zh-CN" altLang="en-US"/>
           </a:p>
@@ -7033,7 +7265,7 @@
             <a:fld id="{72514870-5082-4025-BC8A-5E070B8EB77D}" type="datetimeFigureOut">
               <a:rPr lang="zh-CN" altLang="en-US" smtClean="0"/>
               <a:pPr/>
-              <a:t>2018/12/21</a:t>
+              <a:t>2018/12/26</a:t>
             </a:fld>
             <a:endParaRPr lang="zh-CN" altLang="en-US"/>
           </a:p>
@@ -7287,7 +7519,7 @@
             <a:fld id="{72514870-5082-4025-BC8A-5E070B8EB77D}" type="datetimeFigureOut">
               <a:rPr lang="zh-CN" altLang="en-US" smtClean="0"/>
               <a:pPr/>
-              <a:t>2018/12/21</a:t>
+              <a:t>2018/12/26</a:t>
             </a:fld>
             <a:endParaRPr lang="zh-CN" altLang="en-US"/>
           </a:p>
@@ -8780,7 +9012,7 @@
                 <a:latin typeface="微软雅黑" panose="020B0503020204020204" pitchFamily="34" charset="-122"/>
                 <a:ea typeface="微软雅黑" panose="020B0503020204020204" pitchFamily="34" charset="-122"/>
               </a:rPr>
-              <a:t>远程代码拉取到本地工作区 </a:t>
+              <a:t>远程代码拉取到本地工作区（自动合并） </a:t>
             </a:r>
             <a:endParaRPr lang="en-US" altLang="zh-CN" sz="2000" dirty="0">
               <a:solidFill>
@@ -9106,7 +9338,7 @@
           <a:graphicData uri="http://schemas.openxmlformats.org/presentationml/2006/ole">
             <mc:AlternateContent xmlns:mc="http://schemas.openxmlformats.org/markup-compatibility/2006">
               <mc:Choice xmlns:v="urn:schemas-microsoft-com:vml" Requires="v">
-                <p:oleObj spid="_x0000_s1043" r:id="rId4" imgW="5590440" imgH="4561560" progId="">
+                <p:oleObj spid="_x0000_s1050" r:id="rId4" imgW="5590440" imgH="4561560" progId="">
                   <p:embed/>
                 </p:oleObj>
               </mc:Choice>
@@ -9624,338 +9856,6 @@
 </file>
 
 <file path=ppt/slides/slide14.xml><?xml version="1.0" encoding="utf-8"?>
-<p:sld xmlns:a="http://schemas.openxmlformats.org/drawingml/2006/main" xmlns:r="http://schemas.openxmlformats.org/officeDocument/2006/relationships" xmlns:p="http://schemas.openxmlformats.org/presentationml/2006/main">
-  <p:cSld>
-    <p:spTree>
-      <p:nvGrpSpPr>
-        <p:cNvPr id="1" name=""/>
-        <p:cNvGrpSpPr/>
-        <p:nvPr/>
-      </p:nvGrpSpPr>
-      <p:grpSpPr>
-        <a:xfrm>
-          <a:off x="0" y="0"/>
-          <a:ext cx="0" cy="0"/>
-          <a:chOff x="0" y="0"/>
-          <a:chExt cx="0" cy="0"/>
-        </a:xfrm>
-      </p:grpSpPr>
-      <p:sp>
-        <p:nvSpPr>
-          <p:cNvPr id="17" name="矩形"/>
-          <p:cNvSpPr>
-            <a:spLocks/>
-          </p:cNvSpPr>
-          <p:nvPr/>
-        </p:nvSpPr>
-        <p:spPr>
-          <a:xfrm>
-            <a:off x="3710225" y="427327"/>
-            <a:ext cx="1723549" cy="553998"/>
-          </a:xfrm>
-          <a:prstGeom prst="rect">
-            <a:avLst/>
-          </a:prstGeom>
-          <a:noFill/>
-          <a:ln w="9525" cap="flat" cmpd="sng">
-            <a:noFill/>
-            <a:prstDash val="solid"/>
-            <a:miter/>
-          </a:ln>
-        </p:spPr>
-        <p:txBody>
-          <a:bodyPr vert="horz" wrap="none" lIns="91440" tIns="45720" rIns="91440" bIns="45720" anchor="t" anchorCtr="0">
-            <a:prstTxWarp prst="textNoShape">
-              <a:avLst/>
-            </a:prstTxWarp>
-            <a:spAutoFit/>
-          </a:bodyPr>
-          <a:lstStyle/>
-          <a:p>
-            <a:r>
-              <a:rPr lang="zh-CN" altLang="en-US" sz="3000" b="1" u="none" strike="noStrike" kern="0" cap="none" spc="0" baseline="0" dirty="0">
-                <a:solidFill>
-                  <a:srgbClr val="C9394A"/>
-                </a:solidFill>
-                <a:latin typeface="微软雅黑" charset="0"/>
-                <a:ea typeface="微软雅黑" charset="0"/>
-                <a:cs typeface="微软雅黑" charset="0"/>
-                <a:sym typeface="Calibri" pitchFamily="34" charset="0"/>
-              </a:rPr>
-              <a:t>分支管理</a:t>
-            </a:r>
-            <a:endParaRPr lang="zh-CN" altLang="en-US" u="none" strike="noStrike" kern="1200" cap="none" spc="0" baseline="0" dirty="0">
-              <a:solidFill>
-                <a:schemeClr val="tx1"/>
-              </a:solidFill>
-              <a:latin typeface="Calibri" pitchFamily="34" charset="0"/>
-              <a:ea typeface="宋体" pitchFamily="2" charset="-122"/>
-              <a:cs typeface="微软雅黑" charset="0"/>
-            </a:endParaRPr>
-          </a:p>
-        </p:txBody>
-      </p:sp>
-      <p:pic>
-        <p:nvPicPr>
-          <p:cNvPr id="6" name="图片 5">
-            <a:extLst>
-              <a:ext uri="{FF2B5EF4-FFF2-40B4-BE49-F238E27FC236}">
-                <a16:creationId xmlns:a16="http://schemas.microsoft.com/office/drawing/2014/main" id="{834667EB-CEE9-4ECF-9215-CD5ABCA943E1}"/>
-              </a:ext>
-            </a:extLst>
-          </p:cNvPr>
-          <p:cNvPicPr>
-            <a:picLocks noChangeAspect="1"/>
-          </p:cNvPicPr>
-          <p:nvPr/>
-        </p:nvPicPr>
-        <p:blipFill>
-          <a:blip r:embed="rId3"/>
-          <a:stretch>
-            <a:fillRect/>
-          </a:stretch>
-        </p:blipFill>
-        <p:spPr>
-          <a:xfrm>
-            <a:off x="2411760" y="2316325"/>
-            <a:ext cx="3816424" cy="1979473"/>
-          </a:xfrm>
-          <a:prstGeom prst="rect">
-            <a:avLst/>
-          </a:prstGeom>
-        </p:spPr>
-      </p:pic>
-      <p:sp>
-        <p:nvSpPr>
-          <p:cNvPr id="7" name="矩形">
-            <a:extLst>
-              <a:ext uri="{FF2B5EF4-FFF2-40B4-BE49-F238E27FC236}">
-                <a16:creationId xmlns:a16="http://schemas.microsoft.com/office/drawing/2014/main" id="{EFC72CD9-084D-4474-BB9F-79D9DB9CD824}"/>
-              </a:ext>
-            </a:extLst>
-          </p:cNvPr>
-          <p:cNvSpPr>
-            <a:spLocks/>
-          </p:cNvSpPr>
-          <p:nvPr/>
-        </p:nvSpPr>
-        <p:spPr>
-          <a:xfrm>
-            <a:off x="578721" y="1300662"/>
-            <a:ext cx="8565279" cy="1015663"/>
-          </a:xfrm>
-          <a:prstGeom prst="rect">
-            <a:avLst/>
-          </a:prstGeom>
-          <a:noFill/>
-          <a:ln w="9525" cap="flat" cmpd="sng">
-            <a:noFill/>
-            <a:prstDash val="solid"/>
-            <a:miter/>
-          </a:ln>
-        </p:spPr>
-        <p:txBody>
-          <a:bodyPr vert="horz" wrap="square" lIns="91440" tIns="45720" rIns="91440" bIns="45720" anchor="ctr" anchorCtr="0">
-            <a:prstTxWarp prst="textNoShape">
-              <a:avLst/>
-            </a:prstTxWarp>
-            <a:spAutoFit/>
-          </a:bodyPr>
-          <a:lstStyle/>
-          <a:p>
-            <a:pPr marL="800100" lvl="1" indent="-342900">
-              <a:buFont typeface="Wingdings" panose="05000000000000000000" pitchFamily="2" charset="2"/>
-              <a:buChar char="u"/>
-            </a:pPr>
-            <a:r>
-              <a:rPr lang="zh-CN" altLang="en-US" sz="2000" dirty="0">
-                <a:solidFill>
-                  <a:srgbClr val="212121"/>
-                </a:solidFill>
-                <a:latin typeface="微软雅黑" charset="0"/>
-                <a:ea typeface="微软雅黑" charset="0"/>
-                <a:cs typeface="微软雅黑" charset="0"/>
-                <a:sym typeface="Calibri" pitchFamily="34" charset="0"/>
-              </a:rPr>
-              <a:t>分支管理策略</a:t>
-            </a:r>
-            <a:endParaRPr lang="en-US" altLang="zh-CN" sz="2000" dirty="0">
-              <a:solidFill>
-                <a:srgbClr val="212121"/>
-              </a:solidFill>
-              <a:latin typeface="微软雅黑" charset="0"/>
-              <a:ea typeface="微软雅黑" charset="0"/>
-              <a:cs typeface="微软雅黑" charset="0"/>
-              <a:sym typeface="Calibri" pitchFamily="34" charset="0"/>
-            </a:endParaRPr>
-          </a:p>
-          <a:p>
-            <a:pPr lvl="1"/>
-            <a:endParaRPr lang="en-US" altLang="zh-CN" sz="2000" dirty="0">
-              <a:solidFill>
-                <a:srgbClr val="C9394A"/>
-              </a:solidFill>
-              <a:latin typeface="微软雅黑" charset="0"/>
-              <a:ea typeface="微软雅黑" charset="0"/>
-              <a:cs typeface="微软雅黑" charset="0"/>
-              <a:sym typeface="Calibri" pitchFamily="34" charset="0"/>
-            </a:endParaRPr>
-          </a:p>
-          <a:p>
-            <a:pPr lvl="1"/>
-            <a:r>
-              <a:rPr lang="en-US" altLang="zh-CN" sz="2000" dirty="0">
-                <a:solidFill>
-                  <a:srgbClr val="C9394A"/>
-                </a:solidFill>
-                <a:latin typeface="微软雅黑" charset="0"/>
-                <a:ea typeface="微软雅黑" charset="0"/>
-                <a:cs typeface="微软雅黑" charset="0"/>
-                <a:sym typeface="Calibri" pitchFamily="34" charset="0"/>
-              </a:rPr>
-              <a:t>	</a:t>
-            </a:r>
-          </a:p>
-        </p:txBody>
-      </p:sp>
-    </p:spTree>
-    <p:extLst>
-      <p:ext uri="{BB962C8B-B14F-4D97-AF65-F5344CB8AC3E}">
-        <p14:creationId xmlns:p14="http://schemas.microsoft.com/office/powerpoint/2010/main" val="3774219433"/>
-      </p:ext>
-    </p:extLst>
-  </p:cSld>
-  <p:clrMapOvr>
-    <a:masterClrMapping/>
-  </p:clrMapOvr>
-  <p:timing>
-    <p:tnLst>
-      <p:par>
-        <p:cTn id="1" dur="indefinite" restart="never" nodeType="tmRoot">
-          <p:childTnLst>
-            <p:seq concurrent="1" nextAc="seek">
-              <p:cTn id="2" dur="indefinite" nodeType="mainSeq">
-                <p:childTnLst>
-                  <p:par>
-                    <p:cTn id="3" fill="hold">
-                      <p:stCondLst>
-                        <p:cond delay="indefinite"/>
-                      </p:stCondLst>
-                      <p:childTnLst>
-                        <p:par>
-                          <p:cTn id="4" fill="hold">
-                            <p:stCondLst>
-                              <p:cond delay="0"/>
-                            </p:stCondLst>
-                            <p:childTnLst>
-                              <p:par>
-                                <p:cTn id="5" presetID="2" presetClass="entr" presetSubtype="4" fill="hold" grpId="0" nodeType="clickEffect">
-                                  <p:stCondLst>
-                                    <p:cond delay="0"/>
-                                  </p:stCondLst>
-                                  <p:childTnLst>
-                                    <p:set>
-                                      <p:cBhvr>
-                                        <p:cTn id="6" dur="1" fill="hold">
-                                          <p:stCondLst>
-                                            <p:cond delay="0"/>
-                                          </p:stCondLst>
-                                        </p:cTn>
-                                        <p:tgtEl>
-                                          <p:spTgt spid="7"/>
-                                        </p:tgtEl>
-                                        <p:attrNameLst>
-                                          <p:attrName>style.visibility</p:attrName>
-                                        </p:attrNameLst>
-                                      </p:cBhvr>
-                                      <p:to>
-                                        <p:strVal val="visible"/>
-                                      </p:to>
-                                    </p:set>
-                                    <p:anim calcmode="lin" valueType="num">
-                                      <p:cBhvr additive="base">
-                                        <p:cTn id="7" dur="500" fill="hold"/>
-                                        <p:tgtEl>
-                                          <p:spTgt spid="7"/>
-                                        </p:tgtEl>
-                                        <p:attrNameLst>
-                                          <p:attrName>ppt_x</p:attrName>
-                                        </p:attrNameLst>
-                                      </p:cBhvr>
-                                      <p:tavLst>
-                                        <p:tav tm="0">
-                                          <p:val>
-                                            <p:strVal val="#ppt_x"/>
-                                          </p:val>
-                                        </p:tav>
-                                        <p:tav tm="100000">
-                                          <p:val>
-                                            <p:strVal val="#ppt_x"/>
-                                          </p:val>
-                                        </p:tav>
-                                      </p:tavLst>
-                                    </p:anim>
-                                    <p:anim calcmode="lin" valueType="num">
-                                      <p:cBhvr additive="base">
-                                        <p:cTn id="8" dur="500" fill="hold"/>
-                                        <p:tgtEl>
-                                          <p:spTgt spid="7"/>
-                                        </p:tgtEl>
-                                        <p:attrNameLst>
-                                          <p:attrName>ppt_y</p:attrName>
-                                        </p:attrNameLst>
-                                      </p:cBhvr>
-                                      <p:tavLst>
-                                        <p:tav tm="0">
-                                          <p:val>
-                                            <p:strVal val="1+#ppt_h/2"/>
-                                          </p:val>
-                                        </p:tav>
-                                        <p:tav tm="100000">
-                                          <p:val>
-                                            <p:strVal val="#ppt_y"/>
-                                          </p:val>
-                                        </p:tav>
-                                      </p:tavLst>
-                                    </p:anim>
-                                  </p:childTnLst>
-                                </p:cTn>
-                              </p:par>
-                            </p:childTnLst>
-                          </p:cTn>
-                        </p:par>
-                      </p:childTnLst>
-                    </p:cTn>
-                  </p:par>
-                </p:childTnLst>
-              </p:cTn>
-              <p:prevCondLst>
-                <p:cond evt="onPrev" delay="0">
-                  <p:tgtEl>
-                    <p:sldTgt/>
-                  </p:tgtEl>
-                </p:cond>
-              </p:prevCondLst>
-              <p:nextCondLst>
-                <p:cond evt="onNext" delay="0">
-                  <p:tgtEl>
-                    <p:sldTgt/>
-                  </p:tgtEl>
-                </p:cond>
-              </p:nextCondLst>
-            </p:seq>
-          </p:childTnLst>
-        </p:cTn>
-      </p:par>
-    </p:tnLst>
-    <p:bldLst>
-      <p:bldP spid="7" grpId="0"/>
-    </p:bldLst>
-  </p:timing>
-</p:sld>
-</file>
-
-<file path=ppt/slides/slide15.xml><?xml version="1.0" encoding="utf-8"?>
 <p:sld xmlns:a="http://schemas.openxmlformats.org/drawingml/2006/main" xmlns:r="http://schemas.openxmlformats.org/officeDocument/2006/relationships" xmlns:p="http://schemas.openxmlformats.org/presentationml/2006/main">
   <p:cSld>
     <p:spTree>
@@ -10548,6 +10448,338 @@
 </p:sld>
 </file>
 
+<file path=ppt/slides/slide15.xml><?xml version="1.0" encoding="utf-8"?>
+<p:sld xmlns:a="http://schemas.openxmlformats.org/drawingml/2006/main" xmlns:r="http://schemas.openxmlformats.org/officeDocument/2006/relationships" xmlns:p="http://schemas.openxmlformats.org/presentationml/2006/main">
+  <p:cSld>
+    <p:spTree>
+      <p:nvGrpSpPr>
+        <p:cNvPr id="1" name=""/>
+        <p:cNvGrpSpPr/>
+        <p:nvPr/>
+      </p:nvGrpSpPr>
+      <p:grpSpPr>
+        <a:xfrm>
+          <a:off x="0" y="0"/>
+          <a:ext cx="0" cy="0"/>
+          <a:chOff x="0" y="0"/>
+          <a:chExt cx="0" cy="0"/>
+        </a:xfrm>
+      </p:grpSpPr>
+      <p:sp>
+        <p:nvSpPr>
+          <p:cNvPr id="17" name="矩形"/>
+          <p:cNvSpPr>
+            <a:spLocks/>
+          </p:cNvSpPr>
+          <p:nvPr/>
+        </p:nvSpPr>
+        <p:spPr>
+          <a:xfrm>
+            <a:off x="3710225" y="427327"/>
+            <a:ext cx="1723549" cy="553998"/>
+          </a:xfrm>
+          <a:prstGeom prst="rect">
+            <a:avLst/>
+          </a:prstGeom>
+          <a:noFill/>
+          <a:ln w="9525" cap="flat" cmpd="sng">
+            <a:noFill/>
+            <a:prstDash val="solid"/>
+            <a:miter/>
+          </a:ln>
+        </p:spPr>
+        <p:txBody>
+          <a:bodyPr vert="horz" wrap="none" lIns="91440" tIns="45720" rIns="91440" bIns="45720" anchor="t" anchorCtr="0">
+            <a:prstTxWarp prst="textNoShape">
+              <a:avLst/>
+            </a:prstTxWarp>
+            <a:spAutoFit/>
+          </a:bodyPr>
+          <a:lstStyle/>
+          <a:p>
+            <a:r>
+              <a:rPr lang="zh-CN" altLang="en-US" sz="3000" b="1" u="none" strike="noStrike" kern="0" cap="none" spc="0" baseline="0" dirty="0">
+                <a:solidFill>
+                  <a:srgbClr val="C9394A"/>
+                </a:solidFill>
+                <a:latin typeface="微软雅黑" charset="0"/>
+                <a:ea typeface="微软雅黑" charset="0"/>
+                <a:cs typeface="微软雅黑" charset="0"/>
+                <a:sym typeface="Calibri" pitchFamily="34" charset="0"/>
+              </a:rPr>
+              <a:t>分支管理</a:t>
+            </a:r>
+            <a:endParaRPr lang="zh-CN" altLang="en-US" u="none" strike="noStrike" kern="1200" cap="none" spc="0" baseline="0" dirty="0">
+              <a:solidFill>
+                <a:schemeClr val="tx1"/>
+              </a:solidFill>
+              <a:latin typeface="Calibri" pitchFamily="34" charset="0"/>
+              <a:ea typeface="宋体" pitchFamily="2" charset="-122"/>
+              <a:cs typeface="微软雅黑" charset="0"/>
+            </a:endParaRPr>
+          </a:p>
+        </p:txBody>
+      </p:sp>
+      <p:pic>
+        <p:nvPicPr>
+          <p:cNvPr id="6" name="图片 5">
+            <a:extLst>
+              <a:ext uri="{FF2B5EF4-FFF2-40B4-BE49-F238E27FC236}">
+                <a16:creationId xmlns:a16="http://schemas.microsoft.com/office/drawing/2014/main" id="{834667EB-CEE9-4ECF-9215-CD5ABCA943E1}"/>
+              </a:ext>
+            </a:extLst>
+          </p:cNvPr>
+          <p:cNvPicPr>
+            <a:picLocks noChangeAspect="1"/>
+          </p:cNvPicPr>
+          <p:nvPr/>
+        </p:nvPicPr>
+        <p:blipFill>
+          <a:blip r:embed="rId3"/>
+          <a:stretch>
+            <a:fillRect/>
+          </a:stretch>
+        </p:blipFill>
+        <p:spPr>
+          <a:xfrm>
+            <a:off x="2411760" y="2316325"/>
+            <a:ext cx="3816424" cy="1979473"/>
+          </a:xfrm>
+          <a:prstGeom prst="rect">
+            <a:avLst/>
+          </a:prstGeom>
+        </p:spPr>
+      </p:pic>
+      <p:sp>
+        <p:nvSpPr>
+          <p:cNvPr id="7" name="矩形">
+            <a:extLst>
+              <a:ext uri="{FF2B5EF4-FFF2-40B4-BE49-F238E27FC236}">
+                <a16:creationId xmlns:a16="http://schemas.microsoft.com/office/drawing/2014/main" id="{EFC72CD9-084D-4474-BB9F-79D9DB9CD824}"/>
+              </a:ext>
+            </a:extLst>
+          </p:cNvPr>
+          <p:cNvSpPr>
+            <a:spLocks/>
+          </p:cNvSpPr>
+          <p:nvPr/>
+        </p:nvSpPr>
+        <p:spPr>
+          <a:xfrm>
+            <a:off x="578721" y="1300662"/>
+            <a:ext cx="8565279" cy="1015663"/>
+          </a:xfrm>
+          <a:prstGeom prst="rect">
+            <a:avLst/>
+          </a:prstGeom>
+          <a:noFill/>
+          <a:ln w="9525" cap="flat" cmpd="sng">
+            <a:noFill/>
+            <a:prstDash val="solid"/>
+            <a:miter/>
+          </a:ln>
+        </p:spPr>
+        <p:txBody>
+          <a:bodyPr vert="horz" wrap="square" lIns="91440" tIns="45720" rIns="91440" bIns="45720" anchor="ctr" anchorCtr="0">
+            <a:prstTxWarp prst="textNoShape">
+              <a:avLst/>
+            </a:prstTxWarp>
+            <a:spAutoFit/>
+          </a:bodyPr>
+          <a:lstStyle/>
+          <a:p>
+            <a:pPr marL="800100" lvl="1" indent="-342900">
+              <a:buFont typeface="Wingdings" panose="05000000000000000000" pitchFamily="2" charset="2"/>
+              <a:buChar char="u"/>
+            </a:pPr>
+            <a:r>
+              <a:rPr lang="zh-CN" altLang="en-US" sz="2000" dirty="0">
+                <a:solidFill>
+                  <a:srgbClr val="212121"/>
+                </a:solidFill>
+                <a:latin typeface="微软雅黑" charset="0"/>
+                <a:ea typeface="微软雅黑" charset="0"/>
+                <a:cs typeface="微软雅黑" charset="0"/>
+                <a:sym typeface="Calibri" pitchFamily="34" charset="0"/>
+              </a:rPr>
+              <a:t>分支管理策略</a:t>
+            </a:r>
+            <a:endParaRPr lang="en-US" altLang="zh-CN" sz="2000" dirty="0">
+              <a:solidFill>
+                <a:srgbClr val="212121"/>
+              </a:solidFill>
+              <a:latin typeface="微软雅黑" charset="0"/>
+              <a:ea typeface="微软雅黑" charset="0"/>
+              <a:cs typeface="微软雅黑" charset="0"/>
+              <a:sym typeface="Calibri" pitchFamily="34" charset="0"/>
+            </a:endParaRPr>
+          </a:p>
+          <a:p>
+            <a:pPr lvl="1"/>
+            <a:endParaRPr lang="en-US" altLang="zh-CN" sz="2000" dirty="0">
+              <a:solidFill>
+                <a:srgbClr val="C9394A"/>
+              </a:solidFill>
+              <a:latin typeface="微软雅黑" charset="0"/>
+              <a:ea typeface="微软雅黑" charset="0"/>
+              <a:cs typeface="微软雅黑" charset="0"/>
+              <a:sym typeface="Calibri" pitchFamily="34" charset="0"/>
+            </a:endParaRPr>
+          </a:p>
+          <a:p>
+            <a:pPr lvl="1"/>
+            <a:r>
+              <a:rPr lang="en-US" altLang="zh-CN" sz="2000" dirty="0">
+                <a:solidFill>
+                  <a:srgbClr val="C9394A"/>
+                </a:solidFill>
+                <a:latin typeface="微软雅黑" charset="0"/>
+                <a:ea typeface="微软雅黑" charset="0"/>
+                <a:cs typeface="微软雅黑" charset="0"/>
+                <a:sym typeface="Calibri" pitchFamily="34" charset="0"/>
+              </a:rPr>
+              <a:t>	</a:t>
+            </a:r>
+          </a:p>
+        </p:txBody>
+      </p:sp>
+    </p:spTree>
+    <p:extLst>
+      <p:ext uri="{BB962C8B-B14F-4D97-AF65-F5344CB8AC3E}">
+        <p14:creationId xmlns:p14="http://schemas.microsoft.com/office/powerpoint/2010/main" val="3774219433"/>
+      </p:ext>
+    </p:extLst>
+  </p:cSld>
+  <p:clrMapOvr>
+    <a:masterClrMapping/>
+  </p:clrMapOvr>
+  <p:timing>
+    <p:tnLst>
+      <p:par>
+        <p:cTn id="1" dur="indefinite" restart="never" nodeType="tmRoot">
+          <p:childTnLst>
+            <p:seq concurrent="1" nextAc="seek">
+              <p:cTn id="2" dur="indefinite" nodeType="mainSeq">
+                <p:childTnLst>
+                  <p:par>
+                    <p:cTn id="3" fill="hold">
+                      <p:stCondLst>
+                        <p:cond delay="indefinite"/>
+                      </p:stCondLst>
+                      <p:childTnLst>
+                        <p:par>
+                          <p:cTn id="4" fill="hold">
+                            <p:stCondLst>
+                              <p:cond delay="0"/>
+                            </p:stCondLst>
+                            <p:childTnLst>
+                              <p:par>
+                                <p:cTn id="5" presetID="2" presetClass="entr" presetSubtype="4" fill="hold" grpId="0" nodeType="clickEffect">
+                                  <p:stCondLst>
+                                    <p:cond delay="0"/>
+                                  </p:stCondLst>
+                                  <p:childTnLst>
+                                    <p:set>
+                                      <p:cBhvr>
+                                        <p:cTn id="6" dur="1" fill="hold">
+                                          <p:stCondLst>
+                                            <p:cond delay="0"/>
+                                          </p:stCondLst>
+                                        </p:cTn>
+                                        <p:tgtEl>
+                                          <p:spTgt spid="7"/>
+                                        </p:tgtEl>
+                                        <p:attrNameLst>
+                                          <p:attrName>style.visibility</p:attrName>
+                                        </p:attrNameLst>
+                                      </p:cBhvr>
+                                      <p:to>
+                                        <p:strVal val="visible"/>
+                                      </p:to>
+                                    </p:set>
+                                    <p:anim calcmode="lin" valueType="num">
+                                      <p:cBhvr additive="base">
+                                        <p:cTn id="7" dur="500" fill="hold"/>
+                                        <p:tgtEl>
+                                          <p:spTgt spid="7"/>
+                                        </p:tgtEl>
+                                        <p:attrNameLst>
+                                          <p:attrName>ppt_x</p:attrName>
+                                        </p:attrNameLst>
+                                      </p:cBhvr>
+                                      <p:tavLst>
+                                        <p:tav tm="0">
+                                          <p:val>
+                                            <p:strVal val="#ppt_x"/>
+                                          </p:val>
+                                        </p:tav>
+                                        <p:tav tm="100000">
+                                          <p:val>
+                                            <p:strVal val="#ppt_x"/>
+                                          </p:val>
+                                        </p:tav>
+                                      </p:tavLst>
+                                    </p:anim>
+                                    <p:anim calcmode="lin" valueType="num">
+                                      <p:cBhvr additive="base">
+                                        <p:cTn id="8" dur="500" fill="hold"/>
+                                        <p:tgtEl>
+                                          <p:spTgt spid="7"/>
+                                        </p:tgtEl>
+                                        <p:attrNameLst>
+                                          <p:attrName>ppt_y</p:attrName>
+                                        </p:attrNameLst>
+                                      </p:cBhvr>
+                                      <p:tavLst>
+                                        <p:tav tm="0">
+                                          <p:val>
+                                            <p:strVal val="1+#ppt_h/2"/>
+                                          </p:val>
+                                        </p:tav>
+                                        <p:tav tm="100000">
+                                          <p:val>
+                                            <p:strVal val="#ppt_y"/>
+                                          </p:val>
+                                        </p:tav>
+                                      </p:tavLst>
+                                    </p:anim>
+                                  </p:childTnLst>
+                                </p:cTn>
+                              </p:par>
+                            </p:childTnLst>
+                          </p:cTn>
+                        </p:par>
+                      </p:childTnLst>
+                    </p:cTn>
+                  </p:par>
+                </p:childTnLst>
+              </p:cTn>
+              <p:prevCondLst>
+                <p:cond evt="onPrev" delay="0">
+                  <p:tgtEl>
+                    <p:sldTgt/>
+                  </p:tgtEl>
+                </p:cond>
+              </p:prevCondLst>
+              <p:nextCondLst>
+                <p:cond evt="onNext" delay="0">
+                  <p:tgtEl>
+                    <p:sldTgt/>
+                  </p:tgtEl>
+                </p:cond>
+              </p:nextCondLst>
+            </p:seq>
+          </p:childTnLst>
+        </p:cTn>
+      </p:par>
+    </p:tnLst>
+    <p:bldLst>
+      <p:bldP spid="7" grpId="0"/>
+    </p:bldLst>
+  </p:timing>
+</p:sld>
+</file>
+
 <file path=ppt/slides/slide16.xml><?xml version="1.0" encoding="utf-8"?>
 <p:sld xmlns:a="http://schemas.openxmlformats.org/drawingml/2006/main" xmlns:r="http://schemas.openxmlformats.org/officeDocument/2006/relationships" xmlns:p="http://schemas.openxmlformats.org/presentationml/2006/main">
   <p:cSld>
@@ -11052,6 +11284,126 @@
     <p:extLst>
       <p:ext uri="{BB962C8B-B14F-4D97-AF65-F5344CB8AC3E}">
         <p14:creationId xmlns:p14="http://schemas.microsoft.com/office/powerpoint/2010/main" val="861469350"/>
+      </p:ext>
+    </p:extLst>
+  </p:cSld>
+  <p:clrMapOvr>
+    <a:masterClrMapping/>
+  </p:clrMapOvr>
+</p:sld>
+</file>
+
+<file path=ppt/slides/slide18.xml><?xml version="1.0" encoding="utf-8"?>
+<p:sld xmlns:a="http://schemas.openxmlformats.org/drawingml/2006/main" xmlns:r="http://schemas.openxmlformats.org/officeDocument/2006/relationships" xmlns:p="http://schemas.openxmlformats.org/presentationml/2006/main">
+  <p:cSld>
+    <p:spTree>
+      <p:nvGrpSpPr>
+        <p:cNvPr id="1" name=""/>
+        <p:cNvGrpSpPr/>
+        <p:nvPr/>
+      </p:nvGrpSpPr>
+      <p:grpSpPr>
+        <a:xfrm>
+          <a:off x="0" y="0"/>
+          <a:ext cx="0" cy="0"/>
+          <a:chOff x="0" y="0"/>
+          <a:chExt cx="0" cy="0"/>
+        </a:xfrm>
+      </p:grpSpPr>
+      <p:pic>
+        <p:nvPicPr>
+          <p:cNvPr id="5" name="图片 4">
+            <a:extLst>
+              <a:ext uri="{FF2B5EF4-FFF2-40B4-BE49-F238E27FC236}">
+                <a16:creationId xmlns:a16="http://schemas.microsoft.com/office/drawing/2014/main" id="{3A1648AD-FF8D-4B4C-BC90-99AC703D3456}"/>
+              </a:ext>
+            </a:extLst>
+          </p:cNvPr>
+          <p:cNvPicPr>
+            <a:picLocks noChangeAspect="1"/>
+          </p:cNvPicPr>
+          <p:nvPr/>
+        </p:nvPicPr>
+        <p:blipFill>
+          <a:blip r:embed="rId3"/>
+          <a:stretch>
+            <a:fillRect/>
+          </a:stretch>
+        </p:blipFill>
+        <p:spPr>
+          <a:xfrm>
+            <a:off x="762476" y="987574"/>
+            <a:ext cx="7619048" cy="3314286"/>
+          </a:xfrm>
+          <a:prstGeom prst="rect">
+            <a:avLst/>
+          </a:prstGeom>
+        </p:spPr>
+      </p:pic>
+    </p:spTree>
+    <p:extLst>
+      <p:ext uri="{BB962C8B-B14F-4D97-AF65-F5344CB8AC3E}">
+        <p14:creationId xmlns:p14="http://schemas.microsoft.com/office/powerpoint/2010/main" val="3723253083"/>
+      </p:ext>
+    </p:extLst>
+  </p:cSld>
+  <p:clrMapOvr>
+    <a:masterClrMapping/>
+  </p:clrMapOvr>
+</p:sld>
+</file>
+
+<file path=ppt/slides/slide19.xml><?xml version="1.0" encoding="utf-8"?>
+<p:sld xmlns:a="http://schemas.openxmlformats.org/drawingml/2006/main" xmlns:r="http://schemas.openxmlformats.org/officeDocument/2006/relationships" xmlns:p="http://schemas.openxmlformats.org/presentationml/2006/main">
+  <p:cSld>
+    <p:spTree>
+      <p:nvGrpSpPr>
+        <p:cNvPr id="1" name=""/>
+        <p:cNvGrpSpPr/>
+        <p:nvPr/>
+      </p:nvGrpSpPr>
+      <p:grpSpPr>
+        <a:xfrm>
+          <a:off x="0" y="0"/>
+          <a:ext cx="0" cy="0"/>
+          <a:chOff x="0" y="0"/>
+          <a:chExt cx="0" cy="0"/>
+        </a:xfrm>
+      </p:grpSpPr>
+      <p:pic>
+        <p:nvPicPr>
+          <p:cNvPr id="2" name="图片 1">
+            <a:extLst>
+              <a:ext uri="{FF2B5EF4-FFF2-40B4-BE49-F238E27FC236}">
+                <a16:creationId xmlns:a16="http://schemas.microsoft.com/office/drawing/2014/main" id="{AB5CF33A-D25B-44CD-8C6F-A758317A3E9D}"/>
+              </a:ext>
+            </a:extLst>
+          </p:cNvPr>
+          <p:cNvPicPr>
+            <a:picLocks noChangeAspect="1"/>
+          </p:cNvPicPr>
+          <p:nvPr/>
+        </p:nvPicPr>
+        <p:blipFill>
+          <a:blip r:embed="rId3"/>
+          <a:stretch>
+            <a:fillRect/>
+          </a:stretch>
+        </p:blipFill>
+        <p:spPr>
+          <a:xfrm>
+            <a:off x="827584" y="1219369"/>
+            <a:ext cx="7066667" cy="2704762"/>
+          </a:xfrm>
+          <a:prstGeom prst="rect">
+            <a:avLst/>
+          </a:prstGeom>
+        </p:spPr>
+      </p:pic>
+    </p:spTree>
+    <p:extLst>
+      <p:ext uri="{BB962C8B-B14F-4D97-AF65-F5344CB8AC3E}">
+        <p14:creationId xmlns:p14="http://schemas.microsoft.com/office/powerpoint/2010/main" val="1051810893"/>
       </p:ext>
     </p:extLst>
   </p:cSld>

--- a/github.pptx
+++ b/github.pptx
@@ -354,7 +354,7 @@
                 <a:cs typeface="Calibri" pitchFamily="34" charset="0"/>
               </a:rPr>
               <a:pPr algn="r"/>
-              <a:t>2018/12/26</a:t>
+              <a:t>2019/2/13</a:t>
             </a:fld>
             <a:endParaRPr lang="zh-CN" altLang="en-US" sz="1200">
               <a:latin typeface="Calibri" pitchFamily="34" charset="0"/>
@@ -2959,7 +2959,7 @@
             <a:fld id="{72514870-5082-4025-BC8A-5E070B8EB77D}" type="datetimeFigureOut">
               <a:rPr lang="zh-CN" altLang="en-US" smtClean="0"/>
               <a:pPr/>
-              <a:t>2018/12/26</a:t>
+              <a:t>2019/2/13</a:t>
             </a:fld>
             <a:endParaRPr lang="zh-CN" altLang="en-US"/>
           </a:p>
@@ -3129,7 +3129,7 @@
             <a:fld id="{72514870-5082-4025-BC8A-5E070B8EB77D}" type="datetimeFigureOut">
               <a:rPr lang="zh-CN" altLang="en-US" smtClean="0"/>
               <a:pPr/>
-              <a:t>2018/12/26</a:t>
+              <a:t>2019/2/13</a:t>
             </a:fld>
             <a:endParaRPr lang="zh-CN" altLang="en-US"/>
           </a:p>
@@ -3309,7 +3309,7 @@
             <a:fld id="{72514870-5082-4025-BC8A-5E070B8EB77D}" type="datetimeFigureOut">
               <a:rPr lang="zh-CN" altLang="en-US" smtClean="0"/>
               <a:pPr/>
-              <a:t>2018/12/26</a:t>
+              <a:t>2019/2/13</a:t>
             </a:fld>
             <a:endParaRPr lang="zh-CN" altLang="en-US"/>
           </a:p>
@@ -3497,7 +3497,7 @@
             <a:fld id="{72514870-5082-4025-BC8A-5E070B8EB77D}" type="datetimeFigureOut">
               <a:rPr lang="zh-CN" altLang="en-US" smtClean="0"/>
               <a:pPr/>
-              <a:t>2018/12/26</a:t>
+              <a:t>2019/2/13</a:t>
             </a:fld>
             <a:endParaRPr lang="zh-CN" altLang="en-US"/>
           </a:p>
@@ -3667,7 +3667,7 @@
             <a:fld id="{72514870-5082-4025-BC8A-5E070B8EB77D}" type="datetimeFigureOut">
               <a:rPr lang="zh-CN" altLang="en-US" smtClean="0"/>
               <a:pPr/>
-              <a:t>2018/12/26</a:t>
+              <a:t>2019/2/13</a:t>
             </a:fld>
             <a:endParaRPr lang="zh-CN" altLang="en-US"/>
           </a:p>
@@ -3860,7 +3860,7 @@
             <a:fld id="{72514870-5082-4025-BC8A-5E070B8EB77D}" type="datetimeFigureOut">
               <a:rPr lang="zh-CN" altLang="en-US" smtClean="0"/>
               <a:pPr/>
-              <a:t>2018/12/26</a:t>
+              <a:t>2019/2/13</a:t>
             </a:fld>
             <a:endParaRPr lang="zh-CN" altLang="en-US"/>
           </a:p>
@@ -4147,7 +4147,7 @@
             <a:fld id="{72514870-5082-4025-BC8A-5E070B8EB77D}" type="datetimeFigureOut">
               <a:rPr lang="zh-CN" altLang="en-US" smtClean="0"/>
               <a:pPr/>
-              <a:t>2018/12/26</a:t>
+              <a:t>2019/2/13</a:t>
             </a:fld>
             <a:endParaRPr lang="zh-CN" altLang="en-US"/>
           </a:p>
@@ -4568,7 +4568,7 @@
             <a:fld id="{72514870-5082-4025-BC8A-5E070B8EB77D}" type="datetimeFigureOut">
               <a:rPr lang="zh-CN" altLang="en-US" smtClean="0"/>
               <a:pPr/>
-              <a:t>2018/12/26</a:t>
+              <a:t>2019/2/13</a:t>
             </a:fld>
             <a:endParaRPr lang="zh-CN" altLang="en-US"/>
           </a:p>
@@ -4687,7 +4687,7 @@
             <a:fld id="{72514870-5082-4025-BC8A-5E070B8EB77D}" type="datetimeFigureOut">
               <a:rPr lang="zh-CN" altLang="en-US" smtClean="0"/>
               <a:pPr/>
-              <a:t>2018/12/26</a:t>
+              <a:t>2019/2/13</a:t>
             </a:fld>
             <a:endParaRPr lang="zh-CN" altLang="en-US"/>
           </a:p>
@@ -4784,7 +4784,7 @@
             <a:fld id="{72514870-5082-4025-BC8A-5E070B8EB77D}" type="datetimeFigureOut">
               <a:rPr lang="zh-CN" altLang="en-US" smtClean="0"/>
               <a:pPr/>
-              <a:t>2018/12/26</a:t>
+              <a:t>2019/2/13</a:t>
             </a:fld>
             <a:endParaRPr lang="zh-CN" altLang="en-US"/>
           </a:p>
@@ -5097,7 +5097,7 @@
             <a:fld id="{72514870-5082-4025-BC8A-5E070B8EB77D}" type="datetimeFigureOut">
               <a:rPr lang="zh-CN" altLang="en-US" smtClean="0"/>
               <a:pPr/>
-              <a:t>2018/12/26</a:t>
+              <a:t>2019/2/13</a:t>
             </a:fld>
             <a:endParaRPr lang="zh-CN" altLang="en-US"/>
           </a:p>
@@ -5267,7 +5267,7 @@
             <a:fld id="{72514870-5082-4025-BC8A-5E070B8EB77D}" type="datetimeFigureOut">
               <a:rPr lang="zh-CN" altLang="en-US" smtClean="0"/>
               <a:pPr/>
-              <a:t>2018/12/26</a:t>
+              <a:t>2019/2/13</a:t>
             </a:fld>
             <a:endParaRPr lang="zh-CN" altLang="en-US"/>
           </a:p>
@@ -5521,7 +5521,7 @@
             <a:fld id="{72514870-5082-4025-BC8A-5E070B8EB77D}" type="datetimeFigureOut">
               <a:rPr lang="zh-CN" altLang="en-US" smtClean="0"/>
               <a:pPr/>
-              <a:t>2018/12/26</a:t>
+              <a:t>2019/2/13</a:t>
             </a:fld>
             <a:endParaRPr lang="zh-CN" altLang="en-US"/>
           </a:p>
@@ -5691,7 +5691,7 @@
             <a:fld id="{72514870-5082-4025-BC8A-5E070B8EB77D}" type="datetimeFigureOut">
               <a:rPr lang="zh-CN" altLang="en-US" smtClean="0"/>
               <a:pPr/>
-              <a:t>2018/12/26</a:t>
+              <a:t>2019/2/13</a:t>
             </a:fld>
             <a:endParaRPr lang="zh-CN" altLang="en-US"/>
           </a:p>
@@ -5871,7 +5871,7 @@
             <a:fld id="{72514870-5082-4025-BC8A-5E070B8EB77D}" type="datetimeFigureOut">
               <a:rPr lang="zh-CN" altLang="en-US" smtClean="0"/>
               <a:pPr/>
-              <a:t>2018/12/26</a:t>
+              <a:t>2019/2/13</a:t>
             </a:fld>
             <a:endParaRPr lang="zh-CN" altLang="en-US"/>
           </a:p>
@@ -6064,7 +6064,7 @@
             <a:fld id="{72514870-5082-4025-BC8A-5E070B8EB77D}" type="datetimeFigureOut">
               <a:rPr lang="zh-CN" altLang="en-US" smtClean="0"/>
               <a:pPr/>
-              <a:t>2018/12/26</a:t>
+              <a:t>2019/2/13</a:t>
             </a:fld>
             <a:endParaRPr lang="zh-CN" altLang="en-US"/>
           </a:p>
@@ -6351,7 +6351,7 @@
             <a:fld id="{72514870-5082-4025-BC8A-5E070B8EB77D}" type="datetimeFigureOut">
               <a:rPr lang="zh-CN" altLang="en-US" smtClean="0"/>
               <a:pPr/>
-              <a:t>2018/12/26</a:t>
+              <a:t>2019/2/13</a:t>
             </a:fld>
             <a:endParaRPr lang="zh-CN" altLang="en-US"/>
           </a:p>
@@ -6772,7 +6772,7 @@
             <a:fld id="{72514870-5082-4025-BC8A-5E070B8EB77D}" type="datetimeFigureOut">
               <a:rPr lang="zh-CN" altLang="en-US" smtClean="0"/>
               <a:pPr/>
-              <a:t>2018/12/26</a:t>
+              <a:t>2019/2/13</a:t>
             </a:fld>
             <a:endParaRPr lang="zh-CN" altLang="en-US"/>
           </a:p>
@@ -6891,7 +6891,7 @@
             <a:fld id="{72514870-5082-4025-BC8A-5E070B8EB77D}" type="datetimeFigureOut">
               <a:rPr lang="zh-CN" altLang="en-US" smtClean="0"/>
               <a:pPr/>
-              <a:t>2018/12/26</a:t>
+              <a:t>2019/2/13</a:t>
             </a:fld>
             <a:endParaRPr lang="zh-CN" altLang="en-US"/>
           </a:p>
@@ -6988,7 +6988,7 @@
             <a:fld id="{72514870-5082-4025-BC8A-5E070B8EB77D}" type="datetimeFigureOut">
               <a:rPr lang="zh-CN" altLang="en-US" smtClean="0"/>
               <a:pPr/>
-              <a:t>2018/12/26</a:t>
+              <a:t>2019/2/13</a:t>
             </a:fld>
             <a:endParaRPr lang="zh-CN" altLang="en-US"/>
           </a:p>
@@ -7265,7 +7265,7 @@
             <a:fld id="{72514870-5082-4025-BC8A-5E070B8EB77D}" type="datetimeFigureOut">
               <a:rPr lang="zh-CN" altLang="en-US" smtClean="0"/>
               <a:pPr/>
-              <a:t>2018/12/26</a:t>
+              <a:t>2019/2/13</a:t>
             </a:fld>
             <a:endParaRPr lang="zh-CN" altLang="en-US"/>
           </a:p>
@@ -7519,7 +7519,7 @@
             <a:fld id="{72514870-5082-4025-BC8A-5E070B8EB77D}" type="datetimeFigureOut">
               <a:rPr lang="zh-CN" altLang="en-US" smtClean="0"/>
               <a:pPr/>
-              <a:t>2018/12/26</a:t>
+              <a:t>2019/2/13</a:t>
             </a:fld>
             <a:endParaRPr lang="zh-CN" altLang="en-US"/>
           </a:p>
@@ -8597,14 +8597,26 @@
                 <a:cs typeface="微软雅黑" charset="0"/>
                 <a:sym typeface="Calibri" pitchFamily="34" charset="0"/>
               </a:rPr>
-              <a:t>仓库的地址     </a:t>
-            </a:r>
-            <a:r>
-              <a:rPr lang="zh-CN" altLang="en-US" dirty="0">
+              <a:t>仓库的地址     （</a:t>
+            </a:r>
+            <a:r>
+              <a:rPr lang="zh-CN" altLang="en-US" sz="2000" dirty="0">
                 <a:latin typeface="微软雅黑" panose="020B0503020204020204" pitchFamily="34" charset="-122"/>
                 <a:ea typeface="微软雅黑" panose="020B0503020204020204" pitchFamily="34" charset="-122"/>
               </a:rPr>
               <a:t>添加远程仓库地址</a:t>
+            </a:r>
+            <a:r>
+              <a:rPr lang="zh-CN" altLang="en-US" sz="2000" dirty="0">
+                <a:solidFill>
+                  <a:srgbClr val="212121"/>
+                </a:solidFill>
+                <a:latin typeface="微软雅黑" charset="0"/>
+                <a:ea typeface="微软雅黑" charset="0"/>
+                <a:cs typeface="微软雅黑" charset="0"/>
+                <a:sym typeface="Calibri" pitchFamily="34" charset="0"/>
+              </a:rPr>
+              <a:t>）</a:t>
             </a:r>
             <a:endParaRPr lang="en-US" altLang="zh-CN" sz="2000" dirty="0">
               <a:solidFill>
@@ -8655,7 +8667,7 @@
                 <a:cs typeface="微软雅黑" charset="0"/>
                 <a:sym typeface="Calibri" pitchFamily="34" charset="0"/>
               </a:rPr>
-              <a:t>查看关联的远程仓库</a:t>
+              <a:t>（查看关联的远程仓库）</a:t>
             </a:r>
             <a:endParaRPr lang="en-US" altLang="zh-CN" sz="2000" dirty="0">
               <a:solidFill>
@@ -9338,7 +9350,7 @@
           <a:graphicData uri="http://schemas.openxmlformats.org/presentationml/2006/ole">
             <mc:AlternateContent xmlns:mc="http://schemas.openxmlformats.org/markup-compatibility/2006">
               <mc:Choice xmlns:v="urn:schemas-microsoft-com:vml" Requires="v">
-                <p:oleObj spid="_x0000_s1050" r:id="rId4" imgW="5590440" imgH="4561560" progId="">
+                <p:oleObj spid="_x0000_s1052" r:id="rId4" imgW="5590440" imgH="4561560" progId="">
                   <p:embed/>
                 </p:oleObj>
               </mc:Choice>

--- a/github.pptx
+++ b/github.pptx
@@ -6,28 +6,29 @@
     <p:sldMasterId id="2147483671" r:id="rId2"/>
   </p:sldMasterIdLst>
   <p:notesMasterIdLst>
-    <p:notesMasterId r:id="rId22"/>
+    <p:notesMasterId r:id="rId23"/>
   </p:notesMasterIdLst>
   <p:sldIdLst>
     <p:sldId id="275" r:id="rId3"/>
-    <p:sldId id="282" r:id="rId4"/>
-    <p:sldId id="287" r:id="rId5"/>
-    <p:sldId id="303" r:id="rId6"/>
-    <p:sldId id="305" r:id="rId7"/>
-    <p:sldId id="304" r:id="rId8"/>
-    <p:sldId id="290" r:id="rId9"/>
-    <p:sldId id="306" r:id="rId10"/>
-    <p:sldId id="289" r:id="rId11"/>
-    <p:sldId id="294" r:id="rId12"/>
-    <p:sldId id="295" r:id="rId13"/>
-    <p:sldId id="309" r:id="rId14"/>
-    <p:sldId id="288" r:id="rId15"/>
-    <p:sldId id="310" r:id="rId16"/>
+    <p:sldId id="313" r:id="rId4"/>
+    <p:sldId id="282" r:id="rId5"/>
+    <p:sldId id="287" r:id="rId6"/>
+    <p:sldId id="303" r:id="rId7"/>
+    <p:sldId id="305" r:id="rId8"/>
+    <p:sldId id="304" r:id="rId9"/>
+    <p:sldId id="290" r:id="rId10"/>
+    <p:sldId id="306" r:id="rId11"/>
+    <p:sldId id="289" r:id="rId12"/>
+    <p:sldId id="294" r:id="rId13"/>
+    <p:sldId id="295" r:id="rId14"/>
+    <p:sldId id="309" r:id="rId15"/>
+    <p:sldId id="288" r:id="rId16"/>
     <p:sldId id="307" r:id="rId17"/>
-    <p:sldId id="308" r:id="rId18"/>
-    <p:sldId id="299" r:id="rId19"/>
-    <p:sldId id="311" r:id="rId20"/>
-    <p:sldId id="312" r:id="rId21"/>
+    <p:sldId id="310" r:id="rId18"/>
+    <p:sldId id="308" r:id="rId19"/>
+    <p:sldId id="299" r:id="rId20"/>
+    <p:sldId id="311" r:id="rId21"/>
+    <p:sldId id="312" r:id="rId22"/>
   </p:sldIdLst>
   <p:sldSz cx="9144000" cy="5143500" type="screen16x9"/>
   <p:notesSz cx="6858000" cy="9144000"/>
@@ -193,6 +194,18 @@
 </p:presentation>
 </file>
 
+<file path=ppt/commentAuthors.xml><?xml version="1.0" encoding="utf-8"?>
+<p:cmAuthorLst xmlns:a="http://schemas.openxmlformats.org/drawingml/2006/main" xmlns:r="http://schemas.openxmlformats.org/officeDocument/2006/relationships" xmlns:p="http://schemas.openxmlformats.org/presentationml/2006/main">
+  <p:cmAuthor id="1" name="孟 庆凡" initials="孟" lastIdx="1" clrIdx="0">
+    <p:extLst>
+      <p:ext uri="{19B8F6BF-5375-455C-9EA6-DF929625EA0E}">
+        <p15:presenceInfo xmlns:p15="http://schemas.microsoft.com/office/powerpoint/2012/main" userId="68e5f154cbfe6871" providerId="Windows Live"/>
+      </p:ext>
+    </p:extLst>
+  </p:cmAuthor>
+</p:cmAuthorLst>
+</file>
+
 <file path=ppt/notesMasters/notesMaster1.xml><?xml version="1.0" encoding="utf-8"?>
 <p:notesMaster xmlns:a="http://schemas.openxmlformats.org/drawingml/2006/main" xmlns:r="http://schemas.openxmlformats.org/officeDocument/2006/relationships" xmlns:p="http://schemas.openxmlformats.org/presentationml/2006/main">
   <p:cSld>
@@ -354,7 +367,7 @@
                 <a:cs typeface="Calibri" pitchFamily="34" charset="0"/>
               </a:rPr>
               <a:pPr algn="r"/>
-              <a:t>2019/2/13</a:t>
+              <a:t>2019/3/12</a:t>
             </a:fld>
             <a:endParaRPr lang="zh-CN" altLang="en-US" sz="1200">
               <a:latin typeface="Calibri" pitchFamily="34" charset="0"/>
@@ -855,7 +868,7 @@
                 <a:cs typeface="Calibri" pitchFamily="34" charset="0"/>
               </a:rPr>
               <a:pPr algn="r"/>
-              <a:t>2</a:t>
+              <a:t>3</a:t>
             </a:fld>
             <a:endParaRPr lang="zh-CN" altLang="en-US" sz="1200">
               <a:latin typeface="Calibri" pitchFamily="34" charset="0"/>
@@ -970,7 +983,7 @@
                 <a:cs typeface="Calibri" pitchFamily="34" charset="0"/>
               </a:rPr>
               <a:pPr algn="r"/>
-              <a:t>11</a:t>
+              <a:t>12</a:t>
             </a:fld>
             <a:endParaRPr lang="zh-CN" altLang="en-US" sz="1200">
               <a:latin typeface="Calibri" pitchFamily="34" charset="0"/>
@@ -1085,7 +1098,7 @@
                 <a:cs typeface="Calibri" pitchFamily="34" charset="0"/>
               </a:rPr>
               <a:pPr algn="r"/>
-              <a:t>12</a:t>
+              <a:t>13</a:t>
             </a:fld>
             <a:endParaRPr lang="zh-CN" altLang="en-US" sz="1200">
               <a:latin typeface="Calibri" pitchFamily="34" charset="0"/>
@@ -1200,7 +1213,7 @@
                 <a:cs typeface="Calibri" pitchFamily="34" charset="0"/>
               </a:rPr>
               <a:pPr algn="r"/>
-              <a:t>13</a:t>
+              <a:t>14</a:t>
             </a:fld>
             <a:endParaRPr lang="zh-CN" altLang="en-US" sz="1200">
               <a:latin typeface="Calibri" pitchFamily="34" charset="0"/>
@@ -1315,7 +1328,7 @@
                 <a:cs typeface="Calibri" pitchFamily="34" charset="0"/>
               </a:rPr>
               <a:pPr algn="r"/>
-              <a:t>14</a:t>
+              <a:t>15</a:t>
             </a:fld>
             <a:endParaRPr lang="zh-CN" altLang="en-US" sz="1200">
               <a:latin typeface="Calibri" pitchFamily="34" charset="0"/>
@@ -1328,7 +1341,7 @@
     </p:spTree>
     <p:extLst>
       <p:ext uri="{BB962C8B-B14F-4D97-AF65-F5344CB8AC3E}">
-        <p14:creationId xmlns:p14="http://schemas.microsoft.com/office/powerpoint/2010/main" val="1504933540"/>
+        <p14:creationId xmlns:p14="http://schemas.microsoft.com/office/powerpoint/2010/main" val="637098908"/>
       </p:ext>
     </p:extLst>
   </p:cSld>
@@ -1430,7 +1443,7 @@
                 <a:cs typeface="Calibri" pitchFamily="34" charset="0"/>
               </a:rPr>
               <a:pPr algn="r"/>
-              <a:t>15</a:t>
+              <a:t>16</a:t>
             </a:fld>
             <a:endParaRPr lang="zh-CN" altLang="en-US" sz="1200">
               <a:latin typeface="Calibri" pitchFamily="34" charset="0"/>
@@ -1443,7 +1456,7 @@
     </p:spTree>
     <p:extLst>
       <p:ext uri="{BB962C8B-B14F-4D97-AF65-F5344CB8AC3E}">
-        <p14:creationId xmlns:p14="http://schemas.microsoft.com/office/powerpoint/2010/main" val="637098908"/>
+        <p14:creationId xmlns:p14="http://schemas.microsoft.com/office/powerpoint/2010/main" val="1504933540"/>
       </p:ext>
     </p:extLst>
   </p:cSld>
@@ -1545,7 +1558,7 @@
                 <a:cs typeface="Calibri" pitchFamily="34" charset="0"/>
               </a:rPr>
               <a:pPr algn="r"/>
-              <a:t>16</a:t>
+              <a:t>17</a:t>
             </a:fld>
             <a:endParaRPr lang="zh-CN" altLang="en-US" sz="1200">
               <a:latin typeface="Calibri" pitchFamily="34" charset="0"/>
@@ -1660,7 +1673,7 @@
                 <a:cs typeface="Calibri" pitchFamily="34" charset="0"/>
               </a:rPr>
               <a:pPr algn="r"/>
-              <a:t>17</a:t>
+              <a:t>18</a:t>
             </a:fld>
             <a:endParaRPr lang="zh-CN" altLang="en-US" sz="1200">
               <a:latin typeface="Calibri" pitchFamily="34" charset="0"/>
@@ -1775,7 +1788,7 @@
                 <a:cs typeface="Calibri" pitchFamily="34" charset="0"/>
               </a:rPr>
               <a:pPr algn="r"/>
-              <a:t>18</a:t>
+              <a:t>19</a:t>
             </a:fld>
             <a:endParaRPr lang="zh-CN" altLang="en-US" sz="1200">
               <a:latin typeface="Calibri" pitchFamily="34" charset="0"/>
@@ -1890,7 +1903,7 @@
                 <a:cs typeface="Calibri" pitchFamily="34" charset="0"/>
               </a:rPr>
               <a:pPr algn="r"/>
-              <a:t>19</a:t>
+              <a:t>20</a:t>
             </a:fld>
             <a:endParaRPr lang="zh-CN" altLang="en-US" sz="1200">
               <a:latin typeface="Calibri" pitchFamily="34" charset="0"/>
@@ -2005,7 +2018,7 @@
                 <a:cs typeface="Calibri" pitchFamily="34" charset="0"/>
               </a:rPr>
               <a:pPr algn="r"/>
-              <a:t>3</a:t>
+              <a:t>4</a:t>
             </a:fld>
             <a:endParaRPr lang="zh-CN" altLang="en-US" sz="1200">
               <a:latin typeface="Calibri" pitchFamily="34" charset="0"/>
@@ -2120,7 +2133,7 @@
                 <a:cs typeface="Calibri" pitchFamily="34" charset="0"/>
               </a:rPr>
               <a:pPr algn="r"/>
-              <a:t>4</a:t>
+              <a:t>5</a:t>
             </a:fld>
             <a:endParaRPr lang="zh-CN" altLang="en-US" sz="1200">
               <a:latin typeface="Calibri" pitchFamily="34" charset="0"/>
@@ -2235,7 +2248,7 @@
                 <a:cs typeface="Calibri" pitchFamily="34" charset="0"/>
               </a:rPr>
               <a:pPr algn="r"/>
-              <a:t>5</a:t>
+              <a:t>6</a:t>
             </a:fld>
             <a:endParaRPr lang="zh-CN" altLang="en-US" sz="1200">
               <a:latin typeface="Calibri" pitchFamily="34" charset="0"/>
@@ -2350,7 +2363,7 @@
                 <a:cs typeface="Calibri" pitchFamily="34" charset="0"/>
               </a:rPr>
               <a:pPr algn="r"/>
-              <a:t>6</a:t>
+              <a:t>7</a:t>
             </a:fld>
             <a:endParaRPr lang="zh-CN" altLang="en-US" sz="1200">
               <a:latin typeface="Calibri" pitchFamily="34" charset="0"/>
@@ -2465,7 +2478,7 @@
                 <a:cs typeface="Calibri" pitchFamily="34" charset="0"/>
               </a:rPr>
               <a:pPr algn="r"/>
-              <a:t>7</a:t>
+              <a:t>8</a:t>
             </a:fld>
             <a:endParaRPr lang="zh-CN" altLang="en-US" sz="1200">
               <a:latin typeface="Calibri" pitchFamily="34" charset="0"/>
@@ -2580,7 +2593,7 @@
                 <a:cs typeface="Calibri" pitchFamily="34" charset="0"/>
               </a:rPr>
               <a:pPr algn="r"/>
-              <a:t>8</a:t>
+              <a:t>9</a:t>
             </a:fld>
             <a:endParaRPr lang="zh-CN" altLang="en-US" sz="1200">
               <a:latin typeface="Calibri" pitchFamily="34" charset="0"/>
@@ -2695,7 +2708,7 @@
                 <a:cs typeface="Calibri" pitchFamily="34" charset="0"/>
               </a:rPr>
               <a:pPr algn="r"/>
-              <a:t>9</a:t>
+              <a:t>10</a:t>
             </a:fld>
             <a:endParaRPr lang="zh-CN" altLang="en-US" sz="1200">
               <a:latin typeface="Calibri" pitchFamily="34" charset="0"/>
@@ -2810,7 +2823,7 @@
                 <a:cs typeface="Calibri" pitchFamily="34" charset="0"/>
               </a:rPr>
               <a:pPr algn="r"/>
-              <a:t>10</a:t>
+              <a:t>11</a:t>
             </a:fld>
             <a:endParaRPr lang="zh-CN" altLang="en-US" sz="1200">
               <a:latin typeface="Calibri" pitchFamily="34" charset="0"/>
@@ -2959,7 +2972,7 @@
             <a:fld id="{72514870-5082-4025-BC8A-5E070B8EB77D}" type="datetimeFigureOut">
               <a:rPr lang="zh-CN" altLang="en-US" smtClean="0"/>
               <a:pPr/>
-              <a:t>2019/2/13</a:t>
+              <a:t>2019/3/12</a:t>
             </a:fld>
             <a:endParaRPr lang="zh-CN" altLang="en-US"/>
           </a:p>
@@ -3129,7 +3142,7 @@
             <a:fld id="{72514870-5082-4025-BC8A-5E070B8EB77D}" type="datetimeFigureOut">
               <a:rPr lang="zh-CN" altLang="en-US" smtClean="0"/>
               <a:pPr/>
-              <a:t>2019/2/13</a:t>
+              <a:t>2019/3/12</a:t>
             </a:fld>
             <a:endParaRPr lang="zh-CN" altLang="en-US"/>
           </a:p>
@@ -3309,7 +3322,7 @@
             <a:fld id="{72514870-5082-4025-BC8A-5E070B8EB77D}" type="datetimeFigureOut">
               <a:rPr lang="zh-CN" altLang="en-US" smtClean="0"/>
               <a:pPr/>
-              <a:t>2019/2/13</a:t>
+              <a:t>2019/3/12</a:t>
             </a:fld>
             <a:endParaRPr lang="zh-CN" altLang="en-US"/>
           </a:p>
@@ -3497,7 +3510,7 @@
             <a:fld id="{72514870-5082-4025-BC8A-5E070B8EB77D}" type="datetimeFigureOut">
               <a:rPr lang="zh-CN" altLang="en-US" smtClean="0"/>
               <a:pPr/>
-              <a:t>2019/2/13</a:t>
+              <a:t>2019/3/12</a:t>
             </a:fld>
             <a:endParaRPr lang="zh-CN" altLang="en-US"/>
           </a:p>
@@ -3667,7 +3680,7 @@
             <a:fld id="{72514870-5082-4025-BC8A-5E070B8EB77D}" type="datetimeFigureOut">
               <a:rPr lang="zh-CN" altLang="en-US" smtClean="0"/>
               <a:pPr/>
-              <a:t>2019/2/13</a:t>
+              <a:t>2019/3/12</a:t>
             </a:fld>
             <a:endParaRPr lang="zh-CN" altLang="en-US"/>
           </a:p>
@@ -3860,7 +3873,7 @@
             <a:fld id="{72514870-5082-4025-BC8A-5E070B8EB77D}" type="datetimeFigureOut">
               <a:rPr lang="zh-CN" altLang="en-US" smtClean="0"/>
               <a:pPr/>
-              <a:t>2019/2/13</a:t>
+              <a:t>2019/3/12</a:t>
             </a:fld>
             <a:endParaRPr lang="zh-CN" altLang="en-US"/>
           </a:p>
@@ -4147,7 +4160,7 @@
             <a:fld id="{72514870-5082-4025-BC8A-5E070B8EB77D}" type="datetimeFigureOut">
               <a:rPr lang="zh-CN" altLang="en-US" smtClean="0"/>
               <a:pPr/>
-              <a:t>2019/2/13</a:t>
+              <a:t>2019/3/12</a:t>
             </a:fld>
             <a:endParaRPr lang="zh-CN" altLang="en-US"/>
           </a:p>
@@ -4568,7 +4581,7 @@
             <a:fld id="{72514870-5082-4025-BC8A-5E070B8EB77D}" type="datetimeFigureOut">
               <a:rPr lang="zh-CN" altLang="en-US" smtClean="0"/>
               <a:pPr/>
-              <a:t>2019/2/13</a:t>
+              <a:t>2019/3/12</a:t>
             </a:fld>
             <a:endParaRPr lang="zh-CN" altLang="en-US"/>
           </a:p>
@@ -4687,7 +4700,7 @@
             <a:fld id="{72514870-5082-4025-BC8A-5E070B8EB77D}" type="datetimeFigureOut">
               <a:rPr lang="zh-CN" altLang="en-US" smtClean="0"/>
               <a:pPr/>
-              <a:t>2019/2/13</a:t>
+              <a:t>2019/3/12</a:t>
             </a:fld>
             <a:endParaRPr lang="zh-CN" altLang="en-US"/>
           </a:p>
@@ -4784,7 +4797,7 @@
             <a:fld id="{72514870-5082-4025-BC8A-5E070B8EB77D}" type="datetimeFigureOut">
               <a:rPr lang="zh-CN" altLang="en-US" smtClean="0"/>
               <a:pPr/>
-              <a:t>2019/2/13</a:t>
+              <a:t>2019/3/12</a:t>
             </a:fld>
             <a:endParaRPr lang="zh-CN" altLang="en-US"/>
           </a:p>
@@ -5097,7 +5110,7 @@
             <a:fld id="{72514870-5082-4025-BC8A-5E070B8EB77D}" type="datetimeFigureOut">
               <a:rPr lang="zh-CN" altLang="en-US" smtClean="0"/>
               <a:pPr/>
-              <a:t>2019/2/13</a:t>
+              <a:t>2019/3/12</a:t>
             </a:fld>
             <a:endParaRPr lang="zh-CN" altLang="en-US"/>
           </a:p>
@@ -5267,7 +5280,7 @@
             <a:fld id="{72514870-5082-4025-BC8A-5E070B8EB77D}" type="datetimeFigureOut">
               <a:rPr lang="zh-CN" altLang="en-US" smtClean="0"/>
               <a:pPr/>
-              <a:t>2019/2/13</a:t>
+              <a:t>2019/3/12</a:t>
             </a:fld>
             <a:endParaRPr lang="zh-CN" altLang="en-US"/>
           </a:p>
@@ -5521,7 +5534,7 @@
             <a:fld id="{72514870-5082-4025-BC8A-5E070B8EB77D}" type="datetimeFigureOut">
               <a:rPr lang="zh-CN" altLang="en-US" smtClean="0"/>
               <a:pPr/>
-              <a:t>2019/2/13</a:t>
+              <a:t>2019/3/12</a:t>
             </a:fld>
             <a:endParaRPr lang="zh-CN" altLang="en-US"/>
           </a:p>
@@ -5691,7 +5704,7 @@
             <a:fld id="{72514870-5082-4025-BC8A-5E070B8EB77D}" type="datetimeFigureOut">
               <a:rPr lang="zh-CN" altLang="en-US" smtClean="0"/>
               <a:pPr/>
-              <a:t>2019/2/13</a:t>
+              <a:t>2019/3/12</a:t>
             </a:fld>
             <a:endParaRPr lang="zh-CN" altLang="en-US"/>
           </a:p>
@@ -5871,7 +5884,7 @@
             <a:fld id="{72514870-5082-4025-BC8A-5E070B8EB77D}" type="datetimeFigureOut">
               <a:rPr lang="zh-CN" altLang="en-US" smtClean="0"/>
               <a:pPr/>
-              <a:t>2019/2/13</a:t>
+              <a:t>2019/3/12</a:t>
             </a:fld>
             <a:endParaRPr lang="zh-CN" altLang="en-US"/>
           </a:p>
@@ -6064,7 +6077,7 @@
             <a:fld id="{72514870-5082-4025-BC8A-5E070B8EB77D}" type="datetimeFigureOut">
               <a:rPr lang="zh-CN" altLang="en-US" smtClean="0"/>
               <a:pPr/>
-              <a:t>2019/2/13</a:t>
+              <a:t>2019/3/12</a:t>
             </a:fld>
             <a:endParaRPr lang="zh-CN" altLang="en-US"/>
           </a:p>
@@ -6351,7 +6364,7 @@
             <a:fld id="{72514870-5082-4025-BC8A-5E070B8EB77D}" type="datetimeFigureOut">
               <a:rPr lang="zh-CN" altLang="en-US" smtClean="0"/>
               <a:pPr/>
-              <a:t>2019/2/13</a:t>
+              <a:t>2019/3/12</a:t>
             </a:fld>
             <a:endParaRPr lang="zh-CN" altLang="en-US"/>
           </a:p>
@@ -6772,7 +6785,7 @@
             <a:fld id="{72514870-5082-4025-BC8A-5E070B8EB77D}" type="datetimeFigureOut">
               <a:rPr lang="zh-CN" altLang="en-US" smtClean="0"/>
               <a:pPr/>
-              <a:t>2019/2/13</a:t>
+              <a:t>2019/3/12</a:t>
             </a:fld>
             <a:endParaRPr lang="zh-CN" altLang="en-US"/>
           </a:p>
@@ -6891,7 +6904,7 @@
             <a:fld id="{72514870-5082-4025-BC8A-5E070B8EB77D}" type="datetimeFigureOut">
               <a:rPr lang="zh-CN" altLang="en-US" smtClean="0"/>
               <a:pPr/>
-              <a:t>2019/2/13</a:t>
+              <a:t>2019/3/12</a:t>
             </a:fld>
             <a:endParaRPr lang="zh-CN" altLang="en-US"/>
           </a:p>
@@ -6988,7 +7001,7 @@
             <a:fld id="{72514870-5082-4025-BC8A-5E070B8EB77D}" type="datetimeFigureOut">
               <a:rPr lang="zh-CN" altLang="en-US" smtClean="0"/>
               <a:pPr/>
-              <a:t>2019/2/13</a:t>
+              <a:t>2019/3/12</a:t>
             </a:fld>
             <a:endParaRPr lang="zh-CN" altLang="en-US"/>
           </a:p>
@@ -7265,7 +7278,7 @@
             <a:fld id="{72514870-5082-4025-BC8A-5E070B8EB77D}" type="datetimeFigureOut">
               <a:rPr lang="zh-CN" altLang="en-US" smtClean="0"/>
               <a:pPr/>
-              <a:t>2019/2/13</a:t>
+              <a:t>2019/3/12</a:t>
             </a:fld>
             <a:endParaRPr lang="zh-CN" altLang="en-US"/>
           </a:p>
@@ -7519,7 +7532,7 @@
             <a:fld id="{72514870-5082-4025-BC8A-5E070B8EB77D}" type="datetimeFigureOut">
               <a:rPr lang="zh-CN" altLang="en-US" smtClean="0"/>
               <a:pPr/>
-              <a:t>2019/2/13</a:t>
+              <a:t>2019/3/12</a:t>
             </a:fld>
             <a:endParaRPr lang="zh-CN" altLang="en-US"/>
           </a:p>
@@ -8488,8 +8501,8 @@
         </p:nvSpPr>
         <p:spPr>
           <a:xfrm>
-            <a:off x="3325503" y="627534"/>
-            <a:ext cx="2492990" cy="553998"/>
+            <a:off x="2958413" y="333687"/>
+            <a:ext cx="3416320" cy="553998"/>
           </a:xfrm>
           <a:prstGeom prst="rect">
             <a:avLst/>
@@ -8511,6 +8524,30 @@
           <a:lstStyle/>
           <a:p>
             <a:r>
+              <a:rPr lang="en-US" altLang="zh-CN" sz="3000" b="1" kern="0" dirty="0" err="1">
+                <a:solidFill>
+                  <a:srgbClr val="C9394A"/>
+                </a:solidFill>
+                <a:latin typeface="微软雅黑" charset="0"/>
+                <a:ea typeface="微软雅黑" charset="0"/>
+                <a:cs typeface="微软雅黑" charset="0"/>
+                <a:sym typeface="Calibri" pitchFamily="34" charset="0"/>
+              </a:rPr>
+              <a:t>github</a:t>
+            </a:r>
+            <a:r>
+              <a:rPr lang="en-US" altLang="zh-CN" sz="3000" b="1" kern="0" dirty="0">
+                <a:solidFill>
+                  <a:srgbClr val="C9394A"/>
+                </a:solidFill>
+                <a:latin typeface="微软雅黑" charset="0"/>
+                <a:ea typeface="微软雅黑" charset="0"/>
+                <a:cs typeface="微软雅黑" charset="0"/>
+                <a:sym typeface="Calibri" pitchFamily="34" charset="0"/>
+              </a:rPr>
+              <a:t>-https</a:t>
+            </a:r>
+            <a:r>
               <a:rPr lang="zh-CN" altLang="en-US" sz="3000" b="1" kern="0" dirty="0">
                 <a:solidFill>
                   <a:srgbClr val="C9394A"/>
@@ -8520,7 +8557,7 @@
                 <a:cs typeface="微软雅黑" charset="0"/>
                 <a:sym typeface="Calibri" pitchFamily="34" charset="0"/>
               </a:rPr>
-              <a:t>添加远程仓库</a:t>
+              <a:t>协议</a:t>
             </a:r>
             <a:endParaRPr lang="zh-CN" altLang="en-US" u="none" strike="noStrike" kern="1200" cap="none" spc="0" baseline="0" dirty="0">
               <a:solidFill>
@@ -8533,6 +8570,36 @@
           </a:p>
         </p:txBody>
       </p:sp>
+      <p:pic>
+        <p:nvPicPr>
+          <p:cNvPr id="2" name="图片 1">
+            <a:extLst>
+              <a:ext uri="{FF2B5EF4-FFF2-40B4-BE49-F238E27FC236}">
+                <a16:creationId xmlns:a16="http://schemas.microsoft.com/office/drawing/2014/main" id="{A83DFD1D-604A-4CC1-86FA-039AD96AB95A}"/>
+              </a:ext>
+            </a:extLst>
+          </p:cNvPr>
+          <p:cNvPicPr>
+            <a:picLocks noChangeAspect="1"/>
+          </p:cNvPicPr>
+          <p:nvPr/>
+        </p:nvPicPr>
+        <p:blipFill>
+          <a:blip r:embed="rId3"/>
+          <a:stretch>
+            <a:fillRect/>
+          </a:stretch>
+        </p:blipFill>
+        <p:spPr>
+          <a:xfrm>
+            <a:off x="3131837" y="1779662"/>
+            <a:ext cx="2880320" cy="3031348"/>
+          </a:xfrm>
+          <a:prstGeom prst="rect">
+            <a:avLst/>
+          </a:prstGeom>
+        </p:spPr>
+      </p:pic>
       <p:sp>
         <p:nvSpPr>
           <p:cNvPr id="8" name="矩形">
@@ -8549,8 +8616,8 @@
         </p:nvSpPr>
         <p:spPr>
           <a:xfrm>
-            <a:off x="289358" y="1707654"/>
-            <a:ext cx="8565279" cy="1323439"/>
+            <a:off x="289355" y="1154850"/>
+            <a:ext cx="8565279" cy="400110"/>
           </a:xfrm>
           <a:prstGeom prst="rect">
             <a:avLst/>
@@ -8576,7 +8643,7 @@
               <a:buChar char="u"/>
             </a:pPr>
             <a:r>
-              <a:rPr lang="en-US" altLang="zh-CN" sz="2000" dirty="0">
+              <a:rPr lang="en-US" altLang="zh-CN" sz="2000" u="none" strike="noStrike" kern="1200" cap="none" spc="0" baseline="0" dirty="0">
                 <a:solidFill>
                   <a:srgbClr val="212121"/>
                 </a:solidFill>
@@ -8585,10 +8652,10 @@
                 <a:cs typeface="微软雅黑" charset="0"/>
                 <a:sym typeface="Calibri" pitchFamily="34" charset="0"/>
               </a:rPr>
-              <a:t>git remote add origin  </a:t>
-            </a:r>
-            <a:r>
-              <a:rPr lang="zh-CN" altLang="en-US" sz="2000" dirty="0">
+              <a:t>https</a:t>
+            </a:r>
+            <a:r>
+              <a:rPr lang="zh-CN" altLang="en-US" sz="2000" u="none" strike="noStrike" kern="1200" cap="none" spc="0" baseline="0" dirty="0">
                 <a:solidFill>
                   <a:srgbClr val="212121"/>
                 </a:solidFill>
@@ -8597,106 +8664,15 @@
                 <a:cs typeface="微软雅黑" charset="0"/>
                 <a:sym typeface="Calibri" pitchFamily="34" charset="0"/>
               </a:rPr>
-              <a:t>仓库的地址     （</a:t>
-            </a:r>
-            <a:r>
-              <a:rPr lang="zh-CN" altLang="en-US" sz="2000" dirty="0">
-                <a:latin typeface="微软雅黑" panose="020B0503020204020204" pitchFamily="34" charset="-122"/>
-                <a:ea typeface="微软雅黑" panose="020B0503020204020204" pitchFamily="34" charset="-122"/>
-              </a:rPr>
-              <a:t>添加远程仓库地址</a:t>
-            </a:r>
-            <a:r>
-              <a:rPr lang="zh-CN" altLang="en-US" sz="2000" dirty="0">
-                <a:solidFill>
-                  <a:srgbClr val="212121"/>
-                </a:solidFill>
-                <a:latin typeface="微软雅黑" charset="0"/>
-                <a:ea typeface="微软雅黑" charset="0"/>
-                <a:cs typeface="微软雅黑" charset="0"/>
-                <a:sym typeface="Calibri" pitchFamily="34" charset="0"/>
-              </a:rPr>
-              <a:t>）</a:t>
-            </a:r>
-            <a:endParaRPr lang="en-US" altLang="zh-CN" sz="2000" dirty="0">
-              <a:solidFill>
-                <a:srgbClr val="212121"/>
-              </a:solidFill>
-              <a:latin typeface="微软雅黑" panose="020B0503020204020204" pitchFamily="34" charset="-122"/>
-              <a:ea typeface="微软雅黑" panose="020B0503020204020204" pitchFamily="34" charset="-122"/>
-              <a:cs typeface="微软雅黑" charset="0"/>
-              <a:sym typeface="Calibri" pitchFamily="34" charset="0"/>
-            </a:endParaRPr>
-          </a:p>
-          <a:p>
-            <a:pPr lvl="1"/>
-            <a:endParaRPr lang="en-US" altLang="zh-CN" sz="2000" dirty="0">
-              <a:solidFill>
-                <a:srgbClr val="212121"/>
-              </a:solidFill>
-              <a:latin typeface="微软雅黑" charset="0"/>
-              <a:ea typeface="微软雅黑" charset="0"/>
-              <a:cs typeface="微软雅黑" charset="0"/>
-              <a:sym typeface="Calibri" pitchFamily="34" charset="0"/>
-            </a:endParaRPr>
-          </a:p>
-          <a:p>
-            <a:pPr marL="800100" lvl="1" indent="-342900">
-              <a:buFont typeface="Wingdings" panose="05000000000000000000" pitchFamily="2" charset="2"/>
-              <a:buChar char="u"/>
-            </a:pPr>
-            <a:r>
-              <a:rPr lang="en-US" altLang="zh-CN" sz="2000" dirty="0">
-                <a:solidFill>
-                  <a:srgbClr val="212121"/>
-                </a:solidFill>
-                <a:latin typeface="微软雅黑" charset="0"/>
-                <a:ea typeface="微软雅黑" charset="0"/>
-                <a:cs typeface="微软雅黑" charset="0"/>
-                <a:sym typeface="Calibri" pitchFamily="34" charset="0"/>
-              </a:rPr>
-              <a:t>git remote –v    </a:t>
-            </a:r>
-            <a:r>
-              <a:rPr lang="zh-CN" altLang="en-US" sz="2000" dirty="0">
-                <a:solidFill>
-                  <a:srgbClr val="212121"/>
-                </a:solidFill>
-                <a:latin typeface="微软雅黑" charset="0"/>
-                <a:ea typeface="微软雅黑" charset="0"/>
-                <a:cs typeface="微软雅黑" charset="0"/>
-                <a:sym typeface="Calibri" pitchFamily="34" charset="0"/>
-              </a:rPr>
-              <a:t>（查看关联的远程仓库）</a:t>
-            </a:r>
-            <a:endParaRPr lang="en-US" altLang="zh-CN" sz="2000" dirty="0">
-              <a:solidFill>
-                <a:srgbClr val="212121"/>
-              </a:solidFill>
-              <a:latin typeface="微软雅黑" charset="0"/>
-              <a:ea typeface="微软雅黑" charset="0"/>
-              <a:cs typeface="微软雅黑" charset="0"/>
-              <a:sym typeface="Calibri" pitchFamily="34" charset="0"/>
-            </a:endParaRPr>
-          </a:p>
-          <a:p>
-            <a:pPr lvl="1"/>
-            <a:endParaRPr lang="en-US" altLang="zh-CN" sz="2000" dirty="0">
-              <a:solidFill>
-                <a:srgbClr val="212121"/>
-              </a:solidFill>
-              <a:latin typeface="微软雅黑" charset="0"/>
-              <a:ea typeface="微软雅黑" charset="0"/>
-              <a:cs typeface="微软雅黑" charset="0"/>
-              <a:sym typeface="Calibri" pitchFamily="34" charset="0"/>
-            </a:endParaRPr>
+              <a:t>协议提交代码时需要用户名和密码</a:t>
+            </a:r>
           </a:p>
         </p:txBody>
       </p:sp>
     </p:spTree>
     <p:extLst>
       <p:ext uri="{BB962C8B-B14F-4D97-AF65-F5344CB8AC3E}">
-        <p14:creationId xmlns:p14="http://schemas.microsoft.com/office/powerpoint/2010/main" val="2078395659"/>
+        <p14:creationId xmlns:p14="http://schemas.microsoft.com/office/powerpoint/2010/main" val="3804456719"/>
       </p:ext>
     </p:extLst>
   </p:cSld>
@@ -8857,8 +8833,8 @@
         </p:nvSpPr>
         <p:spPr>
           <a:xfrm>
-            <a:off x="3325505" y="483518"/>
-            <a:ext cx="2492990" cy="553998"/>
+            <a:off x="2628071" y="339502"/>
+            <a:ext cx="4031873" cy="553998"/>
           </a:xfrm>
           <a:prstGeom prst="rect">
             <a:avLst/>
@@ -8889,7 +8865,7 @@
                 <a:cs typeface="微软雅黑" charset="0"/>
                 <a:sym typeface="Calibri" pitchFamily="34" charset="0"/>
               </a:rPr>
-              <a:t>克隆远程仓库</a:t>
+              <a:t>本地项目推送远程仓库</a:t>
             </a:r>
             <a:endParaRPr lang="zh-CN" altLang="en-US" u="none" strike="noStrike" kern="1200" cap="none" spc="0" baseline="0" dirty="0">
               <a:solidFill>
@@ -8918,8 +8894,8 @@
         </p:nvSpPr>
         <p:spPr>
           <a:xfrm>
-            <a:off x="395536" y="1635646"/>
-            <a:ext cx="8565279" cy="2523768"/>
+            <a:off x="395536" y="742296"/>
+            <a:ext cx="8352928" cy="4708981"/>
           </a:xfrm>
           <a:prstGeom prst="rect">
             <a:avLst/>
@@ -8940,166 +8916,6 @@
           </a:bodyPr>
           <a:lstStyle/>
           <a:p>
-            <a:pPr marL="800100" lvl="1" indent="-342900">
-              <a:buFont typeface="Wingdings" panose="05000000000000000000" pitchFamily="2" charset="2"/>
-              <a:buChar char="u"/>
-            </a:pPr>
-            <a:r>
-              <a:rPr lang="en-US" altLang="zh-CN" sz="2000" dirty="0">
-                <a:solidFill>
-                  <a:srgbClr val="212121"/>
-                </a:solidFill>
-                <a:latin typeface="微软雅黑" panose="020B0503020204020204" pitchFamily="34" charset="-122"/>
-                <a:ea typeface="微软雅黑" panose="020B0503020204020204" pitchFamily="34" charset="-122"/>
-                <a:cs typeface="微软雅黑" charset="0"/>
-                <a:sym typeface="Calibri" pitchFamily="34" charset="0"/>
-              </a:rPr>
-              <a:t>git clone  </a:t>
-            </a:r>
-            <a:r>
-              <a:rPr lang="zh-CN" altLang="en-US" sz="2000" dirty="0">
-                <a:solidFill>
-                  <a:srgbClr val="212121"/>
-                </a:solidFill>
-                <a:latin typeface="微软雅黑" panose="020B0503020204020204" pitchFamily="34" charset="-122"/>
-                <a:ea typeface="微软雅黑" panose="020B0503020204020204" pitchFamily="34" charset="-122"/>
-                <a:cs typeface="微软雅黑" charset="0"/>
-                <a:sym typeface="Calibri" pitchFamily="34" charset="0"/>
-              </a:rPr>
-              <a:t>仓库的地址 </a:t>
-            </a:r>
-            <a:endParaRPr lang="en-US" altLang="zh-CN" sz="2000" dirty="0">
-              <a:solidFill>
-                <a:srgbClr val="212121"/>
-              </a:solidFill>
-              <a:latin typeface="微软雅黑" panose="020B0503020204020204" pitchFamily="34" charset="-122"/>
-              <a:ea typeface="微软雅黑" panose="020B0503020204020204" pitchFamily="34" charset="-122"/>
-              <a:cs typeface="微软雅黑" charset="0"/>
-              <a:sym typeface="Calibri" pitchFamily="34" charset="0"/>
-            </a:endParaRPr>
-          </a:p>
-          <a:p>
-            <a:pPr lvl="1"/>
-            <a:endParaRPr lang="en-US" altLang="zh-CN" sz="2000" dirty="0">
-              <a:solidFill>
-                <a:srgbClr val="212121"/>
-              </a:solidFill>
-              <a:latin typeface="微软雅黑" panose="020B0503020204020204" pitchFamily="34" charset="-122"/>
-              <a:ea typeface="微软雅黑" panose="020B0503020204020204" pitchFamily="34" charset="-122"/>
-              <a:cs typeface="微软雅黑" charset="0"/>
-              <a:sym typeface="Calibri" pitchFamily="34" charset="0"/>
-            </a:endParaRPr>
-          </a:p>
-          <a:p>
-            <a:pPr marL="800100" lvl="1" indent="-342900">
-              <a:buFont typeface="Wingdings" panose="05000000000000000000" pitchFamily="2" charset="2"/>
-              <a:buChar char="u"/>
-            </a:pPr>
-            <a:r>
-              <a:rPr lang="en-US" altLang="zh-CN" sz="2000" dirty="0">
-                <a:solidFill>
-                  <a:srgbClr val="212121"/>
-                </a:solidFill>
-                <a:latin typeface="微软雅黑" panose="020B0503020204020204" pitchFamily="34" charset="-122"/>
-                <a:ea typeface="微软雅黑" panose="020B0503020204020204" pitchFamily="34" charset="-122"/>
-                <a:cs typeface="微软雅黑" charset="0"/>
-                <a:sym typeface="Calibri" pitchFamily="34" charset="0"/>
-              </a:rPr>
-              <a:t>git pull origin master  </a:t>
-            </a:r>
-            <a:r>
-              <a:rPr lang="en-US" altLang="zh-CN" sz="2000" dirty="0">
-                <a:solidFill>
-                  <a:srgbClr val="FF0000"/>
-                </a:solidFill>
-                <a:latin typeface="微软雅黑" panose="020B0503020204020204" pitchFamily="34" charset="-122"/>
-                <a:ea typeface="微软雅黑" panose="020B0503020204020204" pitchFamily="34" charset="-122"/>
-                <a:cs typeface="微软雅黑" charset="0"/>
-                <a:sym typeface="Calibri" pitchFamily="34" charset="0"/>
-              </a:rPr>
-              <a:t>--allow-unrelated-histories </a:t>
-            </a:r>
-            <a:r>
-              <a:rPr lang="zh-CN" altLang="en-US" dirty="0">
-                <a:latin typeface="微软雅黑" panose="020B0503020204020204" pitchFamily="34" charset="-122"/>
-                <a:ea typeface="微软雅黑" panose="020B0503020204020204" pitchFamily="34" charset="-122"/>
-              </a:rPr>
-              <a:t>远程代码拉取到本地工作区（自动合并） </a:t>
-            </a:r>
-            <a:endParaRPr lang="en-US" altLang="zh-CN" sz="2000" dirty="0">
-              <a:solidFill>
-                <a:srgbClr val="FF0000"/>
-              </a:solidFill>
-              <a:latin typeface="微软雅黑" panose="020B0503020204020204" pitchFamily="34" charset="-122"/>
-              <a:ea typeface="微软雅黑" panose="020B0503020204020204" pitchFamily="34" charset="-122"/>
-              <a:cs typeface="微软雅黑" charset="0"/>
-              <a:sym typeface="Calibri" pitchFamily="34" charset="0"/>
-            </a:endParaRPr>
-          </a:p>
-          <a:p>
-            <a:pPr lvl="1"/>
-            <a:endParaRPr lang="en-US" altLang="zh-CN" sz="2000" dirty="0">
-              <a:solidFill>
-                <a:srgbClr val="FF0000"/>
-              </a:solidFill>
-              <a:latin typeface="微软雅黑" charset="0"/>
-              <a:ea typeface="微软雅黑" charset="0"/>
-              <a:cs typeface="微软雅黑" charset="0"/>
-              <a:sym typeface="Calibri" pitchFamily="34" charset="0"/>
-            </a:endParaRPr>
-          </a:p>
-          <a:p>
-            <a:pPr marL="800100" lvl="1" indent="-342900">
-              <a:buFont typeface="Wingdings" panose="05000000000000000000" pitchFamily="2" charset="2"/>
-              <a:buChar char="u"/>
-            </a:pPr>
-            <a:r>
-              <a:rPr lang="en-US" altLang="zh-CN" sz="2000" dirty="0">
-                <a:solidFill>
-                  <a:srgbClr val="212121"/>
-                </a:solidFill>
-                <a:latin typeface="微软雅黑" charset="0"/>
-                <a:ea typeface="微软雅黑" charset="0"/>
-                <a:cs typeface="微软雅黑" charset="0"/>
-                <a:sym typeface="Calibri" pitchFamily="34" charset="0"/>
-              </a:rPr>
-              <a:t>git push –u origin master   </a:t>
-            </a:r>
-            <a:r>
-              <a:rPr lang="zh-CN" altLang="en-US" sz="2000" dirty="0">
-                <a:solidFill>
-                  <a:srgbClr val="212121"/>
-                </a:solidFill>
-                <a:latin typeface="微软雅黑" charset="0"/>
-                <a:ea typeface="微软雅黑" charset="0"/>
-                <a:cs typeface="微软雅黑" charset="0"/>
-                <a:sym typeface="Calibri" pitchFamily="34" charset="0"/>
-              </a:rPr>
-              <a:t>提交到远程仓库</a:t>
-            </a:r>
-            <a:endParaRPr lang="en-US" altLang="zh-CN" sz="2000" dirty="0">
-              <a:solidFill>
-                <a:srgbClr val="212121"/>
-              </a:solidFill>
-              <a:latin typeface="微软雅黑" charset="0"/>
-              <a:ea typeface="微软雅黑" charset="0"/>
-              <a:cs typeface="微软雅黑" charset="0"/>
-              <a:sym typeface="Calibri" pitchFamily="34" charset="0"/>
-            </a:endParaRPr>
-          </a:p>
-          <a:p>
-            <a:pPr lvl="1"/>
-            <a:endParaRPr lang="zh-CN" altLang="en-US" sz="2000" dirty="0">
-              <a:solidFill>
-                <a:srgbClr val="212121"/>
-              </a:solidFill>
-              <a:latin typeface="微软雅黑" charset="0"/>
-              <a:ea typeface="微软雅黑" charset="0"/>
-              <a:cs typeface="微软雅黑" charset="0"/>
-              <a:sym typeface="Calibri" pitchFamily="34" charset="0"/>
-            </a:endParaRPr>
-          </a:p>
-          <a:p>
             <a:pPr lvl="1"/>
             <a:endParaRPr lang="en-US" altLang="zh-CN" sz="2000" dirty="0">
               <a:solidFill>
@@ -9111,12 +8927,475 @@
               <a:sym typeface="Calibri" pitchFamily="34" charset="0"/>
             </a:endParaRPr>
           </a:p>
+          <a:p>
+            <a:pPr marL="800100" lvl="1" indent="-342900">
+              <a:buFont typeface="Wingdings" panose="05000000000000000000" pitchFamily="2" charset="2"/>
+              <a:buChar char="u"/>
+            </a:pPr>
+            <a:r>
+              <a:rPr lang="en-US" altLang="zh-CN" sz="2000" dirty="0">
+                <a:solidFill>
+                  <a:srgbClr val="212121"/>
+                </a:solidFill>
+                <a:latin typeface="微软雅黑" charset="0"/>
+                <a:ea typeface="微软雅黑" charset="0"/>
+                <a:cs typeface="微软雅黑" charset="0"/>
+                <a:sym typeface="Calibri" pitchFamily="34" charset="0"/>
+              </a:rPr>
+              <a:t>git </a:t>
+            </a:r>
+            <a:r>
+              <a:rPr lang="en-US" altLang="zh-CN" sz="2000" dirty="0" err="1">
+                <a:solidFill>
+                  <a:srgbClr val="212121"/>
+                </a:solidFill>
+                <a:latin typeface="微软雅黑" charset="0"/>
+                <a:ea typeface="微软雅黑" charset="0"/>
+                <a:cs typeface="微软雅黑" charset="0"/>
+                <a:sym typeface="Calibri" pitchFamily="34" charset="0"/>
+              </a:rPr>
+              <a:t>init</a:t>
+            </a:r>
+            <a:r>
+              <a:rPr lang="en-US" altLang="zh-CN" sz="2000" dirty="0">
+                <a:solidFill>
+                  <a:srgbClr val="212121"/>
+                </a:solidFill>
+                <a:latin typeface="微软雅黑" charset="0"/>
+                <a:ea typeface="微软雅黑" charset="0"/>
+                <a:cs typeface="微软雅黑" charset="0"/>
+                <a:sym typeface="Calibri" pitchFamily="34" charset="0"/>
+              </a:rPr>
+              <a:t>   </a:t>
+            </a:r>
+            <a:r>
+              <a:rPr lang="zh-CN" altLang="en-US" sz="2000" dirty="0">
+                <a:solidFill>
+                  <a:srgbClr val="212121"/>
+                </a:solidFill>
+                <a:latin typeface="微软雅黑" charset="0"/>
+                <a:ea typeface="微软雅黑" charset="0"/>
+                <a:cs typeface="微软雅黑" charset="0"/>
+                <a:sym typeface="Calibri" pitchFamily="34" charset="0"/>
+              </a:rPr>
+              <a:t>（初始化本地仓库）</a:t>
+            </a:r>
+            <a:endParaRPr lang="en-US" altLang="zh-CN" sz="2000" dirty="0">
+              <a:solidFill>
+                <a:srgbClr val="212121"/>
+              </a:solidFill>
+              <a:latin typeface="微软雅黑" charset="0"/>
+              <a:ea typeface="微软雅黑" charset="0"/>
+              <a:cs typeface="微软雅黑" charset="0"/>
+              <a:sym typeface="Calibri" pitchFamily="34" charset="0"/>
+            </a:endParaRPr>
+          </a:p>
+          <a:p>
+            <a:pPr marL="800100" lvl="1" indent="-342900">
+              <a:buFont typeface="Wingdings" panose="05000000000000000000" pitchFamily="2" charset="2"/>
+              <a:buChar char="u"/>
+            </a:pPr>
+            <a:endParaRPr lang="en-US" altLang="zh-CN" sz="2000" dirty="0">
+              <a:solidFill>
+                <a:srgbClr val="212121"/>
+              </a:solidFill>
+              <a:latin typeface="微软雅黑" charset="0"/>
+              <a:ea typeface="微软雅黑" charset="0"/>
+              <a:cs typeface="微软雅黑" charset="0"/>
+              <a:sym typeface="Calibri" pitchFamily="34" charset="0"/>
+            </a:endParaRPr>
+          </a:p>
+          <a:p>
+            <a:pPr marL="800100" lvl="1" indent="-342900">
+              <a:buFont typeface="Wingdings" panose="05000000000000000000" pitchFamily="2" charset="2"/>
+              <a:buChar char="u"/>
+            </a:pPr>
+            <a:r>
+              <a:rPr lang="en-US" altLang="zh-CN" sz="2000" dirty="0">
+                <a:solidFill>
+                  <a:srgbClr val="212121"/>
+                </a:solidFill>
+                <a:latin typeface="微软雅黑" charset="0"/>
+                <a:ea typeface="微软雅黑" charset="0"/>
+                <a:cs typeface="微软雅黑" charset="0"/>
+                <a:sym typeface="Calibri" pitchFamily="34" charset="0"/>
+              </a:rPr>
+              <a:t>git add .   </a:t>
+            </a:r>
+            <a:r>
+              <a:rPr lang="zh-CN" altLang="en-US" sz="2000" dirty="0">
+                <a:solidFill>
+                  <a:srgbClr val="212121"/>
+                </a:solidFill>
+                <a:latin typeface="微软雅黑" charset="0"/>
+                <a:ea typeface="微软雅黑" charset="0"/>
+                <a:cs typeface="微软雅黑" charset="0"/>
+                <a:sym typeface="Calibri" pitchFamily="34" charset="0"/>
+              </a:rPr>
+              <a:t>（工作区提交暂存区）</a:t>
+            </a:r>
+            <a:endParaRPr lang="en-US" altLang="zh-CN" sz="2000" dirty="0">
+              <a:solidFill>
+                <a:srgbClr val="212121"/>
+              </a:solidFill>
+              <a:latin typeface="微软雅黑" charset="0"/>
+              <a:ea typeface="微软雅黑" charset="0"/>
+              <a:cs typeface="微软雅黑" charset="0"/>
+              <a:sym typeface="Calibri" pitchFamily="34" charset="0"/>
+            </a:endParaRPr>
+          </a:p>
+          <a:p>
+            <a:pPr marL="800100" lvl="1" indent="-342900">
+              <a:buFont typeface="Wingdings" panose="05000000000000000000" pitchFamily="2" charset="2"/>
+              <a:buChar char="u"/>
+            </a:pPr>
+            <a:endParaRPr lang="en-US" altLang="zh-CN" sz="2000" dirty="0">
+              <a:solidFill>
+                <a:srgbClr val="212121"/>
+              </a:solidFill>
+              <a:latin typeface="微软雅黑" charset="0"/>
+              <a:ea typeface="微软雅黑" charset="0"/>
+              <a:cs typeface="微软雅黑" charset="0"/>
+              <a:sym typeface="Calibri" pitchFamily="34" charset="0"/>
+            </a:endParaRPr>
+          </a:p>
+          <a:p>
+            <a:pPr marL="800100" lvl="1" indent="-342900">
+              <a:buFont typeface="Wingdings" panose="05000000000000000000" pitchFamily="2" charset="2"/>
+              <a:buChar char="u"/>
+            </a:pPr>
+            <a:r>
+              <a:rPr lang="en-US" altLang="zh-CN" sz="2000" dirty="0">
+                <a:solidFill>
+                  <a:srgbClr val="212121"/>
+                </a:solidFill>
+                <a:latin typeface="微软雅黑" charset="0"/>
+                <a:ea typeface="微软雅黑" charset="0"/>
+                <a:cs typeface="微软雅黑" charset="0"/>
+                <a:sym typeface="Calibri" pitchFamily="34" charset="0"/>
+              </a:rPr>
+              <a:t>git commit –m “</a:t>
+            </a:r>
+            <a:r>
+              <a:rPr lang="zh-CN" altLang="en-US" sz="2000" dirty="0">
+                <a:solidFill>
+                  <a:srgbClr val="212121"/>
+                </a:solidFill>
+                <a:latin typeface="微软雅黑" charset="0"/>
+                <a:ea typeface="微软雅黑" charset="0"/>
+                <a:cs typeface="微软雅黑" charset="0"/>
+                <a:sym typeface="Calibri" pitchFamily="34" charset="0"/>
+              </a:rPr>
+              <a:t>描述</a:t>
+            </a:r>
+            <a:r>
+              <a:rPr lang="en-US" altLang="zh-CN" sz="2000" dirty="0">
+                <a:solidFill>
+                  <a:srgbClr val="212121"/>
+                </a:solidFill>
+                <a:latin typeface="微软雅黑" charset="0"/>
+                <a:ea typeface="微软雅黑" charset="0"/>
+                <a:cs typeface="微软雅黑" charset="0"/>
+                <a:sym typeface="Calibri" pitchFamily="34" charset="0"/>
+              </a:rPr>
+              <a:t>” </a:t>
+            </a:r>
+            <a:r>
+              <a:rPr lang="zh-CN" altLang="en-US" sz="2000" dirty="0">
+                <a:solidFill>
+                  <a:srgbClr val="212121"/>
+                </a:solidFill>
+                <a:latin typeface="微软雅黑" charset="0"/>
+                <a:ea typeface="微软雅黑" charset="0"/>
+                <a:cs typeface="微软雅黑" charset="0"/>
+                <a:sym typeface="Calibri" pitchFamily="34" charset="0"/>
+              </a:rPr>
+              <a:t>（提交仓库）</a:t>
+            </a:r>
+            <a:endParaRPr lang="en-US" altLang="zh-CN" sz="2000" dirty="0">
+              <a:solidFill>
+                <a:srgbClr val="212121"/>
+              </a:solidFill>
+              <a:latin typeface="微软雅黑" charset="0"/>
+              <a:ea typeface="微软雅黑" charset="0"/>
+              <a:cs typeface="微软雅黑" charset="0"/>
+              <a:sym typeface="Calibri" pitchFamily="34" charset="0"/>
+            </a:endParaRPr>
+          </a:p>
+          <a:p>
+            <a:pPr marL="800100" lvl="1" indent="-342900">
+              <a:buFont typeface="Wingdings" panose="05000000000000000000" pitchFamily="2" charset="2"/>
+              <a:buChar char="u"/>
+            </a:pPr>
+            <a:endParaRPr lang="en-US" altLang="zh-CN" sz="2000" dirty="0">
+              <a:solidFill>
+                <a:srgbClr val="212121"/>
+              </a:solidFill>
+              <a:latin typeface="微软雅黑" charset="0"/>
+              <a:ea typeface="微软雅黑" charset="0"/>
+              <a:cs typeface="微软雅黑" charset="0"/>
+              <a:sym typeface="Calibri" pitchFamily="34" charset="0"/>
+            </a:endParaRPr>
+          </a:p>
+          <a:p>
+            <a:pPr marL="800100" lvl="1" indent="-342900">
+              <a:buFont typeface="Wingdings" panose="05000000000000000000" pitchFamily="2" charset="2"/>
+              <a:buChar char="u"/>
+            </a:pPr>
+            <a:r>
+              <a:rPr lang="en-US" altLang="zh-CN" sz="2000" dirty="0">
+                <a:solidFill>
+                  <a:srgbClr val="212121"/>
+                </a:solidFill>
+                <a:latin typeface="微软雅黑" charset="0"/>
+                <a:ea typeface="微软雅黑" charset="0"/>
+                <a:cs typeface="微软雅黑" charset="0"/>
+                <a:sym typeface="Calibri" pitchFamily="34" charset="0"/>
+              </a:rPr>
+              <a:t>git remote add origin  </a:t>
+            </a:r>
+            <a:r>
+              <a:rPr lang="en-US" altLang="zh-CN" sz="2000" u="sng" dirty="0" err="1">
+                <a:solidFill>
+                  <a:srgbClr val="212121"/>
+                </a:solidFill>
+                <a:latin typeface="微软雅黑" charset="0"/>
+                <a:ea typeface="微软雅黑" charset="0"/>
+                <a:cs typeface="微软雅黑" charset="0"/>
+                <a:sym typeface="Calibri" pitchFamily="34" charset="0"/>
+              </a:rPr>
+              <a:t>github</a:t>
+            </a:r>
+            <a:r>
+              <a:rPr lang="zh-CN" altLang="en-US" sz="2000" u="sng" dirty="0">
+                <a:solidFill>
+                  <a:srgbClr val="212121"/>
+                </a:solidFill>
+                <a:latin typeface="微软雅黑" charset="0"/>
+                <a:ea typeface="微软雅黑" charset="0"/>
+                <a:cs typeface="微软雅黑" charset="0"/>
+                <a:sym typeface="Calibri" pitchFamily="34" charset="0"/>
+              </a:rPr>
+              <a:t>仓库的地址     </a:t>
+            </a:r>
+            <a:r>
+              <a:rPr lang="zh-CN" altLang="en-US" sz="2000" dirty="0">
+                <a:solidFill>
+                  <a:srgbClr val="212121"/>
+                </a:solidFill>
+                <a:latin typeface="微软雅黑" charset="0"/>
+                <a:ea typeface="微软雅黑" charset="0"/>
+                <a:cs typeface="微软雅黑" charset="0"/>
+                <a:sym typeface="Calibri" pitchFamily="34" charset="0"/>
+              </a:rPr>
+              <a:t>（</a:t>
+            </a:r>
+            <a:r>
+              <a:rPr lang="zh-CN" altLang="en-US" sz="2000" dirty="0">
+                <a:latin typeface="微软雅黑" panose="020B0503020204020204" pitchFamily="34" charset="-122"/>
+                <a:ea typeface="微软雅黑" panose="020B0503020204020204" pitchFamily="34" charset="-122"/>
+              </a:rPr>
+              <a:t>远程仓库地址</a:t>
+            </a:r>
+            <a:r>
+              <a:rPr lang="zh-CN" altLang="en-US" sz="2000" dirty="0">
+                <a:solidFill>
+                  <a:srgbClr val="212121"/>
+                </a:solidFill>
+                <a:latin typeface="微软雅黑" charset="0"/>
+                <a:ea typeface="微软雅黑" charset="0"/>
+                <a:cs typeface="微软雅黑" charset="0"/>
+                <a:sym typeface="Calibri" pitchFamily="34" charset="0"/>
+              </a:rPr>
+              <a:t>）</a:t>
+            </a:r>
+            <a:endParaRPr lang="en-US" altLang="zh-CN" sz="2000" dirty="0">
+              <a:solidFill>
+                <a:srgbClr val="212121"/>
+              </a:solidFill>
+              <a:latin typeface="微软雅黑" charset="0"/>
+              <a:ea typeface="微软雅黑" charset="0"/>
+              <a:cs typeface="微软雅黑" charset="0"/>
+              <a:sym typeface="Calibri" pitchFamily="34" charset="0"/>
+            </a:endParaRPr>
+          </a:p>
+          <a:p>
+            <a:pPr lvl="1"/>
+            <a:endParaRPr lang="en-US" altLang="zh-CN" sz="2000" dirty="0">
+              <a:solidFill>
+                <a:srgbClr val="212121"/>
+              </a:solidFill>
+              <a:latin typeface="微软雅黑" charset="0"/>
+              <a:ea typeface="微软雅黑" charset="0"/>
+              <a:cs typeface="微软雅黑" charset="0"/>
+              <a:sym typeface="Calibri" pitchFamily="34" charset="0"/>
+            </a:endParaRPr>
+          </a:p>
+          <a:p>
+            <a:pPr marL="800100" lvl="1" indent="-342900">
+              <a:buFont typeface="Wingdings" panose="05000000000000000000" pitchFamily="2" charset="2"/>
+              <a:buChar char="u"/>
+            </a:pPr>
+            <a:r>
+              <a:rPr lang="en-US" altLang="zh-CN" sz="2000" dirty="0">
+                <a:solidFill>
+                  <a:srgbClr val="212121"/>
+                </a:solidFill>
+                <a:latin typeface="微软雅黑" charset="0"/>
+                <a:ea typeface="微软雅黑" charset="0"/>
+                <a:cs typeface="微软雅黑" charset="0"/>
+                <a:sym typeface="Calibri" pitchFamily="34" charset="0"/>
+              </a:rPr>
+              <a:t>git remote –v    </a:t>
+            </a:r>
+            <a:r>
+              <a:rPr lang="zh-CN" altLang="en-US" sz="2000" dirty="0">
+                <a:solidFill>
+                  <a:srgbClr val="212121"/>
+                </a:solidFill>
+                <a:latin typeface="微软雅黑" charset="0"/>
+                <a:ea typeface="微软雅黑" charset="0"/>
+                <a:cs typeface="微软雅黑" charset="0"/>
+                <a:sym typeface="Calibri" pitchFamily="34" charset="0"/>
+              </a:rPr>
+              <a:t>（查看关联的远程仓库）</a:t>
+            </a:r>
+            <a:endParaRPr lang="en-US" altLang="zh-CN" sz="2000" dirty="0">
+              <a:solidFill>
+                <a:srgbClr val="212121"/>
+              </a:solidFill>
+              <a:latin typeface="微软雅黑" charset="0"/>
+              <a:ea typeface="微软雅黑" charset="0"/>
+              <a:cs typeface="微软雅黑" charset="0"/>
+              <a:sym typeface="Calibri" pitchFamily="34" charset="0"/>
+            </a:endParaRPr>
+          </a:p>
+          <a:p>
+            <a:pPr marL="800100" lvl="1" indent="-342900">
+              <a:buFont typeface="Wingdings" panose="05000000000000000000" pitchFamily="2" charset="2"/>
+              <a:buChar char="u"/>
+            </a:pPr>
+            <a:endParaRPr lang="en-US" altLang="zh-CN" sz="2000" dirty="0">
+              <a:solidFill>
+                <a:srgbClr val="212121"/>
+              </a:solidFill>
+              <a:latin typeface="微软雅黑" charset="0"/>
+              <a:ea typeface="微软雅黑" charset="0"/>
+              <a:cs typeface="微软雅黑" charset="0"/>
+              <a:sym typeface="Calibri" pitchFamily="34" charset="0"/>
+            </a:endParaRPr>
+          </a:p>
+          <a:p>
+            <a:pPr marL="800100" lvl="1" indent="-342900">
+              <a:buFont typeface="Wingdings" panose="05000000000000000000" pitchFamily="2" charset="2"/>
+              <a:buChar char="u"/>
+            </a:pPr>
+            <a:r>
+              <a:rPr lang="en-US" altLang="zh-CN" sz="2000" dirty="0">
+                <a:solidFill>
+                  <a:srgbClr val="212121"/>
+                </a:solidFill>
+                <a:latin typeface="微软雅黑" charset="0"/>
+                <a:ea typeface="微软雅黑" charset="0"/>
+                <a:cs typeface="微软雅黑" charset="0"/>
+                <a:sym typeface="Calibri" pitchFamily="34" charset="0"/>
+              </a:rPr>
+              <a:t>git push origin master  (</a:t>
+            </a:r>
+            <a:r>
+              <a:rPr lang="zh-CN" altLang="en-US" sz="2000" dirty="0">
+                <a:solidFill>
+                  <a:srgbClr val="212121"/>
+                </a:solidFill>
+                <a:latin typeface="微软雅黑" charset="0"/>
+                <a:ea typeface="微软雅黑" charset="0"/>
+                <a:cs typeface="微软雅黑" charset="0"/>
+                <a:sym typeface="Calibri" pitchFamily="34" charset="0"/>
+              </a:rPr>
+              <a:t>推送到远程仓库</a:t>
+            </a:r>
+            <a:r>
+              <a:rPr lang="en-US" altLang="zh-CN" sz="2000" dirty="0">
+                <a:solidFill>
+                  <a:srgbClr val="212121"/>
+                </a:solidFill>
+                <a:latin typeface="微软雅黑" charset="0"/>
+                <a:ea typeface="微软雅黑" charset="0"/>
+                <a:cs typeface="微软雅黑" charset="0"/>
+                <a:sym typeface="Calibri" pitchFamily="34" charset="0"/>
+              </a:rPr>
+              <a:t>)</a:t>
+            </a:r>
+          </a:p>
+          <a:p>
+            <a:pPr marL="800100" lvl="1" indent="-342900">
+              <a:buFont typeface="Wingdings" panose="05000000000000000000" pitchFamily="2" charset="2"/>
+              <a:buChar char="u"/>
+            </a:pPr>
+            <a:endParaRPr lang="en-US" altLang="zh-CN" sz="2000" dirty="0">
+              <a:solidFill>
+                <a:srgbClr val="212121"/>
+              </a:solidFill>
+              <a:latin typeface="微软雅黑" charset="0"/>
+              <a:ea typeface="微软雅黑" charset="0"/>
+              <a:cs typeface="微软雅黑" charset="0"/>
+              <a:sym typeface="Calibri" pitchFamily="34" charset="0"/>
+            </a:endParaRPr>
+          </a:p>
+          <a:p>
+            <a:pPr lvl="1"/>
+            <a:r>
+              <a:rPr lang="en-US" altLang="zh-CN" sz="1400" dirty="0">
+                <a:solidFill>
+                  <a:srgbClr val="FF0000"/>
+                </a:solidFill>
+                <a:latin typeface="微软雅黑" charset="0"/>
+                <a:ea typeface="微软雅黑" charset="0"/>
+                <a:cs typeface="微软雅黑" charset="0"/>
+                <a:sym typeface="Calibri" pitchFamily="34" charset="0"/>
+              </a:rPr>
+              <a:t>	</a:t>
+            </a:r>
+            <a:r>
+              <a:rPr lang="zh-CN" altLang="en-US" sz="1400" dirty="0">
+                <a:solidFill>
+                  <a:srgbClr val="FF0000"/>
+                </a:solidFill>
+                <a:latin typeface="微软雅黑" charset="0"/>
+                <a:ea typeface="微软雅黑" charset="0"/>
+                <a:cs typeface="微软雅黑" charset="0"/>
+                <a:sym typeface="Calibri" pitchFamily="34" charset="0"/>
+              </a:rPr>
+              <a:t>注意：远程仓库和本地文件必须一致否则推送失败</a:t>
+            </a:r>
+            <a:endParaRPr lang="en-US" altLang="zh-CN" sz="1400" dirty="0">
+              <a:solidFill>
+                <a:srgbClr val="FF0000"/>
+              </a:solidFill>
+              <a:latin typeface="微软雅黑" charset="0"/>
+              <a:ea typeface="微软雅黑" charset="0"/>
+              <a:cs typeface="微软雅黑" charset="0"/>
+              <a:sym typeface="Calibri" pitchFamily="34" charset="0"/>
+            </a:endParaRPr>
+          </a:p>
+          <a:p>
+            <a:pPr lvl="1"/>
+            <a:endParaRPr lang="en-US" altLang="zh-CN" sz="2000" dirty="0">
+              <a:solidFill>
+                <a:srgbClr val="212121"/>
+              </a:solidFill>
+              <a:latin typeface="微软雅黑" charset="0"/>
+              <a:ea typeface="微软雅黑" charset="0"/>
+              <a:cs typeface="微软雅黑" charset="0"/>
+              <a:sym typeface="Calibri" pitchFamily="34" charset="0"/>
+            </a:endParaRPr>
+          </a:p>
         </p:txBody>
       </p:sp>
     </p:spTree>
     <p:extLst>
       <p:ext uri="{BB962C8B-B14F-4D97-AF65-F5344CB8AC3E}">
-        <p14:creationId xmlns:p14="http://schemas.microsoft.com/office/powerpoint/2010/main" val="1872234643"/>
+        <p14:creationId xmlns:p14="http://schemas.microsoft.com/office/powerpoint/2010/main" val="2078395659"/>
       </p:ext>
     </p:extLst>
   </p:cSld>
@@ -9277,6 +9556,426 @@
         </p:nvSpPr>
         <p:spPr>
           <a:xfrm>
+            <a:off x="3275856" y="195486"/>
+            <a:ext cx="3647152" cy="553998"/>
+          </a:xfrm>
+          <a:prstGeom prst="rect">
+            <a:avLst/>
+          </a:prstGeom>
+          <a:noFill/>
+          <a:ln w="9525" cap="flat" cmpd="sng">
+            <a:noFill/>
+            <a:prstDash val="solid"/>
+            <a:miter/>
+          </a:ln>
+        </p:spPr>
+        <p:txBody>
+          <a:bodyPr vert="horz" wrap="none" lIns="91440" tIns="45720" rIns="91440" bIns="45720" anchor="t" anchorCtr="0">
+            <a:prstTxWarp prst="textNoShape">
+              <a:avLst/>
+            </a:prstTxWarp>
+            <a:spAutoFit/>
+          </a:bodyPr>
+          <a:lstStyle/>
+          <a:p>
+            <a:r>
+              <a:rPr lang="zh-CN" altLang="en-US" sz="3000" b="1" kern="0" dirty="0">
+                <a:solidFill>
+                  <a:srgbClr val="C9394A"/>
+                </a:solidFill>
+                <a:latin typeface="微软雅黑" charset="0"/>
+                <a:ea typeface="微软雅黑" charset="0"/>
+                <a:cs typeface="微软雅黑" charset="0"/>
+                <a:sym typeface="Calibri" pitchFamily="34" charset="0"/>
+              </a:rPr>
+              <a:t>远程仓库克隆到本地</a:t>
+            </a:r>
+            <a:endParaRPr lang="zh-CN" altLang="en-US" u="none" strike="noStrike" kern="1200" cap="none" spc="0" baseline="0" dirty="0">
+              <a:solidFill>
+                <a:schemeClr val="tx1"/>
+              </a:solidFill>
+              <a:latin typeface="Calibri" pitchFamily="34" charset="0"/>
+              <a:ea typeface="宋体" pitchFamily="2" charset="-122"/>
+              <a:cs typeface="微软雅黑" charset="0"/>
+            </a:endParaRPr>
+          </a:p>
+        </p:txBody>
+      </p:sp>
+      <p:sp>
+        <p:nvSpPr>
+          <p:cNvPr id="8" name="矩形">
+            <a:extLst>
+              <a:ext uri="{FF2B5EF4-FFF2-40B4-BE49-F238E27FC236}">
+                <a16:creationId xmlns:a16="http://schemas.microsoft.com/office/drawing/2014/main" id="{DD861988-578A-41C1-818C-669E02578C63}"/>
+              </a:ext>
+            </a:extLst>
+          </p:cNvPr>
+          <p:cNvSpPr>
+            <a:spLocks/>
+          </p:cNvSpPr>
+          <p:nvPr/>
+        </p:nvSpPr>
+        <p:spPr>
+          <a:xfrm>
+            <a:off x="289360" y="1309866"/>
+            <a:ext cx="8565279" cy="2523768"/>
+          </a:xfrm>
+          <a:prstGeom prst="rect">
+            <a:avLst/>
+          </a:prstGeom>
+          <a:noFill/>
+          <a:ln w="9525" cap="flat" cmpd="sng">
+            <a:noFill/>
+            <a:prstDash val="solid"/>
+            <a:miter/>
+          </a:ln>
+        </p:spPr>
+        <p:txBody>
+          <a:bodyPr vert="horz" wrap="square" lIns="91440" tIns="45720" rIns="91440" bIns="45720" anchor="ctr" anchorCtr="0">
+            <a:prstTxWarp prst="textNoShape">
+              <a:avLst/>
+            </a:prstTxWarp>
+            <a:spAutoFit/>
+          </a:bodyPr>
+          <a:lstStyle/>
+          <a:p>
+            <a:pPr marL="800100" lvl="1" indent="-342900">
+              <a:buFont typeface="Wingdings" panose="05000000000000000000" pitchFamily="2" charset="2"/>
+              <a:buChar char="u"/>
+            </a:pPr>
+            <a:r>
+              <a:rPr lang="en-US" altLang="zh-CN" sz="2000" dirty="0">
+                <a:solidFill>
+                  <a:srgbClr val="212121"/>
+                </a:solidFill>
+                <a:latin typeface="微软雅黑" panose="020B0503020204020204" pitchFamily="34" charset="-122"/>
+                <a:ea typeface="微软雅黑" panose="020B0503020204020204" pitchFamily="34" charset="-122"/>
+                <a:cs typeface="微软雅黑" charset="0"/>
+                <a:sym typeface="Calibri" pitchFamily="34" charset="0"/>
+              </a:rPr>
+              <a:t>git clone  </a:t>
+            </a:r>
+            <a:r>
+              <a:rPr lang="zh-CN" altLang="en-US" sz="2000" dirty="0">
+                <a:solidFill>
+                  <a:srgbClr val="212121"/>
+                </a:solidFill>
+                <a:latin typeface="微软雅黑" panose="020B0503020204020204" pitchFamily="34" charset="-122"/>
+                <a:ea typeface="微软雅黑" panose="020B0503020204020204" pitchFamily="34" charset="-122"/>
+                <a:cs typeface="微软雅黑" charset="0"/>
+                <a:sym typeface="Calibri" pitchFamily="34" charset="0"/>
+              </a:rPr>
+              <a:t>仓库的地址 </a:t>
+            </a:r>
+            <a:endParaRPr lang="en-US" altLang="zh-CN" sz="2000" dirty="0">
+              <a:solidFill>
+                <a:srgbClr val="212121"/>
+              </a:solidFill>
+              <a:latin typeface="微软雅黑" panose="020B0503020204020204" pitchFamily="34" charset="-122"/>
+              <a:ea typeface="微软雅黑" panose="020B0503020204020204" pitchFamily="34" charset="-122"/>
+              <a:cs typeface="微软雅黑" charset="0"/>
+              <a:sym typeface="Calibri" pitchFamily="34" charset="0"/>
+            </a:endParaRPr>
+          </a:p>
+          <a:p>
+            <a:pPr lvl="1"/>
+            <a:endParaRPr lang="en-US" altLang="zh-CN" sz="2000" dirty="0">
+              <a:solidFill>
+                <a:srgbClr val="212121"/>
+              </a:solidFill>
+              <a:latin typeface="微软雅黑" panose="020B0503020204020204" pitchFamily="34" charset="-122"/>
+              <a:ea typeface="微软雅黑" panose="020B0503020204020204" pitchFamily="34" charset="-122"/>
+              <a:cs typeface="微软雅黑" charset="0"/>
+              <a:sym typeface="Calibri" pitchFamily="34" charset="0"/>
+            </a:endParaRPr>
+          </a:p>
+          <a:p>
+            <a:pPr marL="800100" lvl="1" indent="-342900">
+              <a:buFont typeface="Wingdings" panose="05000000000000000000" pitchFamily="2" charset="2"/>
+              <a:buChar char="u"/>
+            </a:pPr>
+            <a:r>
+              <a:rPr lang="en-US" altLang="zh-CN" sz="2000" dirty="0">
+                <a:solidFill>
+                  <a:srgbClr val="212121"/>
+                </a:solidFill>
+                <a:latin typeface="微软雅黑" panose="020B0503020204020204" pitchFamily="34" charset="-122"/>
+                <a:ea typeface="微软雅黑" panose="020B0503020204020204" pitchFamily="34" charset="-122"/>
+                <a:cs typeface="微软雅黑" charset="0"/>
+                <a:sym typeface="Calibri" pitchFamily="34" charset="0"/>
+              </a:rPr>
+              <a:t>git pull origin master  </a:t>
+            </a:r>
+            <a:r>
+              <a:rPr lang="en-US" altLang="zh-CN" sz="2000" dirty="0">
+                <a:solidFill>
+                  <a:srgbClr val="FF0000"/>
+                </a:solidFill>
+                <a:latin typeface="微软雅黑" panose="020B0503020204020204" pitchFamily="34" charset="-122"/>
+                <a:ea typeface="微软雅黑" panose="020B0503020204020204" pitchFamily="34" charset="-122"/>
+                <a:cs typeface="微软雅黑" charset="0"/>
+                <a:sym typeface="Calibri" pitchFamily="34" charset="0"/>
+              </a:rPr>
+              <a:t>--allow-unrelated-histories </a:t>
+            </a:r>
+            <a:r>
+              <a:rPr lang="zh-CN" altLang="en-US" dirty="0">
+                <a:latin typeface="微软雅黑" panose="020B0503020204020204" pitchFamily="34" charset="-122"/>
+                <a:ea typeface="微软雅黑" panose="020B0503020204020204" pitchFamily="34" charset="-122"/>
+              </a:rPr>
+              <a:t>远程代码拉取到本地工作区（自动合并） </a:t>
+            </a:r>
+            <a:endParaRPr lang="en-US" altLang="zh-CN" sz="2000" dirty="0">
+              <a:solidFill>
+                <a:srgbClr val="FF0000"/>
+              </a:solidFill>
+              <a:latin typeface="微软雅黑" panose="020B0503020204020204" pitchFamily="34" charset="-122"/>
+              <a:ea typeface="微软雅黑" panose="020B0503020204020204" pitchFamily="34" charset="-122"/>
+              <a:cs typeface="微软雅黑" charset="0"/>
+              <a:sym typeface="Calibri" pitchFamily="34" charset="0"/>
+            </a:endParaRPr>
+          </a:p>
+          <a:p>
+            <a:pPr lvl="1"/>
+            <a:endParaRPr lang="en-US" altLang="zh-CN" sz="2000" dirty="0">
+              <a:solidFill>
+                <a:srgbClr val="FF0000"/>
+              </a:solidFill>
+              <a:latin typeface="微软雅黑" charset="0"/>
+              <a:ea typeface="微软雅黑" charset="0"/>
+              <a:cs typeface="微软雅黑" charset="0"/>
+              <a:sym typeface="Calibri" pitchFamily="34" charset="0"/>
+            </a:endParaRPr>
+          </a:p>
+          <a:p>
+            <a:pPr marL="800100" lvl="1" indent="-342900">
+              <a:buFont typeface="Wingdings" panose="05000000000000000000" pitchFamily="2" charset="2"/>
+              <a:buChar char="u"/>
+            </a:pPr>
+            <a:r>
+              <a:rPr lang="en-US" altLang="zh-CN" sz="2000" dirty="0">
+                <a:solidFill>
+                  <a:srgbClr val="212121"/>
+                </a:solidFill>
+                <a:latin typeface="微软雅黑" charset="0"/>
+                <a:ea typeface="微软雅黑" charset="0"/>
+                <a:cs typeface="微软雅黑" charset="0"/>
+                <a:sym typeface="Calibri" pitchFamily="34" charset="0"/>
+              </a:rPr>
+              <a:t>git push –u origin master   </a:t>
+            </a:r>
+            <a:r>
+              <a:rPr lang="zh-CN" altLang="en-US" sz="2000" dirty="0">
+                <a:solidFill>
+                  <a:srgbClr val="212121"/>
+                </a:solidFill>
+                <a:latin typeface="微软雅黑" charset="0"/>
+                <a:ea typeface="微软雅黑" charset="0"/>
+                <a:cs typeface="微软雅黑" charset="0"/>
+                <a:sym typeface="Calibri" pitchFamily="34" charset="0"/>
+              </a:rPr>
+              <a:t>提交到远程仓库</a:t>
+            </a:r>
+            <a:endParaRPr lang="en-US" altLang="zh-CN" sz="2000" dirty="0">
+              <a:solidFill>
+                <a:srgbClr val="212121"/>
+              </a:solidFill>
+              <a:latin typeface="微软雅黑" charset="0"/>
+              <a:ea typeface="微软雅黑" charset="0"/>
+              <a:cs typeface="微软雅黑" charset="0"/>
+              <a:sym typeface="Calibri" pitchFamily="34" charset="0"/>
+            </a:endParaRPr>
+          </a:p>
+          <a:p>
+            <a:pPr lvl="1"/>
+            <a:endParaRPr lang="zh-CN" altLang="en-US" sz="2000" dirty="0">
+              <a:solidFill>
+                <a:srgbClr val="212121"/>
+              </a:solidFill>
+              <a:latin typeface="微软雅黑" charset="0"/>
+              <a:ea typeface="微软雅黑" charset="0"/>
+              <a:cs typeface="微软雅黑" charset="0"/>
+              <a:sym typeface="Calibri" pitchFamily="34" charset="0"/>
+            </a:endParaRPr>
+          </a:p>
+          <a:p>
+            <a:pPr lvl="1"/>
+            <a:endParaRPr lang="en-US" altLang="zh-CN" sz="2000" dirty="0">
+              <a:solidFill>
+                <a:srgbClr val="212121"/>
+              </a:solidFill>
+              <a:latin typeface="微软雅黑" charset="0"/>
+              <a:ea typeface="微软雅黑" charset="0"/>
+              <a:cs typeface="微软雅黑" charset="0"/>
+              <a:sym typeface="Calibri" pitchFamily="34" charset="0"/>
+            </a:endParaRPr>
+          </a:p>
+        </p:txBody>
+      </p:sp>
+    </p:spTree>
+    <p:extLst>
+      <p:ext uri="{BB962C8B-B14F-4D97-AF65-F5344CB8AC3E}">
+        <p14:creationId xmlns:p14="http://schemas.microsoft.com/office/powerpoint/2010/main" val="1872234643"/>
+      </p:ext>
+    </p:extLst>
+  </p:cSld>
+  <p:clrMapOvr>
+    <a:masterClrMapping/>
+  </p:clrMapOvr>
+  <p:timing>
+    <p:tnLst>
+      <p:par>
+        <p:cTn id="1" dur="indefinite" restart="never" nodeType="tmRoot">
+          <p:childTnLst>
+            <p:seq concurrent="1" nextAc="seek">
+              <p:cTn id="2" dur="indefinite" nodeType="mainSeq">
+                <p:childTnLst>
+                  <p:par>
+                    <p:cTn id="3" fill="hold">
+                      <p:stCondLst>
+                        <p:cond delay="indefinite"/>
+                      </p:stCondLst>
+                      <p:childTnLst>
+                        <p:par>
+                          <p:cTn id="4" fill="hold">
+                            <p:stCondLst>
+                              <p:cond delay="0"/>
+                            </p:stCondLst>
+                            <p:childTnLst>
+                              <p:par>
+                                <p:cTn id="5" presetID="2" presetClass="entr" presetSubtype="4" fill="hold" grpId="0" nodeType="clickEffect">
+                                  <p:stCondLst>
+                                    <p:cond delay="0"/>
+                                  </p:stCondLst>
+                                  <p:childTnLst>
+                                    <p:set>
+                                      <p:cBhvr>
+                                        <p:cTn id="6" dur="1" fill="hold">
+                                          <p:stCondLst>
+                                            <p:cond delay="0"/>
+                                          </p:stCondLst>
+                                        </p:cTn>
+                                        <p:tgtEl>
+                                          <p:spTgt spid="8"/>
+                                        </p:tgtEl>
+                                        <p:attrNameLst>
+                                          <p:attrName>style.visibility</p:attrName>
+                                        </p:attrNameLst>
+                                      </p:cBhvr>
+                                      <p:to>
+                                        <p:strVal val="visible"/>
+                                      </p:to>
+                                    </p:set>
+                                    <p:anim calcmode="lin" valueType="num">
+                                      <p:cBhvr additive="base">
+                                        <p:cTn id="7" dur="500" fill="hold"/>
+                                        <p:tgtEl>
+                                          <p:spTgt spid="8"/>
+                                        </p:tgtEl>
+                                        <p:attrNameLst>
+                                          <p:attrName>ppt_x</p:attrName>
+                                        </p:attrNameLst>
+                                      </p:cBhvr>
+                                      <p:tavLst>
+                                        <p:tav tm="0">
+                                          <p:val>
+                                            <p:strVal val="#ppt_x"/>
+                                          </p:val>
+                                        </p:tav>
+                                        <p:tav tm="100000">
+                                          <p:val>
+                                            <p:strVal val="#ppt_x"/>
+                                          </p:val>
+                                        </p:tav>
+                                      </p:tavLst>
+                                    </p:anim>
+                                    <p:anim calcmode="lin" valueType="num">
+                                      <p:cBhvr additive="base">
+                                        <p:cTn id="8" dur="500" fill="hold"/>
+                                        <p:tgtEl>
+                                          <p:spTgt spid="8"/>
+                                        </p:tgtEl>
+                                        <p:attrNameLst>
+                                          <p:attrName>ppt_y</p:attrName>
+                                        </p:attrNameLst>
+                                      </p:cBhvr>
+                                      <p:tavLst>
+                                        <p:tav tm="0">
+                                          <p:val>
+                                            <p:strVal val="1+#ppt_h/2"/>
+                                          </p:val>
+                                        </p:tav>
+                                        <p:tav tm="100000">
+                                          <p:val>
+                                            <p:strVal val="#ppt_y"/>
+                                          </p:val>
+                                        </p:tav>
+                                      </p:tavLst>
+                                    </p:anim>
+                                  </p:childTnLst>
+                                </p:cTn>
+                              </p:par>
+                            </p:childTnLst>
+                          </p:cTn>
+                        </p:par>
+                      </p:childTnLst>
+                    </p:cTn>
+                  </p:par>
+                </p:childTnLst>
+              </p:cTn>
+              <p:prevCondLst>
+                <p:cond evt="onPrev" delay="0">
+                  <p:tgtEl>
+                    <p:sldTgt/>
+                  </p:tgtEl>
+                </p:cond>
+              </p:prevCondLst>
+              <p:nextCondLst>
+                <p:cond evt="onNext" delay="0">
+                  <p:tgtEl>
+                    <p:sldTgt/>
+                  </p:tgtEl>
+                </p:cond>
+              </p:nextCondLst>
+            </p:seq>
+          </p:childTnLst>
+        </p:cTn>
+      </p:par>
+    </p:tnLst>
+    <p:bldLst>
+      <p:bldP spid="8" grpId="0"/>
+    </p:bldLst>
+  </p:timing>
+</p:sld>
+</file>
+
+<file path=ppt/slides/slide13.xml><?xml version="1.0" encoding="utf-8"?>
+<p:sld xmlns:a="http://schemas.openxmlformats.org/drawingml/2006/main" xmlns:r="http://schemas.openxmlformats.org/officeDocument/2006/relationships" xmlns:p="http://schemas.openxmlformats.org/presentationml/2006/main">
+  <p:cSld>
+    <p:spTree>
+      <p:nvGrpSpPr>
+        <p:cNvPr id="1" name=""/>
+        <p:cNvGrpSpPr/>
+        <p:nvPr/>
+      </p:nvGrpSpPr>
+      <p:grpSpPr>
+        <a:xfrm>
+          <a:off x="0" y="0"/>
+          <a:ext cx="0" cy="0"/>
+          <a:chOff x="0" y="0"/>
+          <a:chExt cx="0" cy="0"/>
+        </a:xfrm>
+      </p:grpSpPr>
+      <p:sp>
+        <p:nvSpPr>
+          <p:cNvPr id="17" name="矩形"/>
+          <p:cNvSpPr>
+            <a:spLocks/>
+          </p:cNvSpPr>
+          <p:nvPr/>
+        </p:nvSpPr>
+        <p:spPr>
+          <a:xfrm>
             <a:off x="3710225" y="427327"/>
             <a:ext cx="1723549" cy="553998"/>
           </a:xfrm>
@@ -9350,7 +10049,7 @@
           <a:graphicData uri="http://schemas.openxmlformats.org/presentationml/2006/ole">
             <mc:AlternateContent xmlns:mc="http://schemas.openxmlformats.org/markup-compatibility/2006">
               <mc:Choice xmlns:v="urn:schemas-microsoft-com:vml" Requires="v">
-                <p:oleObj spid="_x0000_s1052" r:id="rId4" imgW="5590440" imgH="4561560" progId="">
+                <p:oleObj spid="_x0000_s1058" r:id="rId4" imgW="5590440" imgH="4561560" progId="">
                   <p:embed/>
                 </p:oleObj>
               </mc:Choice>
@@ -9404,7 +10103,7 @@
 </p:sld>
 </file>
 
-<file path=ppt/slides/slide13.xml><?xml version="1.0" encoding="utf-8"?>
+<file path=ppt/slides/slide14.xml><?xml version="1.0" encoding="utf-8"?>
 <p:sld xmlns:a="http://schemas.openxmlformats.org/drawingml/2006/main" xmlns:r="http://schemas.openxmlformats.org/officeDocument/2006/relationships" xmlns:p="http://schemas.openxmlformats.org/presentationml/2006/main">
   <p:cSld>
     <p:spTree>
@@ -9867,7 +10566,7 @@
 </p:sld>
 </file>
 
-<file path=ppt/slides/slide14.xml><?xml version="1.0" encoding="utf-8"?>
+<file path=ppt/slides/slide15.xml><?xml version="1.0" encoding="utf-8"?>
 <p:sld xmlns:a="http://schemas.openxmlformats.org/drawingml/2006/main" xmlns:r="http://schemas.openxmlformats.org/officeDocument/2006/relationships" xmlns:p="http://schemas.openxmlformats.org/presentationml/2006/main">
   <p:cSld>
     <p:spTree>
@@ -9894,8 +10593,8 @@
         </p:nvSpPr>
         <p:spPr>
           <a:xfrm>
-            <a:off x="2987824" y="494551"/>
-            <a:ext cx="2877711" cy="553998"/>
+            <a:off x="3710225" y="249195"/>
+            <a:ext cx="1723549" cy="553998"/>
           </a:xfrm>
           <a:prstGeom prst="rect">
             <a:avLst/>
@@ -9926,29 +10625,596 @@
                 <a:cs typeface="微软雅黑" charset="0"/>
                 <a:sym typeface="Calibri" pitchFamily="34" charset="0"/>
               </a:rPr>
-              <a:t>分支的</a:t>
-            </a:r>
-            <a:r>
-              <a:rPr lang="zh-CN" altLang="en-US" sz="3000" b="1" kern="0" dirty="0">
+              <a:t>分支管理</a:t>
+            </a:r>
+            <a:endParaRPr lang="zh-CN" altLang="en-US" u="none" strike="noStrike" kern="1200" cap="none" spc="0" baseline="0" dirty="0">
+              <a:solidFill>
+                <a:schemeClr val="tx1"/>
+              </a:solidFill>
+              <a:latin typeface="Calibri" pitchFamily="34" charset="0"/>
+              <a:ea typeface="宋体" pitchFamily="2" charset="-122"/>
+              <a:cs typeface="微软雅黑" charset="0"/>
+            </a:endParaRPr>
+          </a:p>
+        </p:txBody>
+      </p:sp>
+      <p:sp>
+        <p:nvSpPr>
+          <p:cNvPr id="2" name="Rectangle 1">
+            <a:extLst>
+              <a:ext uri="{FF2B5EF4-FFF2-40B4-BE49-F238E27FC236}">
+                <a16:creationId xmlns:a16="http://schemas.microsoft.com/office/drawing/2014/main" id="{B353708E-25EA-4497-9973-B2757B50BA7E}"/>
+              </a:ext>
+            </a:extLst>
+          </p:cNvPr>
+          <p:cNvSpPr>
+            <a:spLocks noChangeArrowheads="1"/>
+          </p:cNvSpPr>
+          <p:nvPr/>
+        </p:nvSpPr>
+        <p:spPr bwMode="auto">
+          <a:xfrm>
+            <a:off x="611560" y="803193"/>
+            <a:ext cx="65" cy="546219"/>
+          </a:xfrm>
+          <a:prstGeom prst="rect">
+            <a:avLst/>
+          </a:prstGeom>
+          <a:solidFill>
+            <a:srgbClr val="FAFAFA"/>
+          </a:solidFill>
+          <a:ln>
+            <a:noFill/>
+          </a:ln>
+          <a:effectLst/>
+          <a:extLst>
+            <a:ext uri="{91240B29-F687-4F45-9708-019B960494DF}">
+              <a14:hiddenLine xmlns:a14="http://schemas.microsoft.com/office/drawing/2010/main" w="9525">
                 <a:solidFill>
-                  <a:srgbClr val="C9394A"/>
+                  <a:schemeClr val="tx1"/>
                 </a:solidFill>
-                <a:latin typeface="微软雅黑" charset="0"/>
-                <a:ea typeface="微软雅黑" charset="0"/>
-                <a:cs typeface="微软雅黑" charset="0"/>
-                <a:sym typeface="Calibri" pitchFamily="34" charset="0"/>
-              </a:rPr>
-              <a:t>团队协作</a:t>
-            </a:r>
+                <a:miter lim="800000"/>
+                <a:headEnd/>
+                <a:tailEnd/>
+              </a14:hiddenLine>
+            </a:ext>
+            <a:ext uri="{AF507438-7753-43E0-B8FC-AC1667EBCBE1}">
+              <a14:hiddenEffects xmlns:a14="http://schemas.microsoft.com/office/drawing/2010/main">
+                <a:effectLst>
+                  <a:outerShdw dist="35921" dir="2700000" algn="ctr" rotWithShape="0">
+                    <a:schemeClr val="bg2"/>
+                  </a:outerShdw>
+                </a:effectLst>
+              </a14:hiddenEffects>
+            </a:ext>
+          </a:extLst>
+        </p:spPr>
+        <p:txBody>
+          <a:bodyPr vert="horz" wrap="none" lIns="0" tIns="166635" rIns="0" bIns="99981" numCol="1" anchor="ctr" anchorCtr="0" compatLnSpc="1">
+            <a:prstTxWarp prst="textNoShape">
+              <a:avLst/>
+            </a:prstTxWarp>
+            <a:spAutoFit/>
+          </a:bodyPr>
+          <a:lstStyle>
+            <a:lvl1pPr rtl="0">
+              <a:spcBef>
+                <a:spcPct val="0"/>
+              </a:spcBef>
+              <a:spcAft>
+                <a:spcPct val="0"/>
+              </a:spcAft>
+              <a:defRPr>
+                <a:solidFill>
+                  <a:schemeClr val="tx1"/>
+                </a:solidFill>
+                <a:latin typeface="Arial" panose="020B0604020202020204" pitchFamily="34" charset="0"/>
+              </a:defRPr>
+            </a:lvl1pPr>
+            <a:lvl2pPr rtl="0">
+              <a:spcBef>
+                <a:spcPct val="0"/>
+              </a:spcBef>
+              <a:spcAft>
+                <a:spcPct val="0"/>
+              </a:spcAft>
+              <a:defRPr>
+                <a:solidFill>
+                  <a:schemeClr val="tx1"/>
+                </a:solidFill>
+                <a:latin typeface="Arial" panose="020B0604020202020204" pitchFamily="34" charset="0"/>
+              </a:defRPr>
+            </a:lvl2pPr>
+            <a:lvl3pPr rtl="0">
+              <a:spcBef>
+                <a:spcPct val="0"/>
+              </a:spcBef>
+              <a:spcAft>
+                <a:spcPct val="0"/>
+              </a:spcAft>
+              <a:defRPr>
+                <a:solidFill>
+                  <a:schemeClr val="tx1"/>
+                </a:solidFill>
+                <a:latin typeface="Arial" panose="020B0604020202020204" pitchFamily="34" charset="0"/>
+              </a:defRPr>
+            </a:lvl3pPr>
+            <a:lvl4pPr rtl="0">
+              <a:spcBef>
+                <a:spcPct val="0"/>
+              </a:spcBef>
+              <a:spcAft>
+                <a:spcPct val="0"/>
+              </a:spcAft>
+              <a:defRPr>
+                <a:solidFill>
+                  <a:schemeClr val="tx1"/>
+                </a:solidFill>
+                <a:latin typeface="Arial" panose="020B0604020202020204" pitchFamily="34" charset="0"/>
+              </a:defRPr>
+            </a:lvl4pPr>
+            <a:lvl5pPr rtl="0">
+              <a:spcBef>
+                <a:spcPct val="0"/>
+              </a:spcBef>
+              <a:spcAft>
+                <a:spcPct val="0"/>
+              </a:spcAft>
+              <a:defRPr>
+                <a:solidFill>
+                  <a:schemeClr val="tx1"/>
+                </a:solidFill>
+                <a:latin typeface="Arial" panose="020B0604020202020204" pitchFamily="34" charset="0"/>
+              </a:defRPr>
+            </a:lvl5pPr>
+            <a:lvl6pPr rtl="0" eaLnBrk="0" fontAlgn="base" hangingPunct="0">
+              <a:spcBef>
+                <a:spcPct val="0"/>
+              </a:spcBef>
+              <a:spcAft>
+                <a:spcPct val="0"/>
+              </a:spcAft>
+              <a:defRPr>
+                <a:solidFill>
+                  <a:schemeClr val="tx1"/>
+                </a:solidFill>
+                <a:latin typeface="Arial" panose="020B0604020202020204" pitchFamily="34" charset="0"/>
+              </a:defRPr>
+            </a:lvl6pPr>
+            <a:lvl7pPr rtl="0" eaLnBrk="0" fontAlgn="base" hangingPunct="0">
+              <a:spcBef>
+                <a:spcPct val="0"/>
+              </a:spcBef>
+              <a:spcAft>
+                <a:spcPct val="0"/>
+              </a:spcAft>
+              <a:defRPr>
+                <a:solidFill>
+                  <a:schemeClr val="tx1"/>
+                </a:solidFill>
+                <a:latin typeface="Arial" panose="020B0604020202020204" pitchFamily="34" charset="0"/>
+              </a:defRPr>
+            </a:lvl7pPr>
+            <a:lvl8pPr rtl="0" eaLnBrk="0" fontAlgn="base" hangingPunct="0">
+              <a:spcBef>
+                <a:spcPct val="0"/>
+              </a:spcBef>
+              <a:spcAft>
+                <a:spcPct val="0"/>
+              </a:spcAft>
+              <a:defRPr>
+                <a:solidFill>
+                  <a:schemeClr val="tx1"/>
+                </a:solidFill>
+                <a:latin typeface="Arial" panose="020B0604020202020204" pitchFamily="34" charset="0"/>
+              </a:defRPr>
+            </a:lvl8pPr>
+            <a:lvl9pPr marL="3657600" rtl="0" eaLnBrk="0" fontAlgn="base" hangingPunct="0">
+              <a:spcBef>
+                <a:spcPct val="0"/>
+              </a:spcBef>
+              <a:spcAft>
+                <a:spcPct val="0"/>
+              </a:spcAft>
+              <a:defRPr>
+                <a:solidFill>
+                  <a:schemeClr val="tx1"/>
+                </a:solidFill>
+                <a:latin typeface="Arial" panose="020B0604020202020204" pitchFamily="34" charset="0"/>
+              </a:defRPr>
+            </a:lvl9pPr>
+          </a:lstStyle>
+          <a:p>
+            <a:pPr marL="0" marR="0" lvl="0" indent="0" algn="l" defTabSz="914400" rtl="0" eaLnBrk="0" fontAlgn="base" latinLnBrk="0" hangingPunct="0">
+              <a:lnSpc>
+                <a:spcPct val="100000"/>
+              </a:lnSpc>
+              <a:spcBef>
+                <a:spcPct val="0"/>
+              </a:spcBef>
+              <a:spcAft>
+                <a:spcPct val="0"/>
+              </a:spcAft>
+              <a:buClrTx/>
+              <a:buSzTx/>
+              <a:buFontTx/>
+              <a:buNone/>
+              <a:tabLst/>
+            </a:pPr>
+            <a:endParaRPr kumimoji="0" lang="zh-CN" altLang="zh-CN" sz="1800" b="0" i="0" u="none" strike="noStrike" cap="none" normalizeH="0" baseline="0" dirty="0">
+              <a:ln>
+                <a:noFill/>
+              </a:ln>
+              <a:solidFill>
+                <a:schemeClr val="tx1"/>
+              </a:solidFill>
+              <a:effectLst/>
+              <a:latin typeface="Arial" panose="020B0604020202020204" pitchFamily="34" charset="0"/>
+            </a:endParaRPr>
+          </a:p>
+        </p:txBody>
+      </p:sp>
+      <p:sp>
+        <p:nvSpPr>
+          <p:cNvPr id="3" name="文本框 2">
+            <a:extLst>
+              <a:ext uri="{FF2B5EF4-FFF2-40B4-BE49-F238E27FC236}">
+                <a16:creationId xmlns:a16="http://schemas.microsoft.com/office/drawing/2014/main" id="{29C5F8C2-3157-4D37-ADD5-12488ED2FBA6}"/>
+              </a:ext>
+            </a:extLst>
+          </p:cNvPr>
+          <p:cNvSpPr txBox="1"/>
+          <p:nvPr/>
+        </p:nvSpPr>
+        <p:spPr>
+          <a:xfrm>
+            <a:off x="395666" y="1068617"/>
+            <a:ext cx="8563530" cy="2308324"/>
+          </a:xfrm>
+          <a:prstGeom prst="rect">
+            <a:avLst/>
+          </a:prstGeom>
+          <a:noFill/>
+        </p:spPr>
+        <p:txBody>
+          <a:bodyPr wrap="square" rtlCol="0">
+            <a:spAutoFit/>
+          </a:bodyPr>
+          <a:lstStyle/>
+          <a:p>
+            <a:pPr lvl="0" rtl="0">
+              <a:lnSpc>
+                <a:spcPct val="150000"/>
+              </a:lnSpc>
+              <a:spcBef>
+                <a:spcPct val="0"/>
+              </a:spcBef>
+              <a:spcAft>
+                <a:spcPct val="0"/>
+              </a:spcAft>
+            </a:pPr>
+            <a:r>
+              <a:rPr lang="zh-CN" altLang="zh-CN" sz="1400" dirty="0">
+                <a:solidFill>
+                  <a:srgbClr val="666666"/>
+                </a:solidFill>
+                <a:latin typeface="Arial" panose="020B0604020202020204" pitchFamily="34" charset="0"/>
+                <a:ea typeface="Helvetica Neue"/>
+              </a:rPr>
+              <a:t>实际开发中，</a:t>
+            </a:r>
+            <a:r>
+              <a:rPr lang="zh-CN" altLang="en-US" sz="1400" dirty="0">
+                <a:solidFill>
+                  <a:srgbClr val="666666"/>
+                </a:solidFill>
+                <a:latin typeface="Arial" panose="020B0604020202020204" pitchFamily="34" charset="0"/>
+                <a:ea typeface="Helvetica Neue"/>
+              </a:rPr>
+              <a:t>应该按照几个</a:t>
+            </a:r>
+            <a:r>
+              <a:rPr lang="zh-CN" altLang="zh-CN" sz="1400" dirty="0">
+                <a:solidFill>
+                  <a:srgbClr val="666666"/>
+                </a:solidFill>
+                <a:latin typeface="Arial" panose="020B0604020202020204" pitchFamily="34" charset="0"/>
+                <a:ea typeface="Helvetica Neue"/>
+              </a:rPr>
+              <a:t>基本原则进行管理：</a:t>
+            </a:r>
+            <a:endParaRPr lang="zh-CN" altLang="zh-CN" sz="1400" dirty="0">
+              <a:latin typeface="Arial" panose="020B0604020202020204" pitchFamily="34" charset="0"/>
+            </a:endParaRPr>
+          </a:p>
+          <a:p>
+            <a:pPr lvl="0" rtl="0">
+              <a:lnSpc>
+                <a:spcPct val="150000"/>
+              </a:lnSpc>
+              <a:spcBef>
+                <a:spcPct val="0"/>
+              </a:spcBef>
+              <a:spcAft>
+                <a:spcPct val="0"/>
+              </a:spcAft>
+            </a:pPr>
+            <a:r>
+              <a:rPr lang="zh-CN" altLang="zh-CN" sz="1400" dirty="0">
+                <a:solidFill>
+                  <a:srgbClr val="666666"/>
+                </a:solidFill>
+                <a:latin typeface="Arial" panose="020B0604020202020204" pitchFamily="34" charset="0"/>
+                <a:ea typeface="Helvetica Neue"/>
+              </a:rPr>
+              <a:t>首先，</a:t>
+            </a:r>
+            <a:r>
+              <a:rPr lang="zh-CN" altLang="zh-CN" sz="1400" dirty="0">
+                <a:solidFill>
+                  <a:srgbClr val="DD0055"/>
+                </a:solidFill>
+                <a:latin typeface="Consolas" panose="020B0609020204030204" pitchFamily="49" charset="0"/>
+                <a:ea typeface="Helvetica Neue"/>
+              </a:rPr>
+              <a:t>master</a:t>
+            </a:r>
+            <a:r>
+              <a:rPr lang="zh-CN" altLang="zh-CN" sz="1400" dirty="0">
+                <a:solidFill>
+                  <a:srgbClr val="666666"/>
+                </a:solidFill>
+                <a:ea typeface="Helvetica Neue"/>
+              </a:rPr>
+              <a:t>分支是非常稳定的，仅用来发布新版本，平时不能在上面干活；</a:t>
+            </a:r>
+            <a:r>
+              <a:rPr lang="zh-CN" altLang="zh-CN" sz="1400" dirty="0">
+                <a:solidFill>
+                  <a:srgbClr val="666666"/>
+                </a:solidFill>
+                <a:latin typeface="Arial" panose="020B0604020202020204" pitchFamily="34" charset="0"/>
+                <a:ea typeface="Helvetica Neue"/>
+              </a:rPr>
+              <a:t>干活都在</a:t>
+            </a:r>
+            <a:r>
+              <a:rPr lang="zh-CN" altLang="zh-CN" sz="1400" dirty="0">
+                <a:solidFill>
+                  <a:srgbClr val="DD0055"/>
+                </a:solidFill>
+                <a:latin typeface="Consolas" panose="020B0609020204030204" pitchFamily="49" charset="0"/>
+                <a:ea typeface="Helvetica Neue"/>
+              </a:rPr>
+              <a:t>dev</a:t>
+            </a:r>
+            <a:r>
+              <a:rPr lang="zh-CN" altLang="zh-CN" sz="1400" dirty="0">
+                <a:solidFill>
+                  <a:srgbClr val="666666"/>
+                </a:solidFill>
+                <a:ea typeface="Helvetica Neue"/>
+              </a:rPr>
+              <a:t>分支上，</a:t>
+            </a:r>
+            <a:endParaRPr lang="en-US" altLang="zh-CN" sz="1400" dirty="0">
+              <a:solidFill>
+                <a:srgbClr val="666666"/>
+              </a:solidFill>
+              <a:ea typeface="Helvetica Neue"/>
+            </a:endParaRPr>
+          </a:p>
+          <a:p>
+            <a:pPr lvl="0" rtl="0">
+              <a:lnSpc>
+                <a:spcPct val="150000"/>
+              </a:lnSpc>
+              <a:spcBef>
+                <a:spcPct val="0"/>
+              </a:spcBef>
+              <a:spcAft>
+                <a:spcPct val="0"/>
+              </a:spcAft>
+            </a:pPr>
+            <a:r>
+              <a:rPr lang="zh-CN" altLang="zh-CN" sz="1400" dirty="0">
+                <a:solidFill>
+                  <a:srgbClr val="DD0055"/>
+                </a:solidFill>
+                <a:latin typeface="Consolas" panose="020B0609020204030204" pitchFamily="49" charset="0"/>
+                <a:ea typeface="Helvetica Neue"/>
+              </a:rPr>
+              <a:t>dev</a:t>
+            </a:r>
+            <a:r>
+              <a:rPr lang="zh-CN" altLang="zh-CN" sz="1400" dirty="0">
+                <a:solidFill>
+                  <a:srgbClr val="666666"/>
+                </a:solidFill>
+                <a:ea typeface="Helvetica Neue"/>
+              </a:rPr>
+              <a:t>分支是不稳定的，</a:t>
+            </a:r>
+            <a:r>
+              <a:rPr lang="zh-CN" altLang="zh-CN" sz="1400" dirty="0">
+                <a:solidFill>
+                  <a:srgbClr val="666666"/>
+                </a:solidFill>
+                <a:latin typeface="Arial" panose="020B0604020202020204" pitchFamily="34" charset="0"/>
+                <a:ea typeface="Helvetica Neue"/>
+              </a:rPr>
+              <a:t>你和你的小伙伴们每个人都在</a:t>
+            </a:r>
+            <a:r>
+              <a:rPr lang="zh-CN" altLang="zh-CN" sz="1400" dirty="0">
+                <a:solidFill>
+                  <a:srgbClr val="DD0055"/>
+                </a:solidFill>
+                <a:latin typeface="Consolas" panose="020B0609020204030204" pitchFamily="49" charset="0"/>
+                <a:ea typeface="Helvetica Neue"/>
+              </a:rPr>
+              <a:t>dev</a:t>
+            </a:r>
+            <a:r>
+              <a:rPr lang="zh-CN" altLang="zh-CN" sz="1400" dirty="0">
+                <a:solidFill>
+                  <a:srgbClr val="666666"/>
+                </a:solidFill>
+                <a:ea typeface="Helvetica Neue"/>
+              </a:rPr>
+              <a:t>分支上干活，每个人都有自己的分支，</a:t>
+            </a:r>
+            <a:r>
+              <a:rPr lang="zh-CN" altLang="en-US" sz="1400" dirty="0">
+                <a:solidFill>
+                  <a:srgbClr val="666666"/>
+                </a:solidFill>
+                <a:ea typeface="Helvetica Neue"/>
+              </a:rPr>
+              <a:t>都</a:t>
+            </a:r>
+            <a:r>
+              <a:rPr lang="zh-CN" altLang="zh-CN" sz="1400" dirty="0">
+                <a:solidFill>
+                  <a:srgbClr val="666666"/>
+                </a:solidFill>
+                <a:ea typeface="Helvetica Neue"/>
+              </a:rPr>
+              <a:t>往</a:t>
+            </a:r>
+            <a:r>
+              <a:rPr lang="zh-CN" altLang="zh-CN" sz="1400" dirty="0">
+                <a:solidFill>
+                  <a:srgbClr val="DD0055"/>
+                </a:solidFill>
+                <a:latin typeface="Consolas" panose="020B0609020204030204" pitchFamily="49" charset="0"/>
+                <a:ea typeface="Helvetica Neue"/>
+              </a:rPr>
+              <a:t>dev</a:t>
+            </a:r>
+            <a:r>
+              <a:rPr lang="zh-CN" altLang="zh-CN" sz="1400" dirty="0">
+                <a:solidFill>
+                  <a:srgbClr val="666666"/>
+                </a:solidFill>
+                <a:ea typeface="Helvetica Neue"/>
+              </a:rPr>
+              <a:t>分支上合并。比如1.0版本发布时，再把</a:t>
+            </a:r>
+            <a:r>
+              <a:rPr lang="zh-CN" altLang="zh-CN" sz="1400" dirty="0">
+                <a:solidFill>
+                  <a:srgbClr val="DD0055"/>
+                </a:solidFill>
+                <a:latin typeface="Consolas" panose="020B0609020204030204" pitchFamily="49" charset="0"/>
+                <a:ea typeface="Helvetica Neue"/>
+              </a:rPr>
+              <a:t>dev</a:t>
+            </a:r>
+            <a:r>
+              <a:rPr lang="zh-CN" altLang="zh-CN" sz="1400" dirty="0">
+                <a:solidFill>
+                  <a:srgbClr val="666666"/>
+                </a:solidFill>
+                <a:ea typeface="Helvetica Neue"/>
+              </a:rPr>
+              <a:t>分支合并到</a:t>
+            </a:r>
+            <a:r>
+              <a:rPr lang="zh-CN" altLang="zh-CN" sz="1400" dirty="0">
+                <a:solidFill>
+                  <a:srgbClr val="DD0055"/>
+                </a:solidFill>
+                <a:latin typeface="Consolas" panose="020B0609020204030204" pitchFamily="49" charset="0"/>
+                <a:ea typeface="Helvetica Neue"/>
+              </a:rPr>
+              <a:t>master</a:t>
+            </a:r>
+            <a:r>
+              <a:rPr lang="zh-CN" altLang="zh-CN" sz="1400" dirty="0">
+                <a:solidFill>
+                  <a:srgbClr val="666666"/>
+                </a:solidFill>
+                <a:ea typeface="Helvetica Neue"/>
+              </a:rPr>
+              <a:t>上，在</a:t>
+            </a:r>
+            <a:r>
+              <a:rPr lang="zh-CN" altLang="zh-CN" sz="1400" dirty="0">
+                <a:solidFill>
+                  <a:srgbClr val="DD0055"/>
+                </a:solidFill>
+                <a:latin typeface="Consolas" panose="020B0609020204030204" pitchFamily="49" charset="0"/>
+                <a:ea typeface="Helvetica Neue"/>
+              </a:rPr>
+              <a:t>master</a:t>
+            </a:r>
+            <a:r>
+              <a:rPr lang="zh-CN" altLang="zh-CN" sz="1400" dirty="0">
+                <a:solidFill>
+                  <a:srgbClr val="666666"/>
+                </a:solidFill>
+                <a:ea typeface="Helvetica Neue"/>
+              </a:rPr>
+              <a:t>分支发布1.0版本；</a:t>
+            </a:r>
+            <a:endParaRPr lang="zh-CN" altLang="zh-CN" sz="1400" dirty="0">
+              <a:latin typeface="Arial" panose="020B0604020202020204" pitchFamily="34" charset="0"/>
+            </a:endParaRPr>
+          </a:p>
+          <a:p>
+            <a:pPr lvl="0" rtl="0">
+              <a:lnSpc>
+                <a:spcPct val="150000"/>
+              </a:lnSpc>
+              <a:spcBef>
+                <a:spcPct val="0"/>
+              </a:spcBef>
+              <a:spcAft>
+                <a:spcPct val="0"/>
+              </a:spcAft>
+            </a:pPr>
+            <a:endParaRPr lang="zh-CN" altLang="zh-CN" sz="1400" dirty="0">
+              <a:latin typeface="Arial" panose="020B0604020202020204" pitchFamily="34" charset="0"/>
+            </a:endParaRPr>
+          </a:p>
+          <a:p>
+            <a:pPr lvl="0" rtl="0">
+              <a:lnSpc>
+                <a:spcPct val="150000"/>
+              </a:lnSpc>
+              <a:spcBef>
+                <a:spcPct val="0"/>
+              </a:spcBef>
+              <a:spcAft>
+                <a:spcPct val="0"/>
+              </a:spcAft>
+            </a:pPr>
+            <a:r>
+              <a:rPr lang="zh-CN" altLang="zh-CN" sz="1400" dirty="0">
+                <a:solidFill>
+                  <a:srgbClr val="666666"/>
+                </a:solidFill>
+                <a:latin typeface="Arial" panose="020B0604020202020204" pitchFamily="34" charset="0"/>
+                <a:ea typeface="Helvetica Neue"/>
+              </a:rPr>
+              <a:t>所以，团队合作的分支看起来就像这样：</a:t>
+            </a:r>
+            <a:endParaRPr lang="zh-CN" altLang="zh-CN" sz="1400" dirty="0">
+              <a:latin typeface="Arial" panose="020B0604020202020204" pitchFamily="34" charset="0"/>
+            </a:endParaRPr>
+          </a:p>
+          <a:p>
+            <a:endParaRPr lang="zh-CN" altLang="en-US" dirty="0"/>
           </a:p>
         </p:txBody>
       </p:sp>
       <p:pic>
         <p:nvPicPr>
-          <p:cNvPr id="3" name="图片 2">
+          <p:cNvPr id="4" name="图片 3">
             <a:extLst>
               <a:ext uri="{FF2B5EF4-FFF2-40B4-BE49-F238E27FC236}">
-                <a16:creationId xmlns:a16="http://schemas.microsoft.com/office/drawing/2014/main" id="{E0389DF5-C4FA-40B9-A1E1-F40246626487}"/>
+                <a16:creationId xmlns:a16="http://schemas.microsoft.com/office/drawing/2014/main" id="{039A8CB6-2079-4213-8D39-4FF8345FE47D}"/>
               </a:ext>
             </a:extLst>
           </p:cNvPr>
@@ -9965,14 +11231,166 @@
         </p:blipFill>
         <p:spPr>
           <a:xfrm>
-            <a:off x="1336365" y="1712631"/>
-            <a:ext cx="6180627" cy="2664296"/>
+            <a:off x="1801268" y="3349729"/>
+            <a:ext cx="5541464" cy="1602475"/>
           </a:xfrm>
           <a:prstGeom prst="rect">
             <a:avLst/>
           </a:prstGeom>
         </p:spPr>
       </p:pic>
+    </p:spTree>
+    <p:extLst>
+      <p:ext uri="{BB962C8B-B14F-4D97-AF65-F5344CB8AC3E}">
+        <p14:creationId xmlns:p14="http://schemas.microsoft.com/office/powerpoint/2010/main" val="3774219433"/>
+      </p:ext>
+    </p:extLst>
+  </p:cSld>
+  <p:clrMapOvr>
+    <a:masterClrMapping/>
+  </p:clrMapOvr>
+</p:sld>
+</file>
+
+<file path=ppt/slides/slide16.xml><?xml version="1.0" encoding="utf-8"?>
+<p:sld xmlns:a="http://schemas.openxmlformats.org/drawingml/2006/main" xmlns:r="http://schemas.openxmlformats.org/officeDocument/2006/relationships" xmlns:p="http://schemas.openxmlformats.org/presentationml/2006/main">
+  <p:cSld>
+    <p:spTree>
+      <p:nvGrpSpPr>
+        <p:cNvPr id="1" name=""/>
+        <p:cNvGrpSpPr/>
+        <p:nvPr/>
+      </p:nvGrpSpPr>
+      <p:grpSpPr>
+        <a:xfrm>
+          <a:off x="0" y="0"/>
+          <a:ext cx="0" cy="0"/>
+          <a:chOff x="0" y="0"/>
+          <a:chExt cx="0" cy="0"/>
+        </a:xfrm>
+      </p:grpSpPr>
+      <p:sp>
+        <p:nvSpPr>
+          <p:cNvPr id="17" name="矩形"/>
+          <p:cNvSpPr>
+            <a:spLocks/>
+          </p:cNvSpPr>
+          <p:nvPr/>
+        </p:nvSpPr>
+        <p:spPr>
+          <a:xfrm>
+            <a:off x="2987824" y="494551"/>
+            <a:ext cx="2877711" cy="553998"/>
+          </a:xfrm>
+          <a:prstGeom prst="rect">
+            <a:avLst/>
+          </a:prstGeom>
+          <a:noFill/>
+          <a:ln w="9525" cap="flat" cmpd="sng">
+            <a:noFill/>
+            <a:prstDash val="solid"/>
+            <a:miter/>
+          </a:ln>
+        </p:spPr>
+        <p:txBody>
+          <a:bodyPr vert="horz" wrap="none" lIns="91440" tIns="45720" rIns="91440" bIns="45720" anchor="t" anchorCtr="0">
+            <a:prstTxWarp prst="textNoShape">
+              <a:avLst/>
+            </a:prstTxWarp>
+            <a:spAutoFit/>
+          </a:bodyPr>
+          <a:lstStyle/>
+          <a:p>
+            <a:r>
+              <a:rPr lang="zh-CN" altLang="en-US" sz="3000" b="1" u="none" strike="noStrike" kern="0" cap="none" spc="0" baseline="0" dirty="0">
+                <a:solidFill>
+                  <a:srgbClr val="C9394A"/>
+                </a:solidFill>
+                <a:latin typeface="微软雅黑" charset="0"/>
+                <a:ea typeface="微软雅黑" charset="0"/>
+                <a:cs typeface="微软雅黑" charset="0"/>
+                <a:sym typeface="Calibri" pitchFamily="34" charset="0"/>
+              </a:rPr>
+              <a:t>分支的</a:t>
+            </a:r>
+            <a:r>
+              <a:rPr lang="zh-CN" altLang="en-US" sz="3000" b="1" kern="0" dirty="0">
+                <a:solidFill>
+                  <a:srgbClr val="C9394A"/>
+                </a:solidFill>
+                <a:latin typeface="微软雅黑" charset="0"/>
+                <a:ea typeface="微软雅黑" charset="0"/>
+                <a:cs typeface="微软雅黑" charset="0"/>
+                <a:sym typeface="Calibri" pitchFamily="34" charset="0"/>
+              </a:rPr>
+              <a:t>团队协作</a:t>
+            </a:r>
+          </a:p>
+        </p:txBody>
+      </p:sp>
+      <p:graphicFrame>
+        <p:nvGraphicFramePr>
+          <p:cNvPr id="2" name="对象 1">
+            <a:extLst>
+              <a:ext uri="{FF2B5EF4-FFF2-40B4-BE49-F238E27FC236}">
+                <a16:creationId xmlns:a16="http://schemas.microsoft.com/office/drawing/2014/main" id="{95D2C018-A844-4130-A90C-C912B05E65EB}"/>
+              </a:ext>
+            </a:extLst>
+          </p:cNvPr>
+          <p:cNvGraphicFramePr>
+            <a:graphicFrameLocks noChangeAspect="1"/>
+          </p:cNvGraphicFramePr>
+          <p:nvPr>
+            <p:extLst>
+              <p:ext uri="{D42A27DB-BD31-4B8C-83A1-F6EECF244321}">
+                <p14:modId xmlns:p14="http://schemas.microsoft.com/office/powerpoint/2010/main" val="2477402973"/>
+              </p:ext>
+            </p:extLst>
+          </p:nvPr>
+        </p:nvGraphicFramePr>
+        <p:xfrm>
+          <a:off x="904195" y="1203598"/>
+          <a:ext cx="7335610" cy="3165434"/>
+        </p:xfrm>
+        <a:graphic>
+          <a:graphicData uri="http://schemas.openxmlformats.org/presentationml/2006/ole">
+            <mc:AlternateContent xmlns:mc="http://schemas.openxmlformats.org/markup-compatibility/2006">
+              <mc:Choice xmlns:v="urn:schemas-microsoft-com:vml" Requires="v">
+                <p:oleObj spid="_x0000_s3075" r:id="rId4" imgW="8241120" imgH="3555360" progId="">
+                  <p:embed/>
+                </p:oleObj>
+              </mc:Choice>
+              <mc:Fallback>
+                <p:oleObj r:id="rId4" imgW="8241120" imgH="3555360" progId="">
+                  <p:embed/>
+                  <p:pic>
+                    <p:nvPicPr>
+                      <p:cNvPr id="0" name=""/>
+                      <p:cNvPicPr/>
+                      <p:nvPr/>
+                    </p:nvPicPr>
+                    <p:blipFill>
+                      <a:blip r:embed="rId5"/>
+                      <a:stretch>
+                        <a:fillRect/>
+                      </a:stretch>
+                    </p:blipFill>
+                    <p:spPr>
+                      <a:xfrm>
+                        <a:off x="904195" y="1203598"/>
+                        <a:ext cx="7335610" cy="3165434"/>
+                      </a:xfrm>
+                      <a:prstGeom prst="rect">
+                        <a:avLst/>
+                      </a:prstGeom>
+                    </p:spPr>
+                  </p:pic>
+                </p:oleObj>
+              </mc:Fallback>
+            </mc:AlternateContent>
+          </a:graphicData>
+        </a:graphic>
+      </p:graphicFrame>
       <p:sp>
         <p:nvSpPr>
           <p:cNvPr id="5" name="矩形 4">
@@ -10060,7 +11478,7 @@
                 <a:latin typeface="微软雅黑" panose="020B0503020204020204" pitchFamily="34" charset="-122"/>
                 <a:ea typeface="微软雅黑" panose="020B0503020204020204" pitchFamily="34" charset="-122"/>
               </a:rPr>
-              <a:t>便于协同开发发布管理</a:t>
+              <a:t>便于协同开发与发布管理</a:t>
             </a:r>
           </a:p>
         </p:txBody>
@@ -10096,7 +11514,7 @@
                             </p:stCondLst>
                             <p:childTnLst>
                               <p:par>
-                                <p:cTn id="5" presetID="6" presetClass="entr" presetSubtype="16" fill="hold" nodeType="clickEffect">
+                                <p:cTn id="5" presetID="26" presetClass="entr" presetSubtype="0" fill="hold" grpId="0" nodeType="clickEffect">
                                   <p:stCondLst>
                                     <p:cond delay="0"/>
                                   </p:stCondLst>
@@ -10104,59 +11522,6 @@
                                     <p:set>
                                       <p:cBhvr>
                                         <p:cTn id="6" dur="1" fill="hold">
-                                          <p:stCondLst>
-                                            <p:cond delay="0"/>
-                                          </p:stCondLst>
-                                        </p:cTn>
-                                        <p:tgtEl>
-                                          <p:spTgt spid="3"/>
-                                        </p:tgtEl>
-                                        <p:attrNameLst>
-                                          <p:attrName>style.visibility</p:attrName>
-                                        </p:attrNameLst>
-                                      </p:cBhvr>
-                                      <p:to>
-                                        <p:strVal val="visible"/>
-                                      </p:to>
-                                    </p:set>
-                                    <p:animEffect transition="in" filter="circle(in)">
-                                      <p:cBhvr>
-                                        <p:cTn id="7" dur="2000"/>
-                                        <p:tgtEl>
-                                          <p:spTgt spid="3"/>
-                                        </p:tgtEl>
-                                      </p:cBhvr>
-                                    </p:animEffect>
-                                  </p:childTnLst>
-                                </p:cTn>
-                              </p:par>
-                            </p:childTnLst>
-                          </p:cTn>
-                        </p:par>
-                      </p:childTnLst>
-                    </p:cTn>
-                  </p:par>
-                  <p:par>
-                    <p:cTn id="8" fill="hold">
-                      <p:stCondLst>
-                        <p:cond delay="indefinite"/>
-                      </p:stCondLst>
-                      <p:childTnLst>
-                        <p:par>
-                          <p:cTn id="9" fill="hold">
-                            <p:stCondLst>
-                              <p:cond delay="0"/>
-                            </p:stCondLst>
-                            <p:childTnLst>
-                              <p:par>
-                                <p:cTn id="10" presetID="26" presetClass="entr" presetSubtype="0" fill="hold" grpId="0" nodeType="clickEffect">
-                                  <p:stCondLst>
-                                    <p:cond delay="0"/>
-                                  </p:stCondLst>
-                                  <p:childTnLst>
-                                    <p:set>
-                                      <p:cBhvr>
-                                        <p:cTn id="11" dur="1" fill="hold">
                                           <p:stCondLst>
                                             <p:cond delay="0"/>
                                           </p:stCondLst>
@@ -10174,7 +11539,7 @@
                                     </p:set>
                                     <p:animEffect transition="in" filter="wipe(down)">
                                       <p:cBhvr>
-                                        <p:cTn id="12" dur="580">
+                                        <p:cTn id="7" dur="580">
                                           <p:stCondLst>
                                             <p:cond delay="0"/>
                                           </p:stCondLst>
@@ -10186,7 +11551,7 @@
                                     </p:animEffect>
                                     <p:anim calcmode="lin" valueType="num">
                                       <p:cBhvr>
-                                        <p:cTn id="13" dur="1822" tmFilter="0,0; 0.14,0.36; 0.43,0.73; 0.71,0.91; 1.0,1.0">
+                                        <p:cTn id="8" dur="1822" tmFilter="0,0; 0.14,0.36; 0.43,0.73; 0.71,0.91; 1.0,1.0">
                                           <p:stCondLst>
                                             <p:cond delay="0"/>
                                           </p:stCondLst>
@@ -10213,7 +11578,7 @@
                                     </p:anim>
                                     <p:anim calcmode="lin" valueType="num">
                                       <p:cBhvr>
-                                        <p:cTn id="14" dur="664" tmFilter="0.0,0.0; 0.25,0.07; 0.50,0.2; 0.75,0.467; 1.0,1.0">
+                                        <p:cTn id="9" dur="664" tmFilter="0.0,0.0; 0.25,0.07; 0.50,0.2; 0.75,0.467; 1.0,1.0">
                                           <p:stCondLst>
                                             <p:cond delay="0"/>
                                           </p:stCondLst>
@@ -10240,7 +11605,7 @@
                                     </p:anim>
                                     <p:anim calcmode="lin" valueType="num">
                                       <p:cBhvr>
-                                        <p:cTn id="15" dur="664" tmFilter="0, 0; 0.125,0.2665; 0.25,0.4; 0.375,0.465; 0.5,0.5;  0.625,0.535; 0.75,0.6; 0.875,0.7335; 1,1">
+                                        <p:cTn id="10" dur="664" tmFilter="0, 0; 0.125,0.2665; 0.25,0.4; 0.375,0.465; 0.5,0.5;  0.625,0.535; 0.75,0.6; 0.875,0.7335; 1,1">
                                           <p:stCondLst>
                                             <p:cond delay="664"/>
                                           </p:stCondLst>
@@ -10267,7 +11632,7 @@
                                     </p:anim>
                                     <p:anim calcmode="lin" valueType="num">
                                       <p:cBhvr>
-                                        <p:cTn id="16" dur="332" tmFilter="0, 0; 0.125,0.2665; 0.25,0.4; 0.375,0.465; 0.5,0.5;  0.625,0.535; 0.75,0.6; 0.875,0.7335; 1,1">
+                                        <p:cTn id="11" dur="332" tmFilter="0, 0; 0.125,0.2665; 0.25,0.4; 0.375,0.465; 0.5,0.5;  0.625,0.535; 0.75,0.6; 0.875,0.7335; 1,1">
                                           <p:stCondLst>
                                             <p:cond delay="1324"/>
                                           </p:stCondLst>
@@ -10294,7 +11659,7 @@
                                     </p:anim>
                                     <p:anim calcmode="lin" valueType="num">
                                       <p:cBhvr>
-                                        <p:cTn id="17" dur="164" tmFilter="0, 0; 0.125,0.2665; 0.25,0.4; 0.375,0.465; 0.5,0.5;  0.625,0.535; 0.75,0.6; 0.875,0.7335; 1,1">
+                                        <p:cTn id="12" dur="164" tmFilter="0, 0; 0.125,0.2665; 0.25,0.4; 0.375,0.465; 0.5,0.5;  0.625,0.535; 0.75,0.6; 0.875,0.7335; 1,1">
                                           <p:stCondLst>
                                             <p:cond delay="1656"/>
                                           </p:stCondLst>
@@ -10321,7 +11686,7 @@
                                     </p:anim>
                                     <p:animScale>
                                       <p:cBhvr>
-                                        <p:cTn id="18" dur="26">
+                                        <p:cTn id="13" dur="26">
                                           <p:stCondLst>
                                             <p:cond delay="650"/>
                                           </p:stCondLst>
@@ -10334,7 +11699,7 @@
                                     </p:animScale>
                                     <p:animScale>
                                       <p:cBhvr>
-                                        <p:cTn id="19" dur="166" decel="50000">
+                                        <p:cTn id="14" dur="166" decel="50000">
                                           <p:stCondLst>
                                             <p:cond delay="676"/>
                                           </p:stCondLst>
@@ -10347,7 +11712,7 @@
                                     </p:animScale>
                                     <p:animScale>
                                       <p:cBhvr>
-                                        <p:cTn id="20" dur="26">
+                                        <p:cTn id="15" dur="26">
                                           <p:stCondLst>
                                             <p:cond delay="1312"/>
                                           </p:stCondLst>
@@ -10360,7 +11725,7 @@
                                     </p:animScale>
                                     <p:animScale>
                                       <p:cBhvr>
-                                        <p:cTn id="21" dur="166" decel="50000">
+                                        <p:cTn id="16" dur="166" decel="50000">
                                           <p:stCondLst>
                                             <p:cond delay="1338"/>
                                           </p:stCondLst>
@@ -10373,7 +11738,7 @@
                                     </p:animScale>
                                     <p:animScale>
                                       <p:cBhvr>
-                                        <p:cTn id="22" dur="26">
+                                        <p:cTn id="17" dur="26">
                                           <p:stCondLst>
                                             <p:cond delay="1642"/>
                                           </p:stCondLst>
@@ -10386,7 +11751,7 @@
                                     </p:animScale>
                                     <p:animScale>
                                       <p:cBhvr>
-                                        <p:cTn id="23" dur="166" decel="50000">
+                                        <p:cTn id="18" dur="166" decel="50000">
                                           <p:stCondLst>
                                             <p:cond delay="1668"/>
                                           </p:stCondLst>
@@ -10399,7 +11764,7 @@
                                     </p:animScale>
                                     <p:animScale>
                                       <p:cBhvr>
-                                        <p:cTn id="24" dur="26">
+                                        <p:cTn id="19" dur="26">
                                           <p:stCondLst>
                                             <p:cond delay="1808"/>
                                           </p:stCondLst>
@@ -10412,7 +11777,7 @@
                                     </p:animScale>
                                     <p:animScale>
                                       <p:cBhvr>
-                                        <p:cTn id="25" dur="166" decel="50000">
+                                        <p:cTn id="20" dur="166" decel="50000">
                                           <p:stCondLst>
                                             <p:cond delay="1834"/>
                                           </p:stCondLst>
@@ -10460,7 +11825,7 @@
 </p:sld>
 </file>
 
-<file path=ppt/slides/slide15.xml><?xml version="1.0" encoding="utf-8"?>
+<file path=ppt/slides/slide17.xml><?xml version="1.0" encoding="utf-8"?>
 <p:sld xmlns:a="http://schemas.openxmlformats.org/drawingml/2006/main" xmlns:r="http://schemas.openxmlformats.org/officeDocument/2006/relationships" xmlns:p="http://schemas.openxmlformats.org/presentationml/2006/main">
   <p:cSld>
     <p:spTree>
@@ -10487,338 +11852,6 @@
         </p:nvSpPr>
         <p:spPr>
           <a:xfrm>
-            <a:off x="3710225" y="427327"/>
-            <a:ext cx="1723549" cy="553998"/>
-          </a:xfrm>
-          <a:prstGeom prst="rect">
-            <a:avLst/>
-          </a:prstGeom>
-          <a:noFill/>
-          <a:ln w="9525" cap="flat" cmpd="sng">
-            <a:noFill/>
-            <a:prstDash val="solid"/>
-            <a:miter/>
-          </a:ln>
-        </p:spPr>
-        <p:txBody>
-          <a:bodyPr vert="horz" wrap="none" lIns="91440" tIns="45720" rIns="91440" bIns="45720" anchor="t" anchorCtr="0">
-            <a:prstTxWarp prst="textNoShape">
-              <a:avLst/>
-            </a:prstTxWarp>
-            <a:spAutoFit/>
-          </a:bodyPr>
-          <a:lstStyle/>
-          <a:p>
-            <a:r>
-              <a:rPr lang="zh-CN" altLang="en-US" sz="3000" b="1" u="none" strike="noStrike" kern="0" cap="none" spc="0" baseline="0" dirty="0">
-                <a:solidFill>
-                  <a:srgbClr val="C9394A"/>
-                </a:solidFill>
-                <a:latin typeface="微软雅黑" charset="0"/>
-                <a:ea typeface="微软雅黑" charset="0"/>
-                <a:cs typeface="微软雅黑" charset="0"/>
-                <a:sym typeface="Calibri" pitchFamily="34" charset="0"/>
-              </a:rPr>
-              <a:t>分支管理</a:t>
-            </a:r>
-            <a:endParaRPr lang="zh-CN" altLang="en-US" u="none" strike="noStrike" kern="1200" cap="none" spc="0" baseline="0" dirty="0">
-              <a:solidFill>
-                <a:schemeClr val="tx1"/>
-              </a:solidFill>
-              <a:latin typeface="Calibri" pitchFamily="34" charset="0"/>
-              <a:ea typeface="宋体" pitchFamily="2" charset="-122"/>
-              <a:cs typeface="微软雅黑" charset="0"/>
-            </a:endParaRPr>
-          </a:p>
-        </p:txBody>
-      </p:sp>
-      <p:pic>
-        <p:nvPicPr>
-          <p:cNvPr id="6" name="图片 5">
-            <a:extLst>
-              <a:ext uri="{FF2B5EF4-FFF2-40B4-BE49-F238E27FC236}">
-                <a16:creationId xmlns:a16="http://schemas.microsoft.com/office/drawing/2014/main" id="{834667EB-CEE9-4ECF-9215-CD5ABCA943E1}"/>
-              </a:ext>
-            </a:extLst>
-          </p:cNvPr>
-          <p:cNvPicPr>
-            <a:picLocks noChangeAspect="1"/>
-          </p:cNvPicPr>
-          <p:nvPr/>
-        </p:nvPicPr>
-        <p:blipFill>
-          <a:blip r:embed="rId3"/>
-          <a:stretch>
-            <a:fillRect/>
-          </a:stretch>
-        </p:blipFill>
-        <p:spPr>
-          <a:xfrm>
-            <a:off x="2411760" y="2316325"/>
-            <a:ext cx="3816424" cy="1979473"/>
-          </a:xfrm>
-          <a:prstGeom prst="rect">
-            <a:avLst/>
-          </a:prstGeom>
-        </p:spPr>
-      </p:pic>
-      <p:sp>
-        <p:nvSpPr>
-          <p:cNvPr id="7" name="矩形">
-            <a:extLst>
-              <a:ext uri="{FF2B5EF4-FFF2-40B4-BE49-F238E27FC236}">
-                <a16:creationId xmlns:a16="http://schemas.microsoft.com/office/drawing/2014/main" id="{EFC72CD9-084D-4474-BB9F-79D9DB9CD824}"/>
-              </a:ext>
-            </a:extLst>
-          </p:cNvPr>
-          <p:cNvSpPr>
-            <a:spLocks/>
-          </p:cNvSpPr>
-          <p:nvPr/>
-        </p:nvSpPr>
-        <p:spPr>
-          <a:xfrm>
-            <a:off x="578721" y="1300662"/>
-            <a:ext cx="8565279" cy="1015663"/>
-          </a:xfrm>
-          <a:prstGeom prst="rect">
-            <a:avLst/>
-          </a:prstGeom>
-          <a:noFill/>
-          <a:ln w="9525" cap="flat" cmpd="sng">
-            <a:noFill/>
-            <a:prstDash val="solid"/>
-            <a:miter/>
-          </a:ln>
-        </p:spPr>
-        <p:txBody>
-          <a:bodyPr vert="horz" wrap="square" lIns="91440" tIns="45720" rIns="91440" bIns="45720" anchor="ctr" anchorCtr="0">
-            <a:prstTxWarp prst="textNoShape">
-              <a:avLst/>
-            </a:prstTxWarp>
-            <a:spAutoFit/>
-          </a:bodyPr>
-          <a:lstStyle/>
-          <a:p>
-            <a:pPr marL="800100" lvl="1" indent="-342900">
-              <a:buFont typeface="Wingdings" panose="05000000000000000000" pitchFamily="2" charset="2"/>
-              <a:buChar char="u"/>
-            </a:pPr>
-            <a:r>
-              <a:rPr lang="zh-CN" altLang="en-US" sz="2000" dirty="0">
-                <a:solidFill>
-                  <a:srgbClr val="212121"/>
-                </a:solidFill>
-                <a:latin typeface="微软雅黑" charset="0"/>
-                <a:ea typeface="微软雅黑" charset="0"/>
-                <a:cs typeface="微软雅黑" charset="0"/>
-                <a:sym typeface="Calibri" pitchFamily="34" charset="0"/>
-              </a:rPr>
-              <a:t>分支管理策略</a:t>
-            </a:r>
-            <a:endParaRPr lang="en-US" altLang="zh-CN" sz="2000" dirty="0">
-              <a:solidFill>
-                <a:srgbClr val="212121"/>
-              </a:solidFill>
-              <a:latin typeface="微软雅黑" charset="0"/>
-              <a:ea typeface="微软雅黑" charset="0"/>
-              <a:cs typeface="微软雅黑" charset="0"/>
-              <a:sym typeface="Calibri" pitchFamily="34" charset="0"/>
-            </a:endParaRPr>
-          </a:p>
-          <a:p>
-            <a:pPr lvl="1"/>
-            <a:endParaRPr lang="en-US" altLang="zh-CN" sz="2000" dirty="0">
-              <a:solidFill>
-                <a:srgbClr val="C9394A"/>
-              </a:solidFill>
-              <a:latin typeface="微软雅黑" charset="0"/>
-              <a:ea typeface="微软雅黑" charset="0"/>
-              <a:cs typeface="微软雅黑" charset="0"/>
-              <a:sym typeface="Calibri" pitchFamily="34" charset="0"/>
-            </a:endParaRPr>
-          </a:p>
-          <a:p>
-            <a:pPr lvl="1"/>
-            <a:r>
-              <a:rPr lang="en-US" altLang="zh-CN" sz="2000" dirty="0">
-                <a:solidFill>
-                  <a:srgbClr val="C9394A"/>
-                </a:solidFill>
-                <a:latin typeface="微软雅黑" charset="0"/>
-                <a:ea typeface="微软雅黑" charset="0"/>
-                <a:cs typeface="微软雅黑" charset="0"/>
-                <a:sym typeface="Calibri" pitchFamily="34" charset="0"/>
-              </a:rPr>
-              <a:t>	</a:t>
-            </a:r>
-          </a:p>
-        </p:txBody>
-      </p:sp>
-    </p:spTree>
-    <p:extLst>
-      <p:ext uri="{BB962C8B-B14F-4D97-AF65-F5344CB8AC3E}">
-        <p14:creationId xmlns:p14="http://schemas.microsoft.com/office/powerpoint/2010/main" val="3774219433"/>
-      </p:ext>
-    </p:extLst>
-  </p:cSld>
-  <p:clrMapOvr>
-    <a:masterClrMapping/>
-  </p:clrMapOvr>
-  <p:timing>
-    <p:tnLst>
-      <p:par>
-        <p:cTn id="1" dur="indefinite" restart="never" nodeType="tmRoot">
-          <p:childTnLst>
-            <p:seq concurrent="1" nextAc="seek">
-              <p:cTn id="2" dur="indefinite" nodeType="mainSeq">
-                <p:childTnLst>
-                  <p:par>
-                    <p:cTn id="3" fill="hold">
-                      <p:stCondLst>
-                        <p:cond delay="indefinite"/>
-                      </p:stCondLst>
-                      <p:childTnLst>
-                        <p:par>
-                          <p:cTn id="4" fill="hold">
-                            <p:stCondLst>
-                              <p:cond delay="0"/>
-                            </p:stCondLst>
-                            <p:childTnLst>
-                              <p:par>
-                                <p:cTn id="5" presetID="2" presetClass="entr" presetSubtype="4" fill="hold" grpId="0" nodeType="clickEffect">
-                                  <p:stCondLst>
-                                    <p:cond delay="0"/>
-                                  </p:stCondLst>
-                                  <p:childTnLst>
-                                    <p:set>
-                                      <p:cBhvr>
-                                        <p:cTn id="6" dur="1" fill="hold">
-                                          <p:stCondLst>
-                                            <p:cond delay="0"/>
-                                          </p:stCondLst>
-                                        </p:cTn>
-                                        <p:tgtEl>
-                                          <p:spTgt spid="7"/>
-                                        </p:tgtEl>
-                                        <p:attrNameLst>
-                                          <p:attrName>style.visibility</p:attrName>
-                                        </p:attrNameLst>
-                                      </p:cBhvr>
-                                      <p:to>
-                                        <p:strVal val="visible"/>
-                                      </p:to>
-                                    </p:set>
-                                    <p:anim calcmode="lin" valueType="num">
-                                      <p:cBhvr additive="base">
-                                        <p:cTn id="7" dur="500" fill="hold"/>
-                                        <p:tgtEl>
-                                          <p:spTgt spid="7"/>
-                                        </p:tgtEl>
-                                        <p:attrNameLst>
-                                          <p:attrName>ppt_x</p:attrName>
-                                        </p:attrNameLst>
-                                      </p:cBhvr>
-                                      <p:tavLst>
-                                        <p:tav tm="0">
-                                          <p:val>
-                                            <p:strVal val="#ppt_x"/>
-                                          </p:val>
-                                        </p:tav>
-                                        <p:tav tm="100000">
-                                          <p:val>
-                                            <p:strVal val="#ppt_x"/>
-                                          </p:val>
-                                        </p:tav>
-                                      </p:tavLst>
-                                    </p:anim>
-                                    <p:anim calcmode="lin" valueType="num">
-                                      <p:cBhvr additive="base">
-                                        <p:cTn id="8" dur="500" fill="hold"/>
-                                        <p:tgtEl>
-                                          <p:spTgt spid="7"/>
-                                        </p:tgtEl>
-                                        <p:attrNameLst>
-                                          <p:attrName>ppt_y</p:attrName>
-                                        </p:attrNameLst>
-                                      </p:cBhvr>
-                                      <p:tavLst>
-                                        <p:tav tm="0">
-                                          <p:val>
-                                            <p:strVal val="1+#ppt_h/2"/>
-                                          </p:val>
-                                        </p:tav>
-                                        <p:tav tm="100000">
-                                          <p:val>
-                                            <p:strVal val="#ppt_y"/>
-                                          </p:val>
-                                        </p:tav>
-                                      </p:tavLst>
-                                    </p:anim>
-                                  </p:childTnLst>
-                                </p:cTn>
-                              </p:par>
-                            </p:childTnLst>
-                          </p:cTn>
-                        </p:par>
-                      </p:childTnLst>
-                    </p:cTn>
-                  </p:par>
-                </p:childTnLst>
-              </p:cTn>
-              <p:prevCondLst>
-                <p:cond evt="onPrev" delay="0">
-                  <p:tgtEl>
-                    <p:sldTgt/>
-                  </p:tgtEl>
-                </p:cond>
-              </p:prevCondLst>
-              <p:nextCondLst>
-                <p:cond evt="onNext" delay="0">
-                  <p:tgtEl>
-                    <p:sldTgt/>
-                  </p:tgtEl>
-                </p:cond>
-              </p:nextCondLst>
-            </p:seq>
-          </p:childTnLst>
-        </p:cTn>
-      </p:par>
-    </p:tnLst>
-    <p:bldLst>
-      <p:bldP spid="7" grpId="0"/>
-    </p:bldLst>
-  </p:timing>
-</p:sld>
-</file>
-
-<file path=ppt/slides/slide16.xml><?xml version="1.0" encoding="utf-8"?>
-<p:sld xmlns:a="http://schemas.openxmlformats.org/drawingml/2006/main" xmlns:r="http://schemas.openxmlformats.org/officeDocument/2006/relationships" xmlns:p="http://schemas.openxmlformats.org/presentationml/2006/main">
-  <p:cSld>
-    <p:spTree>
-      <p:nvGrpSpPr>
-        <p:cNvPr id="1" name=""/>
-        <p:cNvGrpSpPr/>
-        <p:nvPr/>
-      </p:nvGrpSpPr>
-      <p:grpSpPr>
-        <a:xfrm>
-          <a:off x="0" y="0"/>
-          <a:ext cx="0" cy="0"/>
-          <a:chOff x="0" y="0"/>
-          <a:chExt cx="0" cy="0"/>
-        </a:xfrm>
-      </p:grpSpPr>
-      <p:sp>
-        <p:nvSpPr>
-          <p:cNvPr id="17" name="矩形"/>
-          <p:cNvSpPr>
-            <a:spLocks/>
-          </p:cNvSpPr>
-          <p:nvPr/>
-        </p:nvSpPr>
-        <p:spPr>
-          <a:xfrm>
             <a:off x="3133144" y="448620"/>
             <a:ext cx="2877711" cy="553998"/>
           </a:xfrm>
@@ -11067,7 +12100,7 @@
 </p:sld>
 </file>
 
-<file path=ppt/slides/slide17.xml><?xml version="1.0" encoding="utf-8"?>
+<file path=ppt/slides/slide18.xml><?xml version="1.0" encoding="utf-8"?>
 <p:sld xmlns:a="http://schemas.openxmlformats.org/drawingml/2006/main" xmlns:r="http://schemas.openxmlformats.org/officeDocument/2006/relationships" xmlns:p="http://schemas.openxmlformats.org/presentationml/2006/main">
   <p:cSld>
     <p:spTree>
@@ -11305,7 +12338,7 @@
 </p:sld>
 </file>
 
-<file path=ppt/slides/slide18.xml><?xml version="1.0" encoding="utf-8"?>
+<file path=ppt/slides/slide19.xml><?xml version="1.0" encoding="utf-8"?>
 <p:sld xmlns:a="http://schemas.openxmlformats.org/drawingml/2006/main" xmlns:r="http://schemas.openxmlformats.org/officeDocument/2006/relationships" xmlns:p="http://schemas.openxmlformats.org/presentationml/2006/main">
   <p:cSld>
     <p:spTree>
@@ -11352,6 +12385,51 @@
           </a:prstGeom>
         </p:spPr>
       </p:pic>
+      <p:sp>
+        <p:nvSpPr>
+          <p:cNvPr id="2" name="矩形 1">
+            <a:extLst>
+              <a:ext uri="{FF2B5EF4-FFF2-40B4-BE49-F238E27FC236}">
+                <a16:creationId xmlns:a16="http://schemas.microsoft.com/office/drawing/2014/main" id="{5803922B-43DB-4799-A727-E8C0B5BDF47C}"/>
+              </a:ext>
+            </a:extLst>
+          </p:cNvPr>
+          <p:cNvSpPr/>
+          <p:nvPr/>
+        </p:nvSpPr>
+        <p:spPr>
+          <a:xfrm>
+            <a:off x="3563888" y="267494"/>
+            <a:ext cx="1723549" cy="461665"/>
+          </a:xfrm>
+          <a:prstGeom prst="rect">
+            <a:avLst/>
+          </a:prstGeom>
+        </p:spPr>
+        <p:txBody>
+          <a:bodyPr wrap="none">
+            <a:spAutoFit/>
+          </a:bodyPr>
+          <a:lstStyle/>
+          <a:p>
+            <a:r>
+              <a:rPr lang="zh-CN" altLang="en-US" sz="2400" b="1" kern="0" dirty="0">
+                <a:solidFill>
+                  <a:srgbClr val="C9394A"/>
+                </a:solidFill>
+                <a:latin typeface="微软雅黑" charset="0"/>
+                <a:ea typeface="微软雅黑" charset="0"/>
+                <a:cs typeface="微软雅黑" charset="0"/>
+                <a:sym typeface="Calibri" pitchFamily="34" charset="0"/>
+              </a:rPr>
+              <a:t>邀请合作者</a:t>
+            </a:r>
+            <a:endParaRPr lang="zh-CN" altLang="en-US" sz="2400" dirty="0">
+              <a:cs typeface="微软雅黑" charset="0"/>
+            </a:endParaRPr>
+          </a:p>
+        </p:txBody>
+      </p:sp>
     </p:spTree>
     <p:extLst>
       <p:ext uri="{BB962C8B-B14F-4D97-AF65-F5344CB8AC3E}">
@@ -11365,7 +12443,328 @@
 </p:sld>
 </file>
 
-<file path=ppt/slides/slide19.xml><?xml version="1.0" encoding="utf-8"?>
+<file path=ppt/slides/slide2.xml><?xml version="1.0" encoding="utf-8"?>
+<p:sld xmlns:a="http://schemas.openxmlformats.org/drawingml/2006/main" xmlns:r="http://schemas.openxmlformats.org/officeDocument/2006/relationships" xmlns:p="http://schemas.openxmlformats.org/presentationml/2006/main">
+  <p:cSld>
+    <p:spTree>
+      <p:nvGrpSpPr>
+        <p:cNvPr id="1" name=""/>
+        <p:cNvGrpSpPr/>
+        <p:nvPr/>
+      </p:nvGrpSpPr>
+      <p:grpSpPr>
+        <a:xfrm>
+          <a:off x="0" y="0"/>
+          <a:ext cx="0" cy="0"/>
+          <a:chOff x="0" y="0"/>
+          <a:chExt cx="0" cy="0"/>
+        </a:xfrm>
+      </p:grpSpPr>
+      <p:sp>
+        <p:nvSpPr>
+          <p:cNvPr id="2" name="矩形"/>
+          <p:cNvSpPr>
+            <a:spLocks/>
+          </p:cNvSpPr>
+          <p:nvPr/>
+        </p:nvSpPr>
+        <p:spPr>
+          <a:xfrm>
+            <a:off x="3133144" y="413251"/>
+            <a:ext cx="2877711" cy="553998"/>
+          </a:xfrm>
+          <a:prstGeom prst="rect">
+            <a:avLst/>
+          </a:prstGeom>
+          <a:noFill/>
+          <a:ln w="9525" cap="flat" cmpd="sng">
+            <a:noFill/>
+            <a:prstDash val="solid"/>
+            <a:miter/>
+          </a:ln>
+        </p:spPr>
+        <p:txBody>
+          <a:bodyPr vert="horz" wrap="none" lIns="91440" tIns="45720" rIns="91440" bIns="45720" anchor="t" anchorCtr="0">
+            <a:prstTxWarp prst="textNoShape">
+              <a:avLst/>
+            </a:prstTxWarp>
+            <a:spAutoFit/>
+          </a:bodyPr>
+          <a:lstStyle/>
+          <a:p>
+            <a:pPr algn="ctr"/>
+            <a:r>
+              <a:rPr lang="zh-CN" altLang="en-US" sz="3000" b="1" kern="0" dirty="0">
+                <a:solidFill>
+                  <a:srgbClr val="C9394A"/>
+                </a:solidFill>
+                <a:latin typeface="微软雅黑" charset="0"/>
+                <a:ea typeface="微软雅黑" charset="0"/>
+                <a:cs typeface="微软雅黑" charset="0"/>
+                <a:sym typeface="Calibri" pitchFamily="34" charset="0"/>
+              </a:rPr>
+              <a:t>本节知识点梳理</a:t>
+            </a:r>
+            <a:endParaRPr lang="zh-CN" altLang="en-US" u="none" strike="noStrike" kern="1200" cap="none" spc="0" baseline="0" dirty="0">
+              <a:solidFill>
+                <a:schemeClr val="tx1"/>
+              </a:solidFill>
+              <a:latin typeface="Calibri" pitchFamily="34" charset="0"/>
+              <a:ea typeface="宋体" pitchFamily="2" charset="-122"/>
+              <a:cs typeface="微软雅黑" charset="0"/>
+            </a:endParaRPr>
+          </a:p>
+        </p:txBody>
+      </p:sp>
+      <p:sp>
+        <p:nvSpPr>
+          <p:cNvPr id="3" name="文本框 2">
+            <a:extLst>
+              <a:ext uri="{FF2B5EF4-FFF2-40B4-BE49-F238E27FC236}">
+                <a16:creationId xmlns:a16="http://schemas.microsoft.com/office/drawing/2014/main" id="{FAE8874F-65CE-42C1-BEAD-4E67B6191FA4}"/>
+              </a:ext>
+            </a:extLst>
+          </p:cNvPr>
+          <p:cNvSpPr txBox="1"/>
+          <p:nvPr/>
+        </p:nvSpPr>
+        <p:spPr>
+          <a:xfrm>
+            <a:off x="5364088" y="4083918"/>
+            <a:ext cx="1569660" cy="369332"/>
+          </a:xfrm>
+          <a:prstGeom prst="rect">
+            <a:avLst/>
+          </a:prstGeom>
+          <a:noFill/>
+        </p:spPr>
+        <p:txBody>
+          <a:bodyPr wrap="none" rtlCol="0">
+            <a:spAutoFit/>
+          </a:bodyPr>
+          <a:lstStyle/>
+          <a:p>
+            <a:r>
+              <a:rPr lang="zh-CN" altLang="en-US" dirty="0"/>
+              <a:t>讲师：孟庆凡</a:t>
+            </a:r>
+          </a:p>
+        </p:txBody>
+      </p:sp>
+      <p:sp>
+        <p:nvSpPr>
+          <p:cNvPr id="4" name="文本框 3">
+            <a:extLst>
+              <a:ext uri="{FF2B5EF4-FFF2-40B4-BE49-F238E27FC236}">
+                <a16:creationId xmlns:a16="http://schemas.microsoft.com/office/drawing/2014/main" id="{2F96853B-2EAE-47CD-8650-A298C580F7E0}"/>
+              </a:ext>
+            </a:extLst>
+          </p:cNvPr>
+          <p:cNvSpPr txBox="1"/>
+          <p:nvPr/>
+        </p:nvSpPr>
+        <p:spPr>
+          <a:xfrm>
+            <a:off x="971600" y="1424832"/>
+            <a:ext cx="3467616" cy="1987852"/>
+          </a:xfrm>
+          <a:prstGeom prst="rect">
+            <a:avLst/>
+          </a:prstGeom>
+          <a:noFill/>
+        </p:spPr>
+        <p:txBody>
+          <a:bodyPr wrap="none" rtlCol="0">
+            <a:spAutoFit/>
+          </a:bodyPr>
+          <a:lstStyle/>
+          <a:p>
+            <a:pPr>
+              <a:lnSpc>
+                <a:spcPct val="200000"/>
+              </a:lnSpc>
+            </a:pPr>
+            <a:r>
+              <a:rPr lang="en-US" altLang="zh-CN" sz="1600" dirty="0">
+                <a:latin typeface="微软雅黑" panose="020B0503020204020204" pitchFamily="34" charset="-122"/>
+                <a:ea typeface="微软雅黑" panose="020B0503020204020204" pitchFamily="34" charset="-122"/>
+              </a:rPr>
+              <a:t>1</a:t>
+            </a:r>
+            <a:r>
+              <a:rPr lang="zh-CN" altLang="en-US" sz="1600" dirty="0">
+                <a:latin typeface="微软雅黑" panose="020B0503020204020204" pitchFamily="34" charset="-122"/>
+                <a:ea typeface="微软雅黑" panose="020B0503020204020204" pitchFamily="34" charset="-122"/>
+              </a:rPr>
+              <a:t>、注册自己的</a:t>
+            </a:r>
+            <a:r>
+              <a:rPr lang="en-US" altLang="zh-CN" sz="1600" dirty="0">
+                <a:latin typeface="微软雅黑" panose="020B0503020204020204" pitchFamily="34" charset="-122"/>
+                <a:ea typeface="微软雅黑" panose="020B0503020204020204" pitchFamily="34" charset="-122"/>
+              </a:rPr>
+              <a:t>GitHub</a:t>
+            </a:r>
+            <a:r>
+              <a:rPr lang="zh-CN" altLang="en-US" sz="1600" dirty="0">
+                <a:latin typeface="微软雅黑" panose="020B0503020204020204" pitchFamily="34" charset="-122"/>
+                <a:ea typeface="微软雅黑" panose="020B0503020204020204" pitchFamily="34" charset="-122"/>
+              </a:rPr>
+              <a:t>账户</a:t>
+            </a:r>
+            <a:endParaRPr lang="en-US" altLang="zh-CN" sz="1600" dirty="0">
+              <a:latin typeface="微软雅黑" panose="020B0503020204020204" pitchFamily="34" charset="-122"/>
+              <a:ea typeface="微软雅黑" panose="020B0503020204020204" pitchFamily="34" charset="-122"/>
+            </a:endParaRPr>
+          </a:p>
+          <a:p>
+            <a:pPr>
+              <a:lnSpc>
+                <a:spcPct val="200000"/>
+              </a:lnSpc>
+            </a:pPr>
+            <a:r>
+              <a:rPr lang="en-US" altLang="zh-CN" sz="1600" dirty="0">
+                <a:latin typeface="微软雅黑" panose="020B0503020204020204" pitchFamily="34" charset="-122"/>
+                <a:ea typeface="微软雅黑" panose="020B0503020204020204" pitchFamily="34" charset="-122"/>
+              </a:rPr>
+              <a:t>2</a:t>
+            </a:r>
+            <a:r>
+              <a:rPr lang="zh-CN" altLang="en-US" sz="1600" dirty="0">
+                <a:latin typeface="微软雅黑" panose="020B0503020204020204" pitchFamily="34" charset="-122"/>
+                <a:ea typeface="微软雅黑" panose="020B0503020204020204" pitchFamily="34" charset="-122"/>
+              </a:rPr>
+              <a:t>、创建一个属于自己的</a:t>
+            </a:r>
+            <a:r>
+              <a:rPr lang="en-US" altLang="zh-CN" sz="1600" dirty="0">
+                <a:latin typeface="微软雅黑" panose="020B0503020204020204" pitchFamily="34" charset="-122"/>
+                <a:ea typeface="微软雅黑" panose="020B0503020204020204" pitchFamily="34" charset="-122"/>
+              </a:rPr>
+              <a:t>GitHub</a:t>
+            </a:r>
+            <a:r>
+              <a:rPr lang="zh-CN" altLang="en-US" sz="1600" dirty="0">
+                <a:latin typeface="微软雅黑" panose="020B0503020204020204" pitchFamily="34" charset="-122"/>
+                <a:ea typeface="微软雅黑" panose="020B0503020204020204" pitchFamily="34" charset="-122"/>
+              </a:rPr>
+              <a:t>仓库</a:t>
+            </a:r>
+            <a:endParaRPr lang="en-US" altLang="zh-CN" sz="1600" dirty="0">
+              <a:latin typeface="微软雅黑" panose="020B0503020204020204" pitchFamily="34" charset="-122"/>
+              <a:ea typeface="微软雅黑" panose="020B0503020204020204" pitchFamily="34" charset="-122"/>
+            </a:endParaRPr>
+          </a:p>
+          <a:p>
+            <a:pPr>
+              <a:lnSpc>
+                <a:spcPct val="200000"/>
+              </a:lnSpc>
+            </a:pPr>
+            <a:r>
+              <a:rPr lang="en-US" altLang="zh-CN" sz="1600" dirty="0">
+                <a:latin typeface="微软雅黑" panose="020B0503020204020204" pitchFamily="34" charset="-122"/>
+                <a:ea typeface="微软雅黑" panose="020B0503020204020204" pitchFamily="34" charset="-122"/>
+              </a:rPr>
+              <a:t>3</a:t>
+            </a:r>
+            <a:r>
+              <a:rPr lang="zh-CN" altLang="en-US" sz="1600" dirty="0">
+                <a:latin typeface="微软雅黑" panose="020B0503020204020204" pitchFamily="34" charset="-122"/>
+                <a:ea typeface="微软雅黑" panose="020B0503020204020204" pitchFamily="34" charset="-122"/>
+              </a:rPr>
+              <a:t>、使用</a:t>
+            </a:r>
+            <a:r>
+              <a:rPr lang="en-US" altLang="zh-CN" sz="1600" dirty="0">
+                <a:latin typeface="微软雅黑" panose="020B0503020204020204" pitchFamily="34" charset="-122"/>
+                <a:ea typeface="微软雅黑" panose="020B0503020204020204" pitchFamily="34" charset="-122"/>
+              </a:rPr>
+              <a:t>SSH</a:t>
+            </a:r>
+            <a:r>
+              <a:rPr lang="zh-CN" altLang="en-US" sz="1600" dirty="0">
+                <a:solidFill>
+                  <a:srgbClr val="212121"/>
+                </a:solidFill>
+                <a:latin typeface="微软雅黑" charset="0"/>
+                <a:ea typeface="微软雅黑" charset="0"/>
+                <a:cs typeface="微软雅黑" charset="0"/>
+                <a:sym typeface="Calibri" pitchFamily="34" charset="0"/>
+              </a:rPr>
+              <a:t>传输协议</a:t>
+            </a:r>
+            <a:endParaRPr lang="en-US" altLang="zh-CN" sz="1600" dirty="0">
+              <a:solidFill>
+                <a:srgbClr val="212121"/>
+              </a:solidFill>
+              <a:latin typeface="微软雅黑" charset="0"/>
+              <a:ea typeface="微软雅黑" charset="0"/>
+              <a:cs typeface="微软雅黑" charset="0"/>
+              <a:sym typeface="Calibri" pitchFamily="34" charset="0"/>
+            </a:endParaRPr>
+          </a:p>
+          <a:p>
+            <a:pPr>
+              <a:lnSpc>
+                <a:spcPct val="200000"/>
+              </a:lnSpc>
+            </a:pPr>
+            <a:r>
+              <a:rPr lang="en-US" altLang="zh-CN" sz="1600" dirty="0">
+                <a:solidFill>
+                  <a:srgbClr val="212121"/>
+                </a:solidFill>
+                <a:latin typeface="微软雅黑" charset="0"/>
+                <a:ea typeface="微软雅黑" charset="0"/>
+                <a:sym typeface="Calibri" pitchFamily="34" charset="0"/>
+              </a:rPr>
+              <a:t>4</a:t>
+            </a:r>
+            <a:r>
+              <a:rPr lang="zh-CN" altLang="en-US" sz="1600" dirty="0">
+                <a:solidFill>
+                  <a:srgbClr val="212121"/>
+                </a:solidFill>
+                <a:latin typeface="微软雅黑" charset="0"/>
+                <a:ea typeface="微软雅黑" charset="0"/>
+                <a:sym typeface="Calibri" pitchFamily="34" charset="0"/>
+              </a:rPr>
+              <a:t>、本地项目上传到</a:t>
+            </a:r>
+            <a:r>
+              <a:rPr lang="en-US" altLang="zh-CN" sz="1600" dirty="0">
+                <a:solidFill>
+                  <a:srgbClr val="212121"/>
+                </a:solidFill>
+                <a:latin typeface="微软雅黑" charset="0"/>
+                <a:ea typeface="微软雅黑" charset="0"/>
+                <a:sym typeface="Calibri" pitchFamily="34" charset="0"/>
+              </a:rPr>
+              <a:t>GitHub</a:t>
+            </a:r>
+            <a:endParaRPr lang="zh-CN" altLang="en-US" sz="1600" dirty="0">
+              <a:latin typeface="微软雅黑" panose="020B0503020204020204" pitchFamily="34" charset="-122"/>
+              <a:ea typeface="微软雅黑" panose="020B0503020204020204" pitchFamily="34" charset="-122"/>
+            </a:endParaRPr>
+          </a:p>
+        </p:txBody>
+      </p:sp>
+    </p:spTree>
+    <p:extLst>
+      <p:ext uri="{BB962C8B-B14F-4D97-AF65-F5344CB8AC3E}">
+        <p14:creationId xmlns:p14="http://schemas.microsoft.com/office/powerpoint/2010/main" val="571890674"/>
+      </p:ext>
+    </p:extLst>
+  </p:cSld>
+  <p:clrMapOvr>
+    <a:masterClrMapping/>
+  </p:clrMapOvr>
+</p:sld>
+</file>
+
+<file path=ppt/slides/slide20.xml><?xml version="1.0" encoding="utf-8"?>
 <p:sld xmlns:a="http://schemas.openxmlformats.org/drawingml/2006/main" xmlns:r="http://schemas.openxmlformats.org/officeDocument/2006/relationships" xmlns:p="http://schemas.openxmlformats.org/presentationml/2006/main">
   <p:cSld>
     <p:spTree>
@@ -11425,7 +12824,7 @@
 </p:sld>
 </file>
 
-<file path=ppt/slides/slide2.xml><?xml version="1.0" encoding="utf-8"?>
+<file path=ppt/slides/slide3.xml><?xml version="1.0" encoding="utf-8"?>
 <p:sld xmlns:a="http://schemas.openxmlformats.org/drawingml/2006/main" xmlns:r="http://schemas.openxmlformats.org/officeDocument/2006/relationships" xmlns:p="http://schemas.openxmlformats.org/presentationml/2006/main">
   <p:cSld>
     <p:spTree>
@@ -11614,7 +13013,7 @@
 </p:sld>
 </file>
 
-<file path=ppt/slides/slide3.xml><?xml version="1.0" encoding="utf-8"?>
+<file path=ppt/slides/slide4.xml><?xml version="1.0" encoding="utf-8"?>
 <p:sld xmlns:a="http://schemas.openxmlformats.org/drawingml/2006/main" xmlns:r="http://schemas.openxmlformats.org/officeDocument/2006/relationships" xmlns:p="http://schemas.openxmlformats.org/presentationml/2006/main">
   <p:cSld>
     <p:spTree>
@@ -12153,7 +13552,7 @@
 </p:sld>
 </file>
 
-<file path=ppt/slides/slide4.xml><?xml version="1.0" encoding="utf-8"?>
+<file path=ppt/slides/slide5.xml><?xml version="1.0" encoding="utf-8"?>
 <p:sld xmlns:a="http://schemas.openxmlformats.org/drawingml/2006/main" xmlns:r="http://schemas.openxmlformats.org/officeDocument/2006/relationships" xmlns:p="http://schemas.openxmlformats.org/presentationml/2006/main">
   <p:cSld>
     <p:spTree>
@@ -12584,7 +13983,7 @@
 </p:sld>
 </file>
 
-<file path=ppt/slides/slide5.xml><?xml version="1.0" encoding="utf-8"?>
+<file path=ppt/slides/slide6.xml><?xml version="1.0" encoding="utf-8"?>
 <p:sld xmlns:a="http://schemas.openxmlformats.org/drawingml/2006/main" xmlns:r="http://schemas.openxmlformats.org/officeDocument/2006/relationships" xmlns:p="http://schemas.openxmlformats.org/presentationml/2006/main">
   <p:cSld>
     <p:spTree>
@@ -13007,7 +14406,7 @@
 </p:sld>
 </file>
 
-<file path=ppt/slides/slide6.xml><?xml version="1.0" encoding="utf-8"?>
+<file path=ppt/slides/slide7.xml><?xml version="1.0" encoding="utf-8"?>
 <p:sld xmlns:a="http://schemas.openxmlformats.org/drawingml/2006/main" xmlns:r="http://schemas.openxmlformats.org/officeDocument/2006/relationships" xmlns:p="http://schemas.openxmlformats.org/presentationml/2006/main">
   <p:cSld>
     <p:spTree>
@@ -13505,7 +14904,7 @@
 </p:sld>
 </file>
 
-<file path=ppt/slides/slide7.xml><?xml version="1.0" encoding="utf-8"?>
+<file path=ppt/slides/slide8.xml><?xml version="1.0" encoding="utf-8"?>
 <p:sld xmlns:a="http://schemas.openxmlformats.org/drawingml/2006/main" xmlns:r="http://schemas.openxmlformats.org/officeDocument/2006/relationships" xmlns:p="http://schemas.openxmlformats.org/presentationml/2006/main">
   <p:cSld>
     <p:spTree>
@@ -13825,7 +15224,7 @@
 </p:sld>
 </file>
 
-<file path=ppt/slides/slide8.xml><?xml version="1.0" encoding="utf-8"?>
+<file path=ppt/slides/slide9.xml><?xml version="1.0" encoding="utf-8"?>
 <p:sld xmlns:a="http://schemas.openxmlformats.org/drawingml/2006/main" xmlns:r="http://schemas.openxmlformats.org/officeDocument/2006/relationships" xmlns:p="http://schemas.openxmlformats.org/presentationml/2006/main">
   <p:cSld>
     <p:spTree>
@@ -13996,338 +15395,6 @@
   <p:clrMapOvr>
     <a:masterClrMapping/>
   </p:clrMapOvr>
-</p:sld>
-</file>
-
-<file path=ppt/slides/slide9.xml><?xml version="1.0" encoding="utf-8"?>
-<p:sld xmlns:a="http://schemas.openxmlformats.org/drawingml/2006/main" xmlns:r="http://schemas.openxmlformats.org/officeDocument/2006/relationships" xmlns:p="http://schemas.openxmlformats.org/presentationml/2006/main">
-  <p:cSld>
-    <p:spTree>
-      <p:nvGrpSpPr>
-        <p:cNvPr id="1" name=""/>
-        <p:cNvGrpSpPr/>
-        <p:nvPr/>
-      </p:nvGrpSpPr>
-      <p:grpSpPr>
-        <a:xfrm>
-          <a:off x="0" y="0"/>
-          <a:ext cx="0" cy="0"/>
-          <a:chOff x="0" y="0"/>
-          <a:chExt cx="0" cy="0"/>
-        </a:xfrm>
-      </p:grpSpPr>
-      <p:sp>
-        <p:nvSpPr>
-          <p:cNvPr id="17" name="矩形"/>
-          <p:cNvSpPr>
-            <a:spLocks/>
-          </p:cNvSpPr>
-          <p:nvPr/>
-        </p:nvSpPr>
-        <p:spPr>
-          <a:xfrm>
-            <a:off x="2958413" y="333687"/>
-            <a:ext cx="3416320" cy="553998"/>
-          </a:xfrm>
-          <a:prstGeom prst="rect">
-            <a:avLst/>
-          </a:prstGeom>
-          <a:noFill/>
-          <a:ln w="9525" cap="flat" cmpd="sng">
-            <a:noFill/>
-            <a:prstDash val="solid"/>
-            <a:miter/>
-          </a:ln>
-        </p:spPr>
-        <p:txBody>
-          <a:bodyPr vert="horz" wrap="none" lIns="91440" tIns="45720" rIns="91440" bIns="45720" anchor="t" anchorCtr="0">
-            <a:prstTxWarp prst="textNoShape">
-              <a:avLst/>
-            </a:prstTxWarp>
-            <a:spAutoFit/>
-          </a:bodyPr>
-          <a:lstStyle/>
-          <a:p>
-            <a:r>
-              <a:rPr lang="en-US" altLang="zh-CN" sz="3000" b="1" kern="0" dirty="0" err="1">
-                <a:solidFill>
-                  <a:srgbClr val="C9394A"/>
-                </a:solidFill>
-                <a:latin typeface="微软雅黑" charset="0"/>
-                <a:ea typeface="微软雅黑" charset="0"/>
-                <a:cs typeface="微软雅黑" charset="0"/>
-                <a:sym typeface="Calibri" pitchFamily="34" charset="0"/>
-              </a:rPr>
-              <a:t>github</a:t>
-            </a:r>
-            <a:r>
-              <a:rPr lang="en-US" altLang="zh-CN" sz="3000" b="1" kern="0" dirty="0">
-                <a:solidFill>
-                  <a:srgbClr val="C9394A"/>
-                </a:solidFill>
-                <a:latin typeface="微软雅黑" charset="0"/>
-                <a:ea typeface="微软雅黑" charset="0"/>
-                <a:cs typeface="微软雅黑" charset="0"/>
-                <a:sym typeface="Calibri" pitchFamily="34" charset="0"/>
-              </a:rPr>
-              <a:t>-https</a:t>
-            </a:r>
-            <a:r>
-              <a:rPr lang="zh-CN" altLang="en-US" sz="3000" b="1" kern="0" dirty="0">
-                <a:solidFill>
-                  <a:srgbClr val="C9394A"/>
-                </a:solidFill>
-                <a:latin typeface="微软雅黑" charset="0"/>
-                <a:ea typeface="微软雅黑" charset="0"/>
-                <a:cs typeface="微软雅黑" charset="0"/>
-                <a:sym typeface="Calibri" pitchFamily="34" charset="0"/>
-              </a:rPr>
-              <a:t>协议</a:t>
-            </a:r>
-            <a:endParaRPr lang="zh-CN" altLang="en-US" u="none" strike="noStrike" kern="1200" cap="none" spc="0" baseline="0" dirty="0">
-              <a:solidFill>
-                <a:schemeClr val="tx1"/>
-              </a:solidFill>
-              <a:latin typeface="Calibri" pitchFamily="34" charset="0"/>
-              <a:ea typeface="宋体" pitchFamily="2" charset="-122"/>
-              <a:cs typeface="微软雅黑" charset="0"/>
-            </a:endParaRPr>
-          </a:p>
-        </p:txBody>
-      </p:sp>
-      <p:pic>
-        <p:nvPicPr>
-          <p:cNvPr id="2" name="图片 1">
-            <a:extLst>
-              <a:ext uri="{FF2B5EF4-FFF2-40B4-BE49-F238E27FC236}">
-                <a16:creationId xmlns:a16="http://schemas.microsoft.com/office/drawing/2014/main" id="{A83DFD1D-604A-4CC1-86FA-039AD96AB95A}"/>
-              </a:ext>
-            </a:extLst>
-          </p:cNvPr>
-          <p:cNvPicPr>
-            <a:picLocks noChangeAspect="1"/>
-          </p:cNvPicPr>
-          <p:nvPr/>
-        </p:nvPicPr>
-        <p:blipFill>
-          <a:blip r:embed="rId3"/>
-          <a:stretch>
-            <a:fillRect/>
-          </a:stretch>
-        </p:blipFill>
-        <p:spPr>
-          <a:xfrm>
-            <a:off x="3131837" y="1779662"/>
-            <a:ext cx="2880320" cy="3031348"/>
-          </a:xfrm>
-          <a:prstGeom prst="rect">
-            <a:avLst/>
-          </a:prstGeom>
-        </p:spPr>
-      </p:pic>
-      <p:sp>
-        <p:nvSpPr>
-          <p:cNvPr id="8" name="矩形">
-            <a:extLst>
-              <a:ext uri="{FF2B5EF4-FFF2-40B4-BE49-F238E27FC236}">
-                <a16:creationId xmlns:a16="http://schemas.microsoft.com/office/drawing/2014/main" id="{DD861988-578A-41C1-818C-669E02578C63}"/>
-              </a:ext>
-            </a:extLst>
-          </p:cNvPr>
-          <p:cNvSpPr>
-            <a:spLocks/>
-          </p:cNvSpPr>
-          <p:nvPr/>
-        </p:nvSpPr>
-        <p:spPr>
-          <a:xfrm>
-            <a:off x="289355" y="1154850"/>
-            <a:ext cx="8565279" cy="400110"/>
-          </a:xfrm>
-          <a:prstGeom prst="rect">
-            <a:avLst/>
-          </a:prstGeom>
-          <a:noFill/>
-          <a:ln w="9525" cap="flat" cmpd="sng">
-            <a:noFill/>
-            <a:prstDash val="solid"/>
-            <a:miter/>
-          </a:ln>
-        </p:spPr>
-        <p:txBody>
-          <a:bodyPr vert="horz" wrap="square" lIns="91440" tIns="45720" rIns="91440" bIns="45720" anchor="ctr" anchorCtr="0">
-            <a:prstTxWarp prst="textNoShape">
-              <a:avLst/>
-            </a:prstTxWarp>
-            <a:spAutoFit/>
-          </a:bodyPr>
-          <a:lstStyle/>
-          <a:p>
-            <a:pPr marL="800100" lvl="1" indent="-342900">
-              <a:buFont typeface="Wingdings" panose="05000000000000000000" pitchFamily="2" charset="2"/>
-              <a:buChar char="u"/>
-            </a:pPr>
-            <a:r>
-              <a:rPr lang="en-US" altLang="zh-CN" sz="2000" u="none" strike="noStrike" kern="1200" cap="none" spc="0" baseline="0" dirty="0">
-                <a:solidFill>
-                  <a:srgbClr val="212121"/>
-                </a:solidFill>
-                <a:latin typeface="微软雅黑" charset="0"/>
-                <a:ea typeface="微软雅黑" charset="0"/>
-                <a:cs typeface="微软雅黑" charset="0"/>
-                <a:sym typeface="Calibri" pitchFamily="34" charset="0"/>
-              </a:rPr>
-              <a:t>https</a:t>
-            </a:r>
-            <a:r>
-              <a:rPr lang="zh-CN" altLang="en-US" sz="2000" u="none" strike="noStrike" kern="1200" cap="none" spc="0" baseline="0" dirty="0">
-                <a:solidFill>
-                  <a:srgbClr val="212121"/>
-                </a:solidFill>
-                <a:latin typeface="微软雅黑" charset="0"/>
-                <a:ea typeface="微软雅黑" charset="0"/>
-                <a:cs typeface="微软雅黑" charset="0"/>
-                <a:sym typeface="Calibri" pitchFamily="34" charset="0"/>
-              </a:rPr>
-              <a:t>协议提交代码时需要用户名和密码</a:t>
-            </a:r>
-          </a:p>
-        </p:txBody>
-      </p:sp>
-    </p:spTree>
-    <p:extLst>
-      <p:ext uri="{BB962C8B-B14F-4D97-AF65-F5344CB8AC3E}">
-        <p14:creationId xmlns:p14="http://schemas.microsoft.com/office/powerpoint/2010/main" val="3804456719"/>
-      </p:ext>
-    </p:extLst>
-  </p:cSld>
-  <p:clrMapOvr>
-    <a:masterClrMapping/>
-  </p:clrMapOvr>
-  <p:timing>
-    <p:tnLst>
-      <p:par>
-        <p:cTn id="1" dur="indefinite" restart="never" nodeType="tmRoot">
-          <p:childTnLst>
-            <p:seq concurrent="1" nextAc="seek">
-              <p:cTn id="2" dur="indefinite" nodeType="mainSeq">
-                <p:childTnLst>
-                  <p:par>
-                    <p:cTn id="3" fill="hold">
-                      <p:stCondLst>
-                        <p:cond delay="indefinite"/>
-                      </p:stCondLst>
-                      <p:childTnLst>
-                        <p:par>
-                          <p:cTn id="4" fill="hold">
-                            <p:stCondLst>
-                              <p:cond delay="0"/>
-                            </p:stCondLst>
-                            <p:childTnLst>
-                              <p:par>
-                                <p:cTn id="5" presetID="2" presetClass="entr" presetSubtype="4" fill="hold" grpId="0" nodeType="clickEffect">
-                                  <p:stCondLst>
-                                    <p:cond delay="0"/>
-                                  </p:stCondLst>
-                                  <p:childTnLst>
-                                    <p:set>
-                                      <p:cBhvr>
-                                        <p:cTn id="6" dur="1" fill="hold">
-                                          <p:stCondLst>
-                                            <p:cond delay="0"/>
-                                          </p:stCondLst>
-                                        </p:cTn>
-                                        <p:tgtEl>
-                                          <p:spTgt spid="8"/>
-                                        </p:tgtEl>
-                                        <p:attrNameLst>
-                                          <p:attrName>style.visibility</p:attrName>
-                                        </p:attrNameLst>
-                                      </p:cBhvr>
-                                      <p:to>
-                                        <p:strVal val="visible"/>
-                                      </p:to>
-                                    </p:set>
-                                    <p:anim calcmode="lin" valueType="num">
-                                      <p:cBhvr additive="base">
-                                        <p:cTn id="7" dur="500" fill="hold"/>
-                                        <p:tgtEl>
-                                          <p:spTgt spid="8"/>
-                                        </p:tgtEl>
-                                        <p:attrNameLst>
-                                          <p:attrName>ppt_x</p:attrName>
-                                        </p:attrNameLst>
-                                      </p:cBhvr>
-                                      <p:tavLst>
-                                        <p:tav tm="0">
-                                          <p:val>
-                                            <p:strVal val="#ppt_x"/>
-                                          </p:val>
-                                        </p:tav>
-                                        <p:tav tm="100000">
-                                          <p:val>
-                                            <p:strVal val="#ppt_x"/>
-                                          </p:val>
-                                        </p:tav>
-                                      </p:tavLst>
-                                    </p:anim>
-                                    <p:anim calcmode="lin" valueType="num">
-                                      <p:cBhvr additive="base">
-                                        <p:cTn id="8" dur="500" fill="hold"/>
-                                        <p:tgtEl>
-                                          <p:spTgt spid="8"/>
-                                        </p:tgtEl>
-                                        <p:attrNameLst>
-                                          <p:attrName>ppt_y</p:attrName>
-                                        </p:attrNameLst>
-                                      </p:cBhvr>
-                                      <p:tavLst>
-                                        <p:tav tm="0">
-                                          <p:val>
-                                            <p:strVal val="1+#ppt_h/2"/>
-                                          </p:val>
-                                        </p:tav>
-                                        <p:tav tm="100000">
-                                          <p:val>
-                                            <p:strVal val="#ppt_y"/>
-                                          </p:val>
-                                        </p:tav>
-                                      </p:tavLst>
-                                    </p:anim>
-                                  </p:childTnLst>
-                                </p:cTn>
-                              </p:par>
-                            </p:childTnLst>
-                          </p:cTn>
-                        </p:par>
-                      </p:childTnLst>
-                    </p:cTn>
-                  </p:par>
-                </p:childTnLst>
-              </p:cTn>
-              <p:prevCondLst>
-                <p:cond evt="onPrev" delay="0">
-                  <p:tgtEl>
-                    <p:sldTgt/>
-                  </p:tgtEl>
-                </p:cond>
-              </p:prevCondLst>
-              <p:nextCondLst>
-                <p:cond evt="onNext" delay="0">
-                  <p:tgtEl>
-                    <p:sldTgt/>
-                  </p:tgtEl>
-                </p:cond>
-              </p:nextCondLst>
-            </p:seq>
-          </p:childTnLst>
-        </p:cTn>
-      </p:par>
-    </p:tnLst>
-    <p:bldLst>
-      <p:bldP spid="8" grpId="0"/>
-    </p:bldLst>
-  </p:timing>
 </p:sld>
 </file>
 
